--- a/프로토타입.pptx
+++ b/프로토타입.pptx
@@ -111,6 +111,11 @@
       </a:defRPr>
     </a:lvl9pPr>
   </p:defaultTextStyle>
+  <p:extLst>
+    <p:ext uri="{EFAFB233-063F-42B5-8137-9DF3F51BA10A}">
+      <p15:sldGuideLst xmlns:p15="http://schemas.microsoft.com/office/powerpoint/2012/main"/>
+    </p:ext>
+  </p:extLst>
 </p:presentation>
 </file>
 
@@ -15547,7 +15552,7 @@
                 <a:latin typeface="Segoe UI" pitchFamily="34" charset="0"/>
                 <a:cs typeface="Segoe UI" pitchFamily="34" charset="0"/>
               </a:rPr>
-              <a:t>수정</a:t>
+              <a:t>저장</a:t>
             </a:r>
             <a:endParaRPr lang="en-US" sz="1200" dirty="0">
               <a:solidFill>
@@ -25662,13 +25667,13 @@
 
 <file path=customXml/item1.xml><?xml version="1.0" encoding="utf-8"?>
 <Control xmlns="http://schemas.microsoft.com/VisualStudio/2011/storyboarding/control">
-  <Id Name="System.Storyboarding.Backgrounds.DesktopTaskbar" Revision="1" Stencil="System.Storyboarding.Backgrounds" StencilVersion="0.1"/>
+  <Id Name="System.Storyboarding.Common.Button" Revision="1" Stencil="System.Storyboarding.Common" StencilVersion="0.1"/>
 </Control>
 </file>
 
 <file path=customXml/item10.xml><?xml version="1.0" encoding="utf-8"?>
 <Control xmlns="http://schemas.microsoft.com/VisualStudio/2011/storyboarding/control">
-  <Id Name="System.Storyboarding.WindowsPhone.Tile" Revision="1" Stencil="System.Storyboarding.WindowsPhone" StencilVersion="0.1"/>
+  <Id Name="System.Storyboarding.Backgrounds.Window" Revision="1" Stencil="System.Storyboarding.Backgrounds" StencilVersion="0.1"/>
 </Control>
 </file>
 
@@ -25680,7 +25685,7 @@
 
 <file path=customXml/item12.xml><?xml version="1.0" encoding="utf-8"?>
 <Control xmlns="http://schemas.microsoft.com/VisualStudio/2011/storyboarding/control">
-  <Id Name="System.Storyboarding.WindowsPhone.Tile" Revision="1" Stencil="System.Storyboarding.WindowsPhone" StencilVersion="0.1"/>
+  <Id Name="System.Storyboarding.Backgrounds.Window" Revision="1" Stencil="System.Storyboarding.Backgrounds" StencilVersion="0.1"/>
 </Control>
 </file>
 
@@ -25692,19 +25697,19 @@
 
 <file path=customXml/item14.xml><?xml version="1.0" encoding="utf-8"?>
 <Control xmlns="http://schemas.microsoft.com/VisualStudio/2011/storyboarding/control">
-  <Id Name="System.Storyboarding.Icons.User" Revision="1" Stencil="System.Storyboarding.Icons" StencilVersion="0.1"/>
+  <Id Name="System.Storyboarding.Common.TextInput" Revision="1" Stencil="System.Storyboarding.Common" StencilVersion="0.1"/>
 </Control>
 </file>
 
 <file path=customXml/item15.xml><?xml version="1.0" encoding="utf-8"?>
 <Control xmlns="http://schemas.microsoft.com/VisualStudio/2011/storyboarding/control">
-  <Id Name="System.Storyboarding.Backgrounds.StartScreen" Revision="1" Stencil="System.Storyboarding.Backgrounds" StencilVersion="0.1"/>
+  <Id Name="System.Storyboarding.Common.TextArea" Revision="1" Stencil="System.Storyboarding.Common" StencilVersion="0.1"/>
 </Control>
 </file>
 
 <file path=customXml/item16.xml><?xml version="1.0" encoding="utf-8"?>
 <Control xmlns="http://schemas.microsoft.com/VisualStudio/2011/storyboarding/control">
-  <Id Name="System.Storyboarding.Icons.User" Revision="1" Stencil="System.Storyboarding.Icons" StencilVersion="0.1"/>
+  <Id Name="System.Storyboarding.Backgrounds.Window" Revision="1" Stencil="System.Storyboarding.Backgrounds" StencilVersion="0.1"/>
 </Control>
 </file>
 
@@ -25716,19 +25721,19 @@
 
 <file path=customXml/item18.xml><?xml version="1.0" encoding="utf-8"?>
 <Control xmlns="http://schemas.microsoft.com/VisualStudio/2011/storyboarding/control">
-  <Id Name="System.Storyboarding.Backgrounds.Window" Revision="1" Stencil="System.Storyboarding.Backgrounds" StencilVersion="0.1"/>
+  <Id Name="System.Storyboarding.Common.Text" Revision="1" Stencil="System.Storyboarding.Common" StencilVersion="0.1"/>
 </Control>
 </file>
 
 <file path=customXml/item19.xml><?xml version="1.0" encoding="utf-8"?>
 <Control xmlns="http://schemas.microsoft.com/VisualStudio/2011/storyboarding/control">
-  <Id Name="System.Storyboarding.Common.DataGrid" Revision="1" Stencil="System.Storyboarding.Common" StencilVersion="0.1"/>
+  <Id Name="System.Storyboarding.Common.Button" Revision="1" Stencil="System.Storyboarding.Common" StencilVersion="0.1"/>
 </Control>
 </file>
 
 <file path=customXml/item2.xml><?xml version="1.0" encoding="utf-8"?>
 <Control xmlns="http://schemas.microsoft.com/VisualStudio/2011/storyboarding/control">
-  <Id Name="System.Storyboarding.WindowsPhone.Tile" Revision="1" Stencil="System.Storyboarding.WindowsPhone" StencilVersion="0.1"/>
+  <Id Name="System.Storyboarding.Common.Button" Revision="1" Stencil="System.Storyboarding.Common" StencilVersion="0.1"/>
 </Control>
 </file>
 
@@ -25746,73 +25751,73 @@
 
 <file path=customXml/item22.xml><?xml version="1.0" encoding="utf-8"?>
 <Control xmlns="http://schemas.microsoft.com/VisualStudio/2011/storyboarding/control">
-  <Id Name="System.Storyboarding.Common.Button" Revision="1" Stencil="System.Storyboarding.Common" StencilVersion="0.1"/>
+  <Id Name="System.Storyboarding.WindowsDesktop.DialogBox" Revision="1" Stencil="System.Storyboarding.WindowsDesktop" StencilVersion="0.1"/>
 </Control>
 </file>
 
 <file path=customXml/item23.xml><?xml version="1.0" encoding="utf-8"?>
 <Control xmlns="http://schemas.microsoft.com/VisualStudio/2011/storyboarding/control">
-  <Id Name="System.Storyboarding.Common.MouseClick" Revision="1" Stencil="System.Storyboarding.Common" StencilVersion="0.1"/>
+  <Id Name="System.Storyboarding.WindowsPhone.Tile" Revision="1" Stencil="System.Storyboarding.WindowsPhone" StencilVersion="0.1"/>
 </Control>
 </file>
 
 <file path=customXml/item24.xml><?xml version="1.0" encoding="utf-8"?>
 <Control xmlns="http://schemas.microsoft.com/VisualStudio/2011/storyboarding/control">
-  <Id Name="System.Storyboarding.Backgrounds.Window" Revision="1" Stencil="System.Storyboarding.Backgrounds" StencilVersion="0.1"/>
+  <Id Name="System.Storyboarding.Common.TextInput" Revision="1" Stencil="System.Storyboarding.Common" StencilVersion="0.1"/>
 </Control>
 </file>
 
 <file path=customXml/item25.xml><?xml version="1.0" encoding="utf-8"?>
 <Control xmlns="http://schemas.microsoft.com/VisualStudio/2011/storyboarding/control">
-  <Id Name="System.Storyboarding.Common.DataGrid" Revision="1" Stencil="System.Storyboarding.Common" StencilVersion="0.1"/>
+  <Id Name="System.Storyboarding.Backgrounds.Window" Revision="1" Stencil="System.Storyboarding.Backgrounds" StencilVersion="0.1"/>
 </Control>
 </file>
 
 <file path=customXml/item26.xml><?xml version="1.0" encoding="utf-8"?>
 <Control xmlns="http://schemas.microsoft.com/VisualStudio/2011/storyboarding/control">
-  <Id Name="System.Storyboarding.Common.Button" Revision="1" Stencil="System.Storyboarding.Common" StencilVersion="0.1"/>
+  <Id Name="System.Storyboarding.Common.MouseClick" Revision="1" Stencil="System.Storyboarding.Common" StencilVersion="0.1"/>
 </Control>
 </file>
 
 <file path=customXml/item27.xml><?xml version="1.0" encoding="utf-8"?>
 <Control xmlns="http://schemas.microsoft.com/VisualStudio/2011/storyboarding/control">
-  <Id Name="System.Storyboarding.Common.Button" Revision="1" Stencil="System.Storyboarding.Common" StencilVersion="0.1"/>
+  <Id Name="System.Storyboarding.Common.MouseClick" Revision="1" Stencil="System.Storyboarding.Common" StencilVersion="0.1"/>
 </Control>
 </file>
 
 <file path=customXml/item28.xml><?xml version="1.0" encoding="utf-8"?>
 <Control xmlns="http://schemas.microsoft.com/VisualStudio/2011/storyboarding/control">
-  <Id Name="System.Storyboarding.Common.MouseClick" Revision="1" Stencil="System.Storyboarding.Common" StencilVersion="0.1"/>
+  <Id Name="System.Storyboarding.Common.DataGrid" Revision="1" Stencil="System.Storyboarding.Common" StencilVersion="0.1"/>
 </Control>
 </file>
 
 <file path=customXml/item29.xml><?xml version="1.0" encoding="utf-8"?>
 <Control xmlns="http://schemas.microsoft.com/VisualStudio/2011/storyboarding/control">
-  <Id Name="System.Storyboarding.Backgrounds.Window" Revision="1" Stencil="System.Storyboarding.Backgrounds" StencilVersion="0.1"/>
+  <Id Name="System.Storyboarding.Icons.User" Revision="1" Stencil="System.Storyboarding.Icons" StencilVersion="0.1"/>
 </Control>
 </file>
 
 <file path=customXml/item3.xml><?xml version="1.0" encoding="utf-8"?>
 <Control xmlns="http://schemas.microsoft.com/VisualStudio/2011/storyboarding/control">
-  <Id Name="System.Storyboarding.WindowsPhone.Tile" Revision="1" Stencil="System.Storyboarding.WindowsPhone" StencilVersion="0.1"/>
+  <Id Name="System.Storyboarding.Common.Button" Revision="1" Stencil="System.Storyboarding.Common" StencilVersion="0.1"/>
 </Control>
 </file>
 
 <file path=customXml/item30.xml><?xml version="1.0" encoding="utf-8"?>
 <Control xmlns="http://schemas.microsoft.com/VisualStudio/2011/storyboarding/control">
-  <Id Name="System.Storyboarding.Common.TextInput" Revision="1" Stencil="System.Storyboarding.Common" StencilVersion="0.1"/>
+  <Id Name="System.Storyboarding.Common.Button" Revision="1" Stencil="System.Storyboarding.Common" StencilVersion="0.1"/>
 </Control>
 </file>
 
 <file path=customXml/item31.xml><?xml version="1.0" encoding="utf-8"?>
 <Control xmlns="http://schemas.microsoft.com/VisualStudio/2011/storyboarding/control">
-  <Id Name="System.Storyboarding.Common.Text" Revision="1" Stencil="System.Storyboarding.Common" StencilVersion="0.1"/>
+  <Id Name="System.Storyboarding.Common.Button" Revision="1" Stencil="System.Storyboarding.Common" StencilVersion="0.1"/>
 </Control>
 </file>
 
 <file path=customXml/item32.xml><?xml version="1.0" encoding="utf-8"?>
 <Control xmlns="http://schemas.microsoft.com/VisualStudio/2011/storyboarding/control">
-  <Id Name="System.Storyboarding.Common.Text" Revision="1" Stencil="System.Storyboarding.Common" StencilVersion="0.1"/>
+  <Id Name="System.Storyboarding.Common.TextInput" Revision="1" Stencil="System.Storyboarding.Common" StencilVersion="0.1"/>
 </Control>
 </file>
 
@@ -25824,91 +25829,91 @@
 
 <file path=customXml/item34.xml><?xml version="1.0" encoding="utf-8"?>
 <Control xmlns="http://schemas.microsoft.com/VisualStudio/2011/storyboarding/control">
-  <Id Name="System.Storyboarding.Common.Text" Revision="1" Stencil="System.Storyboarding.Common" StencilVersion="0.1"/>
+  <Id Name="System.Storyboarding.Common.Button" Revision="1" Stencil="System.Storyboarding.Common" StencilVersion="0.1"/>
 </Control>
 </file>
 
 <file path=customXml/item35.xml><?xml version="1.0" encoding="utf-8"?>
 <Control xmlns="http://schemas.microsoft.com/VisualStudio/2011/storyboarding/control">
-  <Id Name="System.Storyboarding.Common.Text" Revision="1" Stencil="System.Storyboarding.Common" StencilVersion="0.1"/>
+  <Id Name="System.Storyboarding.Common.Button" Revision="1" Stencil="System.Storyboarding.Common" StencilVersion="0.1"/>
 </Control>
 </file>
 
 <file path=customXml/item36.xml><?xml version="1.0" encoding="utf-8"?>
 <Control xmlns="http://schemas.microsoft.com/VisualStudio/2011/storyboarding/control">
-  <Id Name="System.Storyboarding.Common.TextInput" Revision="1" Stencil="System.Storyboarding.Common" StencilVersion="0.1"/>
+  <Id Name="System.Storyboarding.Common.Text" Revision="1" Stencil="System.Storyboarding.Common" StencilVersion="0.1"/>
 </Control>
 </file>
 
 <file path=customXml/item37.xml><?xml version="1.0" encoding="utf-8"?>
 <Control xmlns="http://schemas.microsoft.com/VisualStudio/2011/storyboarding/control">
-  <Id Name="System.Storyboarding.Common.TextInput" Revision="1" Stencil="System.Storyboarding.Common" StencilVersion="0.1"/>
+  <Id Name="System.Storyboarding.Common.TextArea" Revision="1" Stencil="System.Storyboarding.Common" StencilVersion="0.1"/>
 </Control>
 </file>
 
 <file path=customXml/item38.xml><?xml version="1.0" encoding="utf-8"?>
 <Control xmlns="http://schemas.microsoft.com/VisualStudio/2011/storyboarding/control">
-  <Id Name="System.Storyboarding.Common.TextInput" Revision="1" Stencil="System.Storyboarding.Common" StencilVersion="0.1"/>
+  <Id Name="System.Storyboarding.Backgrounds.Window" Revision="1" Stencil="System.Storyboarding.Backgrounds" StencilVersion="0.1"/>
 </Control>
 </file>
 
 <file path=customXml/item39.xml><?xml version="1.0" encoding="utf-8"?>
 <Control xmlns="http://schemas.microsoft.com/VisualStudio/2011/storyboarding/control">
-  <Id Name="System.Storyboarding.Common.TextInput" Revision="1" Stencil="System.Storyboarding.Common" StencilVersion="0.1"/>
+  <Id Name="System.Storyboarding.Common.DataGrid" Revision="1" Stencil="System.Storyboarding.Common" StencilVersion="0.1"/>
 </Control>
 </file>
 
 <file path=customXml/item4.xml><?xml version="1.0" encoding="utf-8"?>
 <Control xmlns="http://schemas.microsoft.com/VisualStudio/2011/storyboarding/control">
-  <Id Name="System.Storyboarding.WindowsPhone.WideTile" Revision="1" Stencil="System.Storyboarding.WindowsPhone" StencilVersion="0.1"/>
+  <Id Name="System.Storyboarding.Common.TextInput" Revision="1" Stencil="System.Storyboarding.Common" StencilVersion="0.1"/>
 </Control>
 </file>
 
 <file path=customXml/item40.xml><?xml version="1.0" encoding="utf-8"?>
 <Control xmlns="http://schemas.microsoft.com/VisualStudio/2011/storyboarding/control">
-  <Id Name="System.Storyboarding.Common.TextArea" Revision="1" Stencil="System.Storyboarding.Common" StencilVersion="0.1"/>
+  <Id Name="System.Storyboarding.WindowsPhone.WideTile" Revision="1" Stencil="System.Storyboarding.WindowsPhone" StencilVersion="0.1"/>
 </Control>
 </file>
 
 <file path=customXml/item41.xml><?xml version="1.0" encoding="utf-8"?>
 <Control xmlns="http://schemas.microsoft.com/VisualStudio/2011/storyboarding/control">
-  <Id Name="System.Storyboarding.Common.TextArea" Revision="1" Stencil="System.Storyboarding.Common" StencilVersion="0.1"/>
+  <Id Name="System.Storyboarding.Backgrounds.Window" Revision="1" Stencil="System.Storyboarding.Backgrounds" StencilVersion="0.1"/>
 </Control>
 </file>
 
 <file path=customXml/item42.xml><?xml version="1.0" encoding="utf-8"?>
 <Control xmlns="http://schemas.microsoft.com/VisualStudio/2011/storyboarding/control">
-  <Id Name="System.Storyboarding.Common.Button" Revision="1" Stencil="System.Storyboarding.Common" StencilVersion="0.1"/>
+  <Id Name="System.Storyboarding.Common.DataGrid" Revision="1" Stencil="System.Storyboarding.Common" StencilVersion="0.1"/>
 </Control>
 </file>
 
 <file path=customXml/item43.xml><?xml version="1.0" encoding="utf-8"?>
 <Control xmlns="http://schemas.microsoft.com/VisualStudio/2011/storyboarding/control">
-  <Id Name="System.Storyboarding.Common.Button" Revision="1" Stencil="System.Storyboarding.Common" StencilVersion="0.1"/>
+  <Id Name="System.Storyboarding.Common.MousePointer" Revision="1" Stencil="System.Storyboarding.Common" StencilVersion="0.1"/>
 </Control>
 </file>
 
 <file path=customXml/item44.xml><?xml version="1.0" encoding="utf-8"?>
 <Control xmlns="http://schemas.microsoft.com/VisualStudio/2011/storyboarding/control">
-  <Id Name="System.Storyboarding.Common.MouseClick" Revision="1" Stencil="System.Storyboarding.Common" StencilVersion="0.1"/>
+  <Id Name="System.Storyboarding.Common.Button" Revision="1" Stencil="System.Storyboarding.Common" StencilVersion="0.1"/>
 </Control>
 </file>
 
 <file path=customXml/item45.xml><?xml version="1.0" encoding="utf-8"?>
 <Control xmlns="http://schemas.microsoft.com/VisualStudio/2011/storyboarding/control">
-  <Id Name="System.Storyboarding.Backgrounds.Window" Revision="1" Stencil="System.Storyboarding.Backgrounds" StencilVersion="0.1"/>
+  <Id Name="System.Storyboarding.Common.Button" Revision="1" Stencil="System.Storyboarding.Common" StencilVersion="0.1"/>
 </Control>
 </file>
 
 <file path=customXml/item46.xml><?xml version="1.0" encoding="utf-8"?>
 <Control xmlns="http://schemas.microsoft.com/VisualStudio/2011/storyboarding/control">
-  <Id Name="System.Storyboarding.Common.DataGrid" Revision="1" Stencil="System.Storyboarding.Common" StencilVersion="0.1"/>
+  <Id Name="System.Storyboarding.WindowsPhone.Tile" Revision="1" Stencil="System.Storyboarding.WindowsPhone" StencilVersion="0.1"/>
 </Control>
 </file>
 
 <file path=customXml/item47.xml><?xml version="1.0" encoding="utf-8"?>
 <Control xmlns="http://schemas.microsoft.com/VisualStudio/2011/storyboarding/control">
-  <Id Name="System.Storyboarding.Common.Button" Revision="1" Stencil="System.Storyboarding.Common" StencilVersion="0.1"/>
+  <Id Name="System.Storyboarding.WindowsPhone.Tile" Revision="1" Stencil="System.Storyboarding.WindowsPhone" StencilVersion="0.1"/>
 </Control>
 </file>
 
@@ -25920,25 +25925,25 @@
 
 <file path=customXml/item49.xml><?xml version="1.0" encoding="utf-8"?>
 <Control xmlns="http://schemas.microsoft.com/VisualStudio/2011/storyboarding/control">
-  <Id Name="System.Storyboarding.Common.MouseClick" Revision="1" Stencil="System.Storyboarding.Common" StencilVersion="0.1"/>
+  <Id Name="System.Storyboarding.Common.DataGrid" Revision="1" Stencil="System.Storyboarding.Common" StencilVersion="0.1"/>
 </Control>
 </file>
 
 <file path=customXml/item5.xml><?xml version="1.0" encoding="utf-8"?>
 <Control xmlns="http://schemas.microsoft.com/VisualStudio/2011/storyboarding/control">
-  <Id Name="System.Storyboarding.WindowsPhone.Tile" Revision="1" Stencil="System.Storyboarding.WindowsPhone" StencilVersion="0.1"/>
+  <Id Name="System.Storyboarding.Common.MouseClick" Revision="1" Stencil="System.Storyboarding.Common" StencilVersion="0.1"/>
 </Control>
 </file>
 
 <file path=customXml/item50.xml><?xml version="1.0" encoding="utf-8"?>
 <Control xmlns="http://schemas.microsoft.com/VisualStudio/2011/storyboarding/control">
-  <Id Name="System.Storyboarding.Common.MouseClick" Revision="1" Stencil="System.Storyboarding.Common" StencilVersion="0.1"/>
+  <Id Name="System.Storyboarding.Common.Text" Revision="1" Stencil="System.Storyboarding.Common" StencilVersion="0.1"/>
 </Control>
 </file>
 
 <file path=customXml/item51.xml><?xml version="1.0" encoding="utf-8"?>
 <Control xmlns="http://schemas.microsoft.com/VisualStudio/2011/storyboarding/control">
-  <Id Name="System.Storyboarding.Backgrounds.Window" Revision="1" Stencil="System.Storyboarding.Backgrounds" StencilVersion="0.1"/>
+  <Id Name="System.Storyboarding.Common.TextInput" Revision="1" Stencil="System.Storyboarding.Common" StencilVersion="0.1"/>
 </Control>
 </file>
 
@@ -25950,7 +25955,7 @@
 
 <file path=customXml/item53.xml><?xml version="1.0" encoding="utf-8"?>
 <Control xmlns="http://schemas.microsoft.com/VisualStudio/2011/storyboarding/control">
-  <Id Name="System.Storyboarding.Common.Button" Revision="1" Stencil="System.Storyboarding.Common" StencilVersion="0.1"/>
+  <Id Name="System.Storyboarding.Common.Text" Revision="1" Stencil="System.Storyboarding.Common" StencilVersion="0.1"/>
 </Control>
 </file>
 
@@ -25962,85 +25967,85 @@
 
 <file path=customXml/item55.xml><?xml version="1.0" encoding="utf-8"?>
 <Control xmlns="http://schemas.microsoft.com/VisualStudio/2011/storyboarding/control">
-  <Id Name="System.Storyboarding.Backgrounds.Window" Revision="1" Stencil="System.Storyboarding.Backgrounds" StencilVersion="0.1"/>
+  <Id Name="System.Storyboarding.Common.Button" Revision="1" Stencil="System.Storyboarding.Common" StencilVersion="0.1"/>
 </Control>
 </file>
 
 <file path=customXml/item56.xml><?xml version="1.0" encoding="utf-8"?>
 <Control xmlns="http://schemas.microsoft.com/VisualStudio/2011/storyboarding/control">
-  <Id Name="System.Storyboarding.Common.Text" Revision="1" Stencil="System.Storyboarding.Common" StencilVersion="0.1"/>
+  <Id Name="System.Storyboarding.Common.TextArea" Revision="1" Stencil="System.Storyboarding.Common" StencilVersion="0.1"/>
 </Control>
 </file>
 
 <file path=customXml/item57.xml><?xml version="1.0" encoding="utf-8"?>
 <Control xmlns="http://schemas.microsoft.com/VisualStudio/2011/storyboarding/control">
-  <Id Name="System.Storyboarding.Common.Text" Revision="1" Stencil="System.Storyboarding.Common" StencilVersion="0.1"/>
+  <Id Name="System.Storyboarding.Common.Button" Revision="1" Stencil="System.Storyboarding.Common" StencilVersion="0.1"/>
 </Control>
 </file>
 
 <file path=customXml/item58.xml><?xml version="1.0" encoding="utf-8"?>
 <Control xmlns="http://schemas.microsoft.com/VisualStudio/2011/storyboarding/control">
-  <Id Name="System.Storyboarding.Common.Text" Revision="1" Stencil="System.Storyboarding.Common" StencilVersion="0.1"/>
+  <Id Name="System.Storyboarding.Common.TextInput" Revision="1" Stencil="System.Storyboarding.Common" StencilVersion="0.1"/>
 </Control>
 </file>
 
 <file path=customXml/item59.xml><?xml version="1.0" encoding="utf-8"?>
 <Control xmlns="http://schemas.microsoft.com/VisualStudio/2011/storyboarding/control">
-  <Id Name="System.Storyboarding.Common.Text" Revision="1" Stencil="System.Storyboarding.Common" StencilVersion="0.1"/>
+  <Id Name="System.Storyboarding.Backgrounds.Window" Revision="1" Stencil="System.Storyboarding.Backgrounds" StencilVersion="0.1"/>
 </Control>
 </file>
 
 <file path=customXml/item6.xml><?xml version="1.0" encoding="utf-8"?>
 <Control xmlns="http://schemas.microsoft.com/VisualStudio/2011/storyboarding/control">
-  <Id Name="System.Storyboarding.WindowsPhone.Tile" Revision="1" Stencil="System.Storyboarding.WindowsPhone" StencilVersion="0.1"/>
+  <Id Name="System.Storyboarding.Common.Button" Revision="1" Stencil="System.Storyboarding.Common" StencilVersion="0.1"/>
 </Control>
 </file>
 
 <file path=customXml/item60.xml><?xml version="1.0" encoding="utf-8"?>
 <Control xmlns="http://schemas.microsoft.com/VisualStudio/2011/storyboarding/control">
-  <Id Name="System.Storyboarding.Common.Text" Revision="1" Stencil="System.Storyboarding.Common" StencilVersion="0.1"/>
+  <Id Name="System.Storyboarding.Common.MouseClick" Revision="1" Stencil="System.Storyboarding.Common" StencilVersion="0.1"/>
 </Control>
 </file>
 
 <file path=customXml/item61.xml><?xml version="1.0" encoding="utf-8"?>
 <Control xmlns="http://schemas.microsoft.com/VisualStudio/2011/storyboarding/control">
-  <Id Name="System.Storyboarding.Common.TextInput" Revision="1" Stencil="System.Storyboarding.Common" StencilVersion="0.1"/>
+  <Id Name="System.Storyboarding.Common.DataGrid" Revision="1" Stencil="System.Storyboarding.Common" StencilVersion="0.1"/>
 </Control>
 </file>
 
 <file path=customXml/item62.xml><?xml version="1.0" encoding="utf-8"?>
 <Control xmlns="http://schemas.microsoft.com/VisualStudio/2011/storyboarding/control">
-  <Id Name="System.Storyboarding.Common.TextInput" Revision="1" Stencil="System.Storyboarding.Common" StencilVersion="0.1"/>
+  <Id Name="System.Storyboarding.Common.Button" Revision="1" Stencil="System.Storyboarding.Common" StencilVersion="0.1"/>
 </Control>
 </file>
 
 <file path=customXml/item63.xml><?xml version="1.0" encoding="utf-8"?>
 <Control xmlns="http://schemas.microsoft.com/VisualStudio/2011/storyboarding/control">
-  <Id Name="System.Storyboarding.Common.TextInput" Revision="1" Stencil="System.Storyboarding.Common" StencilVersion="0.1"/>
+  <Id Name="System.Storyboarding.Backgrounds.Window" Revision="1" Stencil="System.Storyboarding.Backgrounds" StencilVersion="0.1"/>
 </Control>
 </file>
 
 <file path=customXml/item64.xml><?xml version="1.0" encoding="utf-8"?>
 <Control xmlns="http://schemas.microsoft.com/VisualStudio/2011/storyboarding/control">
-  <Id Name="System.Storyboarding.Common.TextArea" Revision="1" Stencil="System.Storyboarding.Common" StencilVersion="0.1"/>
+  <Id Name="System.Storyboarding.Common.MouseClick" Revision="1" Stencil="System.Storyboarding.Common" StencilVersion="0.1"/>
 </Control>
 </file>
 
 <file path=customXml/item65.xml><?xml version="1.0" encoding="utf-8"?>
 <Control xmlns="http://schemas.microsoft.com/VisualStudio/2011/storyboarding/control">
-  <Id Name="System.Storyboarding.Common.TextArea" Revision="1" Stencil="System.Storyboarding.Common" StencilVersion="0.1"/>
+  <Id Name="System.Storyboarding.Backgrounds.DesktopTaskbar" Revision="1" Stencil="System.Storyboarding.Backgrounds" StencilVersion="0.1"/>
 </Control>
 </file>
 
 <file path=customXml/item66.xml><?xml version="1.0" encoding="utf-8"?>
 <Control xmlns="http://schemas.microsoft.com/VisualStudio/2011/storyboarding/control">
-  <Id Name="System.Storyboarding.Common.Button" Revision="1" Stencil="System.Storyboarding.Common" StencilVersion="0.1"/>
+  <Id Name="System.Storyboarding.WindowsPhone.Tile" Revision="1" Stencil="System.Storyboarding.WindowsPhone" StencilVersion="0.1"/>
 </Control>
 </file>
 
 <file path=customXml/item67.xml><?xml version="1.0" encoding="utf-8"?>
 <Control xmlns="http://schemas.microsoft.com/VisualStudio/2011/storyboarding/control">
-  <Id Name="System.Storyboarding.Common.Button" Revision="1" Stencil="System.Storyboarding.Common" StencilVersion="0.1"/>
+  <Id Name="System.Storyboarding.Backgrounds.StartScreen" Revision="1" Stencil="System.Storyboarding.Backgrounds" StencilVersion="0.1"/>
 </Control>
 </file>
 
@@ -26052,43 +26057,43 @@
 
 <file path=customXml/item69.xml><?xml version="1.0" encoding="utf-8"?>
 <Control xmlns="http://schemas.microsoft.com/VisualStudio/2011/storyboarding/control">
-  <Id Name="System.Storyboarding.Backgrounds.Window" Revision="1" Stencil="System.Storyboarding.Backgrounds" StencilVersion="0.1"/>
+  <Id Name="System.Storyboarding.Common.MouseClick" Revision="1" Stencil="System.Storyboarding.Common" StencilVersion="0.1"/>
 </Control>
 </file>
 
 <file path=customXml/item7.xml><?xml version="1.0" encoding="utf-8"?>
 <Control xmlns="http://schemas.microsoft.com/VisualStudio/2011/storyboarding/control">
-  <Id Name="System.Storyboarding.WindowsPhone.Tile" Revision="1" Stencil="System.Storyboarding.WindowsPhone" StencilVersion="0.1"/>
+  <Id Name="System.Storyboarding.Common.Button" Revision="1" Stencil="System.Storyboarding.Common" StencilVersion="0.1"/>
 </Control>
 </file>
 
 <file path=customXml/item70.xml><?xml version="1.0" encoding="utf-8"?>
 <Control xmlns="http://schemas.microsoft.com/VisualStudio/2011/storyboarding/control">
-  <Id Name="System.Storyboarding.Backgrounds.Window" Revision="1" Stencil="System.Storyboarding.Backgrounds" StencilVersion="0.1"/>
+  <Id Name="System.Storyboarding.Common.TextInput" Revision="1" Stencil="System.Storyboarding.Common" StencilVersion="0.1"/>
 </Control>
 </file>
 
 <file path=customXml/item71.xml><?xml version="1.0" encoding="utf-8"?>
 <Control xmlns="http://schemas.microsoft.com/VisualStudio/2011/storyboarding/control">
-  <Id Name="System.Storyboarding.Backgrounds.Window" Revision="1" Stencil="System.Storyboarding.Backgrounds" StencilVersion="0.1"/>
+  <Id Name="System.Storyboarding.Common.MouseClick" Revision="1" Stencil="System.Storyboarding.Common" StencilVersion="0.1"/>
 </Control>
 </file>
 
 <file path=customXml/item72.xml><?xml version="1.0" encoding="utf-8"?>
 <Control xmlns="http://schemas.microsoft.com/VisualStudio/2011/storyboarding/control">
-  <Id Name="System.Storyboarding.Common.DataGrid" Revision="1" Stencil="System.Storyboarding.Common" StencilVersion="0.1"/>
+  <Id Name="System.Storyboarding.Common.Text" Revision="1" Stencil="System.Storyboarding.Common" StencilVersion="0.1"/>
 </Control>
 </file>
 
 <file path=customXml/item73.xml><?xml version="1.0" encoding="utf-8"?>
 <Control xmlns="http://schemas.microsoft.com/VisualStudio/2011/storyboarding/control">
-  <Id Name="System.Storyboarding.Common.Button" Revision="1" Stencil="System.Storyboarding.Common" StencilVersion="0.1"/>
+  <Id Name="System.Storyboarding.WindowsPhone.Tile" Revision="1" Stencil="System.Storyboarding.WindowsPhone" StencilVersion="0.1"/>
 </Control>
 </file>
 
 <file path=customXml/item74.xml><?xml version="1.0" encoding="utf-8"?>
 <Control xmlns="http://schemas.microsoft.com/VisualStudio/2011/storyboarding/control">
-  <Id Name="System.Storyboarding.Common.Button" Revision="1" Stencil="System.Storyboarding.Common" StencilVersion="0.1"/>
+  <Id Name="System.Storyboarding.Common.Text" Revision="1" Stencil="System.Storyboarding.Common" StencilVersion="0.1"/>
 </Control>
 </file>
 
@@ -26100,19 +26105,19 @@
 
 <file path=customXml/item76.xml><?xml version="1.0" encoding="utf-8"?>
 <Control xmlns="http://schemas.microsoft.com/VisualStudio/2011/storyboarding/control">
-  <Id Name="System.Storyboarding.Backgrounds.Window" Revision="1" Stencil="System.Storyboarding.Backgrounds" StencilVersion="0.1"/>
+  <Id Name="System.Storyboarding.Common.DataGrid" Revision="1" Stencil="System.Storyboarding.Common" StencilVersion="0.1"/>
 </Control>
 </file>
 
 <file path=customXml/item77.xml><?xml version="1.0" encoding="utf-8"?>
 <Control xmlns="http://schemas.microsoft.com/VisualStudio/2011/storyboarding/control">
-  <Id Name="System.Storyboarding.Common.DataGrid" Revision="1" Stencil="System.Storyboarding.Common" StencilVersion="0.1"/>
+  <Id Name="System.Storyboarding.Common.Text" Revision="1" Stencil="System.Storyboarding.Common" StencilVersion="0.1"/>
 </Control>
 </file>
 
 <file path=customXml/item78.xml><?xml version="1.0" encoding="utf-8"?>
 <Control xmlns="http://schemas.microsoft.com/VisualStudio/2011/storyboarding/control">
-  <Id Name="System.Storyboarding.Common.Button" Revision="1" Stencil="System.Storyboarding.Common" StencilVersion="0.1"/>
+  <Id Name="System.Storyboarding.Common.TextArea" Revision="1" Stencil="System.Storyboarding.Common" StencilVersion="0.1"/>
 </Control>
 </file>
 
@@ -26124,13 +26129,13 @@
 
 <file path=customXml/item8.xml><?xml version="1.0" encoding="utf-8"?>
 <Control xmlns="http://schemas.microsoft.com/VisualStudio/2011/storyboarding/control">
-  <Id Name="System.Storyboarding.WindowsPhone.WideTile" Revision="1" Stencil="System.Storyboarding.WindowsPhone" StencilVersion="0.1"/>
+  <Id Name="System.Storyboarding.WindowsPhone.Tile" Revision="1" Stencil="System.Storyboarding.WindowsPhone" StencilVersion="0.1"/>
 </Control>
 </file>
 
 <file path=customXml/item80.xml><?xml version="1.0" encoding="utf-8"?>
 <Control xmlns="http://schemas.microsoft.com/VisualStudio/2011/storyboarding/control">
-  <Id Name="System.Storyboarding.Common.MousePointer" Revision="1" Stencil="System.Storyboarding.Common" StencilVersion="0.1"/>
+  <Id Name="System.Storyboarding.Common.Button" Revision="1" Stencil="System.Storyboarding.Common" StencilVersion="0.1"/>
 </Control>
 </file>
 
@@ -26142,55 +26147,55 @@
 
 <file path=customXml/item82.xml><?xml version="1.0" encoding="utf-8"?>
 <Control xmlns="http://schemas.microsoft.com/VisualStudio/2011/storyboarding/control">
-  <Id Name="System.Storyboarding.Backgrounds.Window" Revision="1" Stencil="System.Storyboarding.Backgrounds" StencilVersion="0.1"/>
+  <Id Name="System.Storyboarding.WindowsDesktop.DialogBox" Revision="1" Stencil="System.Storyboarding.WindowsDesktop" StencilVersion="0.1"/>
 </Control>
 </file>
 
 <file path=customXml/item83.xml><?xml version="1.0" encoding="utf-8"?>
 <Control xmlns="http://schemas.microsoft.com/VisualStudio/2011/storyboarding/control">
-  <Id Name="System.Storyboarding.Common.DataGrid" Revision="1" Stencil="System.Storyboarding.Common" StencilVersion="0.1"/>
+  <Id Name="System.Storyboarding.Common.Button" Revision="1" Stencil="System.Storyboarding.Common" StencilVersion="0.1"/>
 </Control>
 </file>
 
 <file path=customXml/item84.xml><?xml version="1.0" encoding="utf-8"?>
 <Control xmlns="http://schemas.microsoft.com/VisualStudio/2011/storyboarding/control">
-  <Id Name="System.Storyboarding.Common.Button" Revision="1" Stencil="System.Storyboarding.Common" StencilVersion="0.1"/>
+  <Id Name="System.Storyboarding.WindowsPhone.WideTile" Revision="1" Stencil="System.Storyboarding.WindowsPhone" StencilVersion="0.1"/>
 </Control>
 </file>
 
 <file path=customXml/item85.xml><?xml version="1.0" encoding="utf-8"?>
 <Control xmlns="http://schemas.microsoft.com/VisualStudio/2011/storyboarding/control">
-  <Id Name="System.Storyboarding.Common.Button" Revision="1" Stencil="System.Storyboarding.Common" StencilVersion="0.1"/>
+  <Id Name="System.Storyboarding.WindowsPhone.Tile" Revision="1" Stencil="System.Storyboarding.WindowsPhone" StencilVersion="0.1"/>
 </Control>
 </file>
 
 <file path=customXml/item86.xml><?xml version="1.0" encoding="utf-8"?>
 <Control xmlns="http://schemas.microsoft.com/VisualStudio/2011/storyboarding/control">
-  <Id Name="System.Storyboarding.WindowsDesktop.DialogBox" Revision="1" Stencil="System.Storyboarding.WindowsDesktop" StencilVersion="0.1"/>
+  <Id Name="System.Storyboarding.Common.Text" Revision="1" Stencil="System.Storyboarding.Common" StencilVersion="0.1"/>
 </Control>
 </file>
 
 <file path=customXml/item87.xml><?xml version="1.0" encoding="utf-8"?>
 <Control xmlns="http://schemas.microsoft.com/VisualStudio/2011/storyboarding/control">
-  <Id Name="System.Storyboarding.WindowsDesktop.DialogBox" Revision="1" Stencil="System.Storyboarding.WindowsDesktop" StencilVersion="0.1"/>
+  <Id Name="System.Storyboarding.Backgrounds.Window" Revision="1" Stencil="System.Storyboarding.Backgrounds" StencilVersion="0.1"/>
 </Control>
 </file>
 
 <file path=customXml/item88.xml><?xml version="1.0" encoding="utf-8"?>
 <Control xmlns="http://schemas.microsoft.com/VisualStudio/2011/storyboarding/control">
-  <Id Name="System.Storyboarding.Common.Button" Revision="1" Stencil="System.Storyboarding.Common" StencilVersion="0.1"/>
+  <Id Name="System.Storyboarding.Common.TextInput" Revision="1" Stencil="System.Storyboarding.Common" StencilVersion="0.1"/>
 </Control>
 </file>
 
 <file path=customXml/item89.xml><?xml version="1.0" encoding="utf-8"?>
 <Control xmlns="http://schemas.microsoft.com/VisualStudio/2011/storyboarding/control">
-  <Id Name="System.Storyboarding.Common.Button" Revision="1" Stencil="System.Storyboarding.Common" StencilVersion="0.1"/>
+  <Id Name="System.Storyboarding.Common.Text" Revision="1" Stencil="System.Storyboarding.Common" StencilVersion="0.1"/>
 </Control>
 </file>
 
 <file path=customXml/item9.xml><?xml version="1.0" encoding="utf-8"?>
 <Control xmlns="http://schemas.microsoft.com/VisualStudio/2011/storyboarding/control">
-  <Id Name="System.Storyboarding.WindowsPhone.Tile" Revision="1" Stencil="System.Storyboarding.WindowsPhone" StencilVersion="0.1"/>
+  <Id Name="System.Storyboarding.Icons.User" Revision="1" Stencil="System.Storyboarding.Icons" StencilVersion="0.1"/>
 </Control>
 </file>
 
@@ -26208,42 +26213,42 @@
 
 <file path=customXml/item92.xml><?xml version="1.0" encoding="utf-8"?>
 <Control xmlns="http://schemas.microsoft.com/VisualStudio/2011/storyboarding/control">
-  <Id Name="System.Storyboarding.Common.DataGrid" Revision="1" Stencil="System.Storyboarding.Common" StencilVersion="0.1"/>
+  <Id Name="System.Storyboarding.Backgrounds.Window" Revision="1" Stencil="System.Storyboarding.Backgrounds" StencilVersion="0.1"/>
 </Control>
 </file>
 
 <file path=customXml/item93.xml><?xml version="1.0" encoding="utf-8"?>
 <Control xmlns="http://schemas.microsoft.com/VisualStudio/2011/storyboarding/control">
-  <Id Name="System.Storyboarding.Common.Button" Revision="1" Stencil="System.Storyboarding.Common" StencilVersion="0.1"/>
+  <Id Name="System.Storyboarding.Common.MouseClick" Revision="1" Stencil="System.Storyboarding.Common" StencilVersion="0.1"/>
 </Control>
 </file>
 
 <file path=customXml/item94.xml><?xml version="1.0" encoding="utf-8"?>
 <Control xmlns="http://schemas.microsoft.com/VisualStudio/2011/storyboarding/control">
-  <Id Name="System.Storyboarding.Common.Button" Revision="1" Stencil="System.Storyboarding.Common" StencilVersion="0.1"/>
+  <Id Name="System.Storyboarding.WindowsPhone.Tile" Revision="1" Stencil="System.Storyboarding.WindowsPhone" StencilVersion="0.1"/>
 </Control>
 </file>
 
 <file path=customXml/item95.xml><?xml version="1.0" encoding="utf-8"?>
 <Control xmlns="http://schemas.microsoft.com/VisualStudio/2011/storyboarding/control">
-  <Id Name="System.Storyboarding.Common.MouseClick" Revision="1" Stencil="System.Storyboarding.Common" StencilVersion="0.1"/>
+  <Id Name="System.Storyboarding.Backgrounds.Window" Revision="1" Stencil="System.Storyboarding.Backgrounds" StencilVersion="0.1"/>
 </Control>
 </file>
 
 <file path=customXml/item96.xml><?xml version="1.0" encoding="utf-8"?>
 <Control xmlns="http://schemas.microsoft.com/VisualStudio/2011/storyboarding/control">
-  <Id Name="System.Storyboarding.Common.MouseClick" Revision="1" Stencil="System.Storyboarding.Common" StencilVersion="0.1"/>
+  <Id Name="System.Storyboarding.Common.DataGrid" Revision="1" Stencil="System.Storyboarding.Common" StencilVersion="0.1"/>
 </Control>
 </file>
 
 <file path=customXml/item97.xml><?xml version="1.0" encoding="utf-8"?>
 <Control xmlns="http://schemas.microsoft.com/VisualStudio/2011/storyboarding/control">
-  <Id Name="System.Storyboarding.Common.MouseClick" Revision="1" Stencil="System.Storyboarding.Common" StencilVersion="0.1"/>
+  <Id Name="System.Storyboarding.Common.Button" Revision="1" Stencil="System.Storyboarding.Common" StencilVersion="0.1"/>
 </Control>
 </file>
 
 <file path=customXml/itemProps1.xml><?xml version="1.0" encoding="utf-8"?>
-<ds:datastoreItem xmlns:ds="http://schemas.openxmlformats.org/officeDocument/2006/customXml" ds:itemID="{1B1B04C1-34E7-4DBD-B5D5-CF913CA13543}">
+<ds:datastoreItem xmlns:ds="http://schemas.openxmlformats.org/officeDocument/2006/customXml" ds:itemID="{A00892C2-213B-4D05-802E-DD6EA36F62CA}">
   <ds:schemaRefs>
     <ds:schemaRef ds:uri="http://schemas.microsoft.com/VisualStudio/2011/storyboarding/control"/>
   </ds:schemaRefs>
@@ -26251,7 +26256,7 @@
 </file>
 
 <file path=customXml/itemProps10.xml><?xml version="1.0" encoding="utf-8"?>
-<ds:datastoreItem xmlns:ds="http://schemas.openxmlformats.org/officeDocument/2006/customXml" ds:itemID="{227E5C53-C01D-4E70-A6B9-862CEA9643DB}">
+<ds:datastoreItem xmlns:ds="http://schemas.openxmlformats.org/officeDocument/2006/customXml" ds:itemID="{D9AAC72D-494D-41B7-826F-9303EDE27B71}">
   <ds:schemaRefs>
     <ds:schemaRef ds:uri="http://schemas.microsoft.com/VisualStudio/2011/storyboarding/control"/>
   </ds:schemaRefs>
@@ -26267,6 +26272,310 @@
 </file>
 
 <file path=customXml/itemProps12.xml><?xml version="1.0" encoding="utf-8"?>
+<ds:datastoreItem xmlns:ds="http://schemas.openxmlformats.org/officeDocument/2006/customXml" ds:itemID="{D4F0451A-464F-4782-A886-6664DA4B5958}">
+  <ds:schemaRefs>
+    <ds:schemaRef ds:uri="http://schemas.microsoft.com/VisualStudio/2011/storyboarding/control"/>
+  </ds:schemaRefs>
+</ds:datastoreItem>
+</file>
+
+<file path=customXml/itemProps13.xml><?xml version="1.0" encoding="utf-8"?>
+<ds:datastoreItem xmlns:ds="http://schemas.openxmlformats.org/officeDocument/2006/customXml" ds:itemID="{BA1487F5-A4B7-43CA-B32B-AC709F1635D5}">
+  <ds:schemaRefs>
+    <ds:schemaRef ds:uri="http://schemas.microsoft.com/VisualStudio/2011/storyboarding/control"/>
+  </ds:schemaRefs>
+</ds:datastoreItem>
+</file>
+
+<file path=customXml/itemProps14.xml><?xml version="1.0" encoding="utf-8"?>
+<ds:datastoreItem xmlns:ds="http://schemas.openxmlformats.org/officeDocument/2006/customXml" ds:itemID="{0C72094E-3098-44D6-AE78-A76761954F66}">
+  <ds:schemaRefs>
+    <ds:schemaRef ds:uri="http://schemas.microsoft.com/VisualStudio/2011/storyboarding/control"/>
+  </ds:schemaRefs>
+</ds:datastoreItem>
+</file>
+
+<file path=customXml/itemProps15.xml><?xml version="1.0" encoding="utf-8"?>
+<ds:datastoreItem xmlns:ds="http://schemas.openxmlformats.org/officeDocument/2006/customXml" ds:itemID="{ADD2FE2A-D1F3-4375-9E9C-984067E981CB}">
+  <ds:schemaRefs>
+    <ds:schemaRef ds:uri="http://schemas.microsoft.com/VisualStudio/2011/storyboarding/control"/>
+  </ds:schemaRefs>
+</ds:datastoreItem>
+</file>
+
+<file path=customXml/itemProps16.xml><?xml version="1.0" encoding="utf-8"?>
+<ds:datastoreItem xmlns:ds="http://schemas.openxmlformats.org/officeDocument/2006/customXml" ds:itemID="{696C7FC6-5DA9-4D1F-8CCE-7025BD68CA0F}">
+  <ds:schemaRefs>
+    <ds:schemaRef ds:uri="http://schemas.microsoft.com/VisualStudio/2011/storyboarding/control"/>
+  </ds:schemaRefs>
+</ds:datastoreItem>
+</file>
+
+<file path=customXml/itemProps17.xml><?xml version="1.0" encoding="utf-8"?>
+<ds:datastoreItem xmlns:ds="http://schemas.openxmlformats.org/officeDocument/2006/customXml" ds:itemID="{F1C238E3-32A4-4079-8AED-C32AD1D3E18E}">
+  <ds:schemaRefs>
+    <ds:schemaRef ds:uri="http://schemas.microsoft.com/VisualStudio/2011/storyboarding/control"/>
+  </ds:schemaRefs>
+</ds:datastoreItem>
+</file>
+
+<file path=customXml/itemProps18.xml><?xml version="1.0" encoding="utf-8"?>
+<ds:datastoreItem xmlns:ds="http://schemas.openxmlformats.org/officeDocument/2006/customXml" ds:itemID="{7BF6A191-2A8C-4C99-BF02-1A903C1257C8}">
+  <ds:schemaRefs>
+    <ds:schemaRef ds:uri="http://schemas.microsoft.com/VisualStudio/2011/storyboarding/control"/>
+  </ds:schemaRefs>
+</ds:datastoreItem>
+</file>
+
+<file path=customXml/itemProps19.xml><?xml version="1.0" encoding="utf-8"?>
+<ds:datastoreItem xmlns:ds="http://schemas.openxmlformats.org/officeDocument/2006/customXml" ds:itemID="{AAC80C04-0EDF-4D46-9486-CD9AD9802357}">
+  <ds:schemaRefs>
+    <ds:schemaRef ds:uri="http://schemas.microsoft.com/VisualStudio/2011/storyboarding/control"/>
+  </ds:schemaRefs>
+</ds:datastoreItem>
+</file>
+
+<file path=customXml/itemProps2.xml><?xml version="1.0" encoding="utf-8"?>
+<ds:datastoreItem xmlns:ds="http://schemas.openxmlformats.org/officeDocument/2006/customXml" ds:itemID="{57DA300F-9A6A-4CF1-AC7A-D50BE33059D3}">
+  <ds:schemaRefs>
+    <ds:schemaRef ds:uri="http://schemas.microsoft.com/VisualStudio/2011/storyboarding/control"/>
+  </ds:schemaRefs>
+</ds:datastoreItem>
+</file>
+
+<file path=customXml/itemProps20.xml><?xml version="1.0" encoding="utf-8"?>
+<ds:datastoreItem xmlns:ds="http://schemas.openxmlformats.org/officeDocument/2006/customXml" ds:itemID="{6FC7A63D-0E66-4DB5-918B-D550A62D6163}">
+  <ds:schemaRefs>
+    <ds:schemaRef ds:uri="http://schemas.microsoft.com/VisualStudio/2011/storyboarding/control"/>
+  </ds:schemaRefs>
+</ds:datastoreItem>
+</file>
+
+<file path=customXml/itemProps21.xml><?xml version="1.0" encoding="utf-8"?>
+<ds:datastoreItem xmlns:ds="http://schemas.openxmlformats.org/officeDocument/2006/customXml" ds:itemID="{18C4FC80-2CD4-4621-8D88-8A3D12713A3C}">
+  <ds:schemaRefs>
+    <ds:schemaRef ds:uri="http://schemas.microsoft.com/VisualStudio/2011/storyboarding/control"/>
+  </ds:schemaRefs>
+</ds:datastoreItem>
+</file>
+
+<file path=customXml/itemProps22.xml><?xml version="1.0" encoding="utf-8"?>
+<ds:datastoreItem xmlns:ds="http://schemas.openxmlformats.org/officeDocument/2006/customXml" ds:itemID="{52F0D1D8-E410-4292-9A92-586E0F84A1DE}">
+  <ds:schemaRefs>
+    <ds:schemaRef ds:uri="http://schemas.microsoft.com/VisualStudio/2011/storyboarding/control"/>
+  </ds:schemaRefs>
+</ds:datastoreItem>
+</file>
+
+<file path=customXml/itemProps23.xml><?xml version="1.0" encoding="utf-8"?>
+<ds:datastoreItem xmlns:ds="http://schemas.openxmlformats.org/officeDocument/2006/customXml" ds:itemID="{1C0C511F-E67D-4D4A-9A7B-6E9F2916E4D8}">
+  <ds:schemaRefs>
+    <ds:schemaRef ds:uri="http://schemas.microsoft.com/VisualStudio/2011/storyboarding/control"/>
+  </ds:schemaRefs>
+</ds:datastoreItem>
+</file>
+
+<file path=customXml/itemProps24.xml><?xml version="1.0" encoding="utf-8"?>
+<ds:datastoreItem xmlns:ds="http://schemas.openxmlformats.org/officeDocument/2006/customXml" ds:itemID="{DAAAB185-3E9A-4858-A301-91AC1E282FCF}">
+  <ds:schemaRefs>
+    <ds:schemaRef ds:uri="http://schemas.microsoft.com/VisualStudio/2011/storyboarding/control"/>
+  </ds:schemaRefs>
+</ds:datastoreItem>
+</file>
+
+<file path=customXml/itemProps25.xml><?xml version="1.0" encoding="utf-8"?>
+<ds:datastoreItem xmlns:ds="http://schemas.openxmlformats.org/officeDocument/2006/customXml" ds:itemID="{FD5E8C4E-C695-4470-AE14-F85E68B33F00}">
+  <ds:schemaRefs>
+    <ds:schemaRef ds:uri="http://schemas.microsoft.com/VisualStudio/2011/storyboarding/control"/>
+  </ds:schemaRefs>
+</ds:datastoreItem>
+</file>
+
+<file path=customXml/itemProps26.xml><?xml version="1.0" encoding="utf-8"?>
+<ds:datastoreItem xmlns:ds="http://schemas.openxmlformats.org/officeDocument/2006/customXml" ds:itemID="{229CB539-3BDB-4B73-992D-D0B9FD8C2D51}">
+  <ds:schemaRefs>
+    <ds:schemaRef ds:uri="http://schemas.microsoft.com/VisualStudio/2011/storyboarding/control"/>
+  </ds:schemaRefs>
+</ds:datastoreItem>
+</file>
+
+<file path=customXml/itemProps27.xml><?xml version="1.0" encoding="utf-8"?>
+<ds:datastoreItem xmlns:ds="http://schemas.openxmlformats.org/officeDocument/2006/customXml" ds:itemID="{5CC033DF-F60D-48E1-B2D4-F38F6C4283CA}">
+  <ds:schemaRefs>
+    <ds:schemaRef ds:uri="http://schemas.microsoft.com/VisualStudio/2011/storyboarding/control"/>
+  </ds:schemaRefs>
+</ds:datastoreItem>
+</file>
+
+<file path=customXml/itemProps28.xml><?xml version="1.0" encoding="utf-8"?>
+<ds:datastoreItem xmlns:ds="http://schemas.openxmlformats.org/officeDocument/2006/customXml" ds:itemID="{BAC90667-164A-4A8A-BAAA-128B7BE8061D}">
+  <ds:schemaRefs>
+    <ds:schemaRef ds:uri="http://schemas.microsoft.com/VisualStudio/2011/storyboarding/control"/>
+  </ds:schemaRefs>
+</ds:datastoreItem>
+</file>
+
+<file path=customXml/itemProps29.xml><?xml version="1.0" encoding="utf-8"?>
+<ds:datastoreItem xmlns:ds="http://schemas.openxmlformats.org/officeDocument/2006/customXml" ds:itemID="{2D71B260-49DD-430A-993F-35BB818160D2}">
+  <ds:schemaRefs>
+    <ds:schemaRef ds:uri="http://schemas.microsoft.com/VisualStudio/2011/storyboarding/control"/>
+  </ds:schemaRefs>
+</ds:datastoreItem>
+</file>
+
+<file path=customXml/itemProps3.xml><?xml version="1.0" encoding="utf-8"?>
+<ds:datastoreItem xmlns:ds="http://schemas.openxmlformats.org/officeDocument/2006/customXml" ds:itemID="{B99CDE6E-FE87-4F33-BAC6-FEC8DE73ED50}">
+  <ds:schemaRefs>
+    <ds:schemaRef ds:uri="http://schemas.microsoft.com/VisualStudio/2011/storyboarding/control"/>
+  </ds:schemaRefs>
+</ds:datastoreItem>
+</file>
+
+<file path=customXml/itemProps30.xml><?xml version="1.0" encoding="utf-8"?>
+<ds:datastoreItem xmlns:ds="http://schemas.openxmlformats.org/officeDocument/2006/customXml" ds:itemID="{61FE46EF-C9E2-4357-AD75-946D9C2490CD}">
+  <ds:schemaRefs>
+    <ds:schemaRef ds:uri="http://schemas.microsoft.com/VisualStudio/2011/storyboarding/control"/>
+  </ds:schemaRefs>
+</ds:datastoreItem>
+</file>
+
+<file path=customXml/itemProps31.xml><?xml version="1.0" encoding="utf-8"?>
+<ds:datastoreItem xmlns:ds="http://schemas.openxmlformats.org/officeDocument/2006/customXml" ds:itemID="{75F7A925-CDCF-44C7-AAC9-ED81A7152AAE}">
+  <ds:schemaRefs>
+    <ds:schemaRef ds:uri="http://schemas.microsoft.com/VisualStudio/2011/storyboarding/control"/>
+  </ds:schemaRefs>
+</ds:datastoreItem>
+</file>
+
+<file path=customXml/itemProps32.xml><?xml version="1.0" encoding="utf-8"?>
+<ds:datastoreItem xmlns:ds="http://schemas.openxmlformats.org/officeDocument/2006/customXml" ds:itemID="{C11AF406-DD81-4DC9-886A-0313350AB230}">
+  <ds:schemaRefs>
+    <ds:schemaRef ds:uri="http://schemas.microsoft.com/VisualStudio/2011/storyboarding/control"/>
+  </ds:schemaRefs>
+</ds:datastoreItem>
+</file>
+
+<file path=customXml/itemProps33.xml><?xml version="1.0" encoding="utf-8"?>
+<ds:datastoreItem xmlns:ds="http://schemas.openxmlformats.org/officeDocument/2006/customXml" ds:itemID="{7BD39EFE-EA05-4A6E-BF89-B96C242363EC}">
+  <ds:schemaRefs>
+    <ds:schemaRef ds:uri="http://schemas.microsoft.com/VisualStudio/2011/storyboarding/control"/>
+  </ds:schemaRefs>
+</ds:datastoreItem>
+</file>
+
+<file path=customXml/itemProps34.xml><?xml version="1.0" encoding="utf-8"?>
+<ds:datastoreItem xmlns:ds="http://schemas.openxmlformats.org/officeDocument/2006/customXml" ds:itemID="{A547CB25-022E-4F62-95D8-86B932E8AC9F}">
+  <ds:schemaRefs>
+    <ds:schemaRef ds:uri="http://schemas.microsoft.com/VisualStudio/2011/storyboarding/control"/>
+  </ds:schemaRefs>
+</ds:datastoreItem>
+</file>
+
+<file path=customXml/itemProps35.xml><?xml version="1.0" encoding="utf-8"?>
+<ds:datastoreItem xmlns:ds="http://schemas.openxmlformats.org/officeDocument/2006/customXml" ds:itemID="{0C720265-0C21-4572-B4AB-A1CC192118CE}">
+  <ds:schemaRefs>
+    <ds:schemaRef ds:uri="http://schemas.microsoft.com/VisualStudio/2011/storyboarding/control"/>
+  </ds:schemaRefs>
+</ds:datastoreItem>
+</file>
+
+<file path=customXml/itemProps36.xml><?xml version="1.0" encoding="utf-8"?>
+<ds:datastoreItem xmlns:ds="http://schemas.openxmlformats.org/officeDocument/2006/customXml" ds:itemID="{7BED2F25-4B0A-47AE-BA03-A9133EADA07E}">
+  <ds:schemaRefs>
+    <ds:schemaRef ds:uri="http://schemas.microsoft.com/VisualStudio/2011/storyboarding/control"/>
+  </ds:schemaRefs>
+</ds:datastoreItem>
+</file>
+
+<file path=customXml/itemProps37.xml><?xml version="1.0" encoding="utf-8"?>
+<ds:datastoreItem xmlns:ds="http://schemas.openxmlformats.org/officeDocument/2006/customXml" ds:itemID="{380B4E0C-0F9B-4F15-9AAB-95F48518E368}">
+  <ds:schemaRefs>
+    <ds:schemaRef ds:uri="http://schemas.microsoft.com/VisualStudio/2011/storyboarding/control"/>
+  </ds:schemaRefs>
+</ds:datastoreItem>
+</file>
+
+<file path=customXml/itemProps38.xml><?xml version="1.0" encoding="utf-8"?>
+<ds:datastoreItem xmlns:ds="http://schemas.openxmlformats.org/officeDocument/2006/customXml" ds:itemID="{88848805-60FC-4E17-9FE7-BF095CF64A8B}">
+  <ds:schemaRefs>
+    <ds:schemaRef ds:uri="http://schemas.microsoft.com/VisualStudio/2011/storyboarding/control"/>
+  </ds:schemaRefs>
+</ds:datastoreItem>
+</file>
+
+<file path=customXml/itemProps39.xml><?xml version="1.0" encoding="utf-8"?>
+<ds:datastoreItem xmlns:ds="http://schemas.openxmlformats.org/officeDocument/2006/customXml" ds:itemID="{817BDAB2-6CAE-4F44-93B0-1A021EF03CE4}">
+  <ds:schemaRefs>
+    <ds:schemaRef ds:uri="http://schemas.microsoft.com/VisualStudio/2011/storyboarding/control"/>
+  </ds:schemaRefs>
+</ds:datastoreItem>
+</file>
+
+<file path=customXml/itemProps4.xml><?xml version="1.0" encoding="utf-8"?>
+<ds:datastoreItem xmlns:ds="http://schemas.openxmlformats.org/officeDocument/2006/customXml" ds:itemID="{E633A100-67AC-4527-A659-C7C384F934AC}">
+  <ds:schemaRefs>
+    <ds:schemaRef ds:uri="http://schemas.microsoft.com/VisualStudio/2011/storyboarding/control"/>
+  </ds:schemaRefs>
+</ds:datastoreItem>
+</file>
+
+<file path=customXml/itemProps40.xml><?xml version="1.0" encoding="utf-8"?>
+<ds:datastoreItem xmlns:ds="http://schemas.openxmlformats.org/officeDocument/2006/customXml" ds:itemID="{5F8B743C-58C9-496B-861D-37CFDCB689D2}">
+  <ds:schemaRefs>
+    <ds:schemaRef ds:uri="http://schemas.microsoft.com/VisualStudio/2011/storyboarding/control"/>
+  </ds:schemaRefs>
+</ds:datastoreItem>
+</file>
+
+<file path=customXml/itemProps41.xml><?xml version="1.0" encoding="utf-8"?>
+<ds:datastoreItem xmlns:ds="http://schemas.openxmlformats.org/officeDocument/2006/customXml" ds:itemID="{DF0307B4-2196-4A01-B7E1-B004028F97B8}">
+  <ds:schemaRefs>
+    <ds:schemaRef ds:uri="http://schemas.microsoft.com/VisualStudio/2011/storyboarding/control"/>
+  </ds:schemaRefs>
+</ds:datastoreItem>
+</file>
+
+<file path=customXml/itemProps42.xml><?xml version="1.0" encoding="utf-8"?>
+<ds:datastoreItem xmlns:ds="http://schemas.openxmlformats.org/officeDocument/2006/customXml" ds:itemID="{25E6B38B-F703-4B2C-A75A-8AF5AE258929}">
+  <ds:schemaRefs>
+    <ds:schemaRef ds:uri="http://schemas.microsoft.com/VisualStudio/2011/storyboarding/control"/>
+  </ds:schemaRefs>
+</ds:datastoreItem>
+</file>
+
+<file path=customXml/itemProps43.xml><?xml version="1.0" encoding="utf-8"?>
+<ds:datastoreItem xmlns:ds="http://schemas.openxmlformats.org/officeDocument/2006/customXml" ds:itemID="{7EE28DA7-04BF-4FF0-BC25-F13F1A9E2299}">
+  <ds:schemaRefs>
+    <ds:schemaRef ds:uri="http://schemas.microsoft.com/VisualStudio/2011/storyboarding/control"/>
+  </ds:schemaRefs>
+</ds:datastoreItem>
+</file>
+
+<file path=customXml/itemProps44.xml><?xml version="1.0" encoding="utf-8"?>
+<ds:datastoreItem xmlns:ds="http://schemas.openxmlformats.org/officeDocument/2006/customXml" ds:itemID="{814A03FC-C3A4-4873-9570-B69CCBE32003}">
+  <ds:schemaRefs>
+    <ds:schemaRef ds:uri="http://schemas.microsoft.com/VisualStudio/2011/storyboarding/control"/>
+  </ds:schemaRefs>
+</ds:datastoreItem>
+</file>
+
+<file path=customXml/itemProps45.xml><?xml version="1.0" encoding="utf-8"?>
+<ds:datastoreItem xmlns:ds="http://schemas.openxmlformats.org/officeDocument/2006/customXml" ds:itemID="{B2FDDC24-82E2-4FB5-B7F5-E04E98EC8EC4}">
+  <ds:schemaRefs>
+    <ds:schemaRef ds:uri="http://schemas.microsoft.com/VisualStudio/2011/storyboarding/control"/>
+  </ds:schemaRefs>
+</ds:datastoreItem>
+</file>
+
+<file path=customXml/itemProps46.xml><?xml version="1.0" encoding="utf-8"?>
+<ds:datastoreItem xmlns:ds="http://schemas.openxmlformats.org/officeDocument/2006/customXml" ds:itemID="{54096EDF-8844-4AF1-A245-67F5F80754AD}">
+  <ds:schemaRefs>
+    <ds:schemaRef ds:uri="http://schemas.microsoft.com/VisualStudio/2011/storyboarding/control"/>
+  </ds:schemaRefs>
+</ds:datastoreItem>
+</file>
+
+<file path=customXml/itemProps47.xml><?xml version="1.0" encoding="utf-8"?>
 <ds:datastoreItem xmlns:ds="http://schemas.openxmlformats.org/officeDocument/2006/customXml" ds:itemID="{F8288DEA-22B9-443B-ABE1-014EF687A73A}">
   <ds:schemaRefs>
     <ds:schemaRef ds:uri="http://schemas.microsoft.com/VisualStudio/2011/storyboarding/control"/>
@@ -26274,23 +26583,175 @@
 </ds:datastoreItem>
 </file>
 
-<file path=customXml/itemProps13.xml><?xml version="1.0" encoding="utf-8"?>
-<ds:datastoreItem xmlns:ds="http://schemas.openxmlformats.org/officeDocument/2006/customXml" ds:itemID="{CCE23676-7212-4FCA-ABFB-70FF7FF618C0}">
+<file path=customXml/itemProps48.xml><?xml version="1.0" encoding="utf-8"?>
+<ds:datastoreItem xmlns:ds="http://schemas.openxmlformats.org/officeDocument/2006/customXml" ds:itemID="{E23F885F-9866-4557-ACFA-2AA3F6094078}">
   <ds:schemaRefs>
     <ds:schemaRef ds:uri="http://schemas.microsoft.com/VisualStudio/2011/storyboarding/control"/>
   </ds:schemaRefs>
 </ds:datastoreItem>
 </file>
 
-<file path=customXml/itemProps14.xml><?xml version="1.0" encoding="utf-8"?>
-<ds:datastoreItem xmlns:ds="http://schemas.openxmlformats.org/officeDocument/2006/customXml" ds:itemID="{2D71B260-49DD-430A-993F-35BB818160D2}">
+<file path=customXml/itemProps49.xml><?xml version="1.0" encoding="utf-8"?>
+<ds:datastoreItem xmlns:ds="http://schemas.openxmlformats.org/officeDocument/2006/customXml" ds:itemID="{BC0AA183-3690-4275-A7B1-801B085309DD}">
   <ds:schemaRefs>
     <ds:schemaRef ds:uri="http://schemas.microsoft.com/VisualStudio/2011/storyboarding/control"/>
   </ds:schemaRefs>
 </ds:datastoreItem>
 </file>
 
-<file path=customXml/itemProps15.xml><?xml version="1.0" encoding="utf-8"?>
+<file path=customXml/itemProps5.xml><?xml version="1.0" encoding="utf-8"?>
+<ds:datastoreItem xmlns:ds="http://schemas.openxmlformats.org/officeDocument/2006/customXml" ds:itemID="{963D2681-3D12-4187-95F8-03F5A6F33291}">
+  <ds:schemaRefs>
+    <ds:schemaRef ds:uri="http://schemas.microsoft.com/VisualStudio/2011/storyboarding/control"/>
+  </ds:schemaRefs>
+</ds:datastoreItem>
+</file>
+
+<file path=customXml/itemProps50.xml><?xml version="1.0" encoding="utf-8"?>
+<ds:datastoreItem xmlns:ds="http://schemas.openxmlformats.org/officeDocument/2006/customXml" ds:itemID="{8E3DB2DB-8C88-4EF8-A2D0-7330BF0FA28D}">
+  <ds:schemaRefs>
+    <ds:schemaRef ds:uri="http://schemas.microsoft.com/VisualStudio/2011/storyboarding/control"/>
+  </ds:schemaRefs>
+</ds:datastoreItem>
+</file>
+
+<file path=customXml/itemProps51.xml><?xml version="1.0" encoding="utf-8"?>
+<ds:datastoreItem xmlns:ds="http://schemas.openxmlformats.org/officeDocument/2006/customXml" ds:itemID="{EA9EA9DB-BC80-488C-80A0-CC56FD375DBA}">
+  <ds:schemaRefs>
+    <ds:schemaRef ds:uri="http://schemas.microsoft.com/VisualStudio/2011/storyboarding/control"/>
+  </ds:schemaRefs>
+</ds:datastoreItem>
+</file>
+
+<file path=customXml/itemProps52.xml><?xml version="1.0" encoding="utf-8"?>
+<ds:datastoreItem xmlns:ds="http://schemas.openxmlformats.org/officeDocument/2006/customXml" ds:itemID="{C89A5AE4-31C4-432B-AB3B-2DEDF1730F58}">
+  <ds:schemaRefs>
+    <ds:schemaRef ds:uri="http://schemas.microsoft.com/VisualStudio/2011/storyboarding/control"/>
+  </ds:schemaRefs>
+</ds:datastoreItem>
+</file>
+
+<file path=customXml/itemProps53.xml><?xml version="1.0" encoding="utf-8"?>
+<ds:datastoreItem xmlns:ds="http://schemas.openxmlformats.org/officeDocument/2006/customXml" ds:itemID="{749907B2-9336-456D-A581-D25D95EDE8BE}">
+  <ds:schemaRefs>
+    <ds:schemaRef ds:uri="http://schemas.microsoft.com/VisualStudio/2011/storyboarding/control"/>
+  </ds:schemaRefs>
+</ds:datastoreItem>
+</file>
+
+<file path=customXml/itemProps54.xml><?xml version="1.0" encoding="utf-8"?>
+<ds:datastoreItem xmlns:ds="http://schemas.openxmlformats.org/officeDocument/2006/customXml" ds:itemID="{D69DE91C-82A6-40CD-9736-E24D1E6FB6E9}">
+  <ds:schemaRefs>
+    <ds:schemaRef ds:uri="http://schemas.microsoft.com/VisualStudio/2011/storyboarding/control"/>
+  </ds:schemaRefs>
+</ds:datastoreItem>
+</file>
+
+<file path=customXml/itemProps55.xml><?xml version="1.0" encoding="utf-8"?>
+<ds:datastoreItem xmlns:ds="http://schemas.openxmlformats.org/officeDocument/2006/customXml" ds:itemID="{A3C76FA4-F239-4FB3-B9E1-FF997FA1107F}">
+  <ds:schemaRefs>
+    <ds:schemaRef ds:uri="http://schemas.microsoft.com/VisualStudio/2011/storyboarding/control"/>
+  </ds:schemaRefs>
+</ds:datastoreItem>
+</file>
+
+<file path=customXml/itemProps56.xml><?xml version="1.0" encoding="utf-8"?>
+<ds:datastoreItem xmlns:ds="http://schemas.openxmlformats.org/officeDocument/2006/customXml" ds:itemID="{FB913C09-5FF3-4DBC-A409-A3629F85486F}">
+  <ds:schemaRefs>
+    <ds:schemaRef ds:uri="http://schemas.microsoft.com/VisualStudio/2011/storyboarding/control"/>
+  </ds:schemaRefs>
+</ds:datastoreItem>
+</file>
+
+<file path=customXml/itemProps57.xml><?xml version="1.0" encoding="utf-8"?>
+<ds:datastoreItem xmlns:ds="http://schemas.openxmlformats.org/officeDocument/2006/customXml" ds:itemID="{B6DA0277-A3EB-4F0A-84B2-6E58909CC0BC}">
+  <ds:schemaRefs>
+    <ds:schemaRef ds:uri="http://schemas.microsoft.com/VisualStudio/2011/storyboarding/control"/>
+  </ds:schemaRefs>
+</ds:datastoreItem>
+</file>
+
+<file path=customXml/itemProps58.xml><?xml version="1.0" encoding="utf-8"?>
+<ds:datastoreItem xmlns:ds="http://schemas.openxmlformats.org/officeDocument/2006/customXml" ds:itemID="{4E5D278F-7FCD-48BB-BBEA-88293C585644}">
+  <ds:schemaRefs>
+    <ds:schemaRef ds:uri="http://schemas.microsoft.com/VisualStudio/2011/storyboarding/control"/>
+  </ds:schemaRefs>
+</ds:datastoreItem>
+</file>
+
+<file path=customXml/itemProps59.xml><?xml version="1.0" encoding="utf-8"?>
+<ds:datastoreItem xmlns:ds="http://schemas.openxmlformats.org/officeDocument/2006/customXml" ds:itemID="{BE9F8366-F0F5-4DC5-AE94-ABE4A9381FDA}">
+  <ds:schemaRefs>
+    <ds:schemaRef ds:uri="http://schemas.microsoft.com/VisualStudio/2011/storyboarding/control"/>
+  </ds:schemaRefs>
+</ds:datastoreItem>
+</file>
+
+<file path=customXml/itemProps6.xml><?xml version="1.0" encoding="utf-8"?>
+<ds:datastoreItem xmlns:ds="http://schemas.openxmlformats.org/officeDocument/2006/customXml" ds:itemID="{791B17A9-15C2-42A3-B151-9AD24F60F95D}">
+  <ds:schemaRefs>
+    <ds:schemaRef ds:uri="http://schemas.microsoft.com/VisualStudio/2011/storyboarding/control"/>
+  </ds:schemaRefs>
+</ds:datastoreItem>
+</file>
+
+<file path=customXml/itemProps60.xml><?xml version="1.0" encoding="utf-8"?>
+<ds:datastoreItem xmlns:ds="http://schemas.openxmlformats.org/officeDocument/2006/customXml" ds:itemID="{D4EFD01A-CA4F-4468-85A3-D3DD614A406B}">
+  <ds:schemaRefs>
+    <ds:schemaRef ds:uri="http://schemas.microsoft.com/VisualStudio/2011/storyboarding/control"/>
+  </ds:schemaRefs>
+</ds:datastoreItem>
+</file>
+
+<file path=customXml/itemProps61.xml><?xml version="1.0" encoding="utf-8"?>
+<ds:datastoreItem xmlns:ds="http://schemas.openxmlformats.org/officeDocument/2006/customXml" ds:itemID="{386E302C-01E1-4794-866D-4FA0B3E1AF50}">
+  <ds:schemaRefs>
+    <ds:schemaRef ds:uri="http://schemas.microsoft.com/VisualStudio/2011/storyboarding/control"/>
+  </ds:schemaRefs>
+</ds:datastoreItem>
+</file>
+
+<file path=customXml/itemProps62.xml><?xml version="1.0" encoding="utf-8"?>
+<ds:datastoreItem xmlns:ds="http://schemas.openxmlformats.org/officeDocument/2006/customXml" ds:itemID="{09320151-E71B-43ED-859E-2B0EFB898797}">
+  <ds:schemaRefs>
+    <ds:schemaRef ds:uri="http://schemas.microsoft.com/VisualStudio/2011/storyboarding/control"/>
+  </ds:schemaRefs>
+</ds:datastoreItem>
+</file>
+
+<file path=customXml/itemProps63.xml><?xml version="1.0" encoding="utf-8"?>
+<ds:datastoreItem xmlns:ds="http://schemas.openxmlformats.org/officeDocument/2006/customXml" ds:itemID="{8473A26F-7946-478D-9DA7-9A49FC20E512}">
+  <ds:schemaRefs>
+    <ds:schemaRef ds:uri="http://schemas.microsoft.com/VisualStudio/2011/storyboarding/control"/>
+  </ds:schemaRefs>
+</ds:datastoreItem>
+</file>
+
+<file path=customXml/itemProps64.xml><?xml version="1.0" encoding="utf-8"?>
+<ds:datastoreItem xmlns:ds="http://schemas.openxmlformats.org/officeDocument/2006/customXml" ds:itemID="{A0951CD3-D0AB-42CB-83AF-2C81D4E71AFE}">
+  <ds:schemaRefs>
+    <ds:schemaRef ds:uri="http://schemas.microsoft.com/VisualStudio/2011/storyboarding/control"/>
+  </ds:schemaRefs>
+</ds:datastoreItem>
+</file>
+
+<file path=customXml/itemProps65.xml><?xml version="1.0" encoding="utf-8"?>
+<ds:datastoreItem xmlns:ds="http://schemas.openxmlformats.org/officeDocument/2006/customXml" ds:itemID="{1B1B04C1-34E7-4DBD-B5D5-CF913CA13543}">
+  <ds:schemaRefs>
+    <ds:schemaRef ds:uri="http://schemas.microsoft.com/VisualStudio/2011/storyboarding/control"/>
+  </ds:schemaRefs>
+</ds:datastoreItem>
+</file>
+
+<file path=customXml/itemProps66.xml><?xml version="1.0" encoding="utf-8"?>
+<ds:datastoreItem xmlns:ds="http://schemas.openxmlformats.org/officeDocument/2006/customXml" ds:itemID="{B86ED811-76FA-470E-BF65-7B08F4E478BD}">
+  <ds:schemaRefs>
+    <ds:schemaRef ds:uri="http://schemas.microsoft.com/VisualStudio/2011/storyboarding/control"/>
+  </ds:schemaRefs>
+</ds:datastoreItem>
+</file>
+
+<file path=customXml/itemProps67.xml><?xml version="1.0" encoding="utf-8"?>
 <ds:datastoreItem xmlns:ds="http://schemas.openxmlformats.org/officeDocument/2006/customXml" ds:itemID="{B9E26101-96F9-4F40-9878-A1B1117DD9D1}">
   <ds:schemaRefs>
     <ds:schemaRef ds:uri="http://schemas.microsoft.com/VisualStudio/2011/storyboarding/control"/>
@@ -26298,39 +26759,111 @@
 </ds:datastoreItem>
 </file>
 
-<file path=customXml/itemProps16.xml><?xml version="1.0" encoding="utf-8"?>
-<ds:datastoreItem xmlns:ds="http://schemas.openxmlformats.org/officeDocument/2006/customXml" ds:itemID="{22BBB2FA-F8D8-485D-82A6-F1C443370B32}">
+<file path=customXml/itemProps68.xml><?xml version="1.0" encoding="utf-8"?>
+<ds:datastoreItem xmlns:ds="http://schemas.openxmlformats.org/officeDocument/2006/customXml" ds:itemID="{FB4E5412-9FC0-4F6E-A592-166A3ED9B5BA}">
   <ds:schemaRefs>
     <ds:schemaRef ds:uri="http://schemas.microsoft.com/VisualStudio/2011/storyboarding/control"/>
   </ds:schemaRefs>
 </ds:datastoreItem>
 </file>
 
-<file path=customXml/itemProps17.xml><?xml version="1.0" encoding="utf-8"?>
-<ds:datastoreItem xmlns:ds="http://schemas.openxmlformats.org/officeDocument/2006/customXml" ds:itemID="{E23F885F-9866-4557-ACFA-2AA3F6094078}">
+<file path=customXml/itemProps69.xml><?xml version="1.0" encoding="utf-8"?>
+<ds:datastoreItem xmlns:ds="http://schemas.openxmlformats.org/officeDocument/2006/customXml" ds:itemID="{55ED4C64-3C02-42E9-8CAD-93AFE18EA656}">
   <ds:schemaRefs>
     <ds:schemaRef ds:uri="http://schemas.microsoft.com/VisualStudio/2011/storyboarding/control"/>
   </ds:schemaRefs>
 </ds:datastoreItem>
 </file>
 
-<file path=customXml/itemProps18.xml><?xml version="1.0" encoding="utf-8"?>
-<ds:datastoreItem xmlns:ds="http://schemas.openxmlformats.org/officeDocument/2006/customXml" ds:itemID="{C5605554-8DDB-4D59-9C53-5B746B724ACF}">
+<file path=customXml/itemProps7.xml><?xml version="1.0" encoding="utf-8"?>
+<ds:datastoreItem xmlns:ds="http://schemas.openxmlformats.org/officeDocument/2006/customXml" ds:itemID="{60320C3D-A167-4282-9919-09C183726490}">
   <ds:schemaRefs>
     <ds:schemaRef ds:uri="http://schemas.microsoft.com/VisualStudio/2011/storyboarding/control"/>
   </ds:schemaRefs>
 </ds:datastoreItem>
 </file>
 
-<file path=customXml/itemProps19.xml><?xml version="1.0" encoding="utf-8"?>
-<ds:datastoreItem xmlns:ds="http://schemas.openxmlformats.org/officeDocument/2006/customXml" ds:itemID="{BAC90667-164A-4A8A-BAAA-128B7BE8061D}">
+<file path=customXml/itemProps70.xml><?xml version="1.0" encoding="utf-8"?>
+<ds:datastoreItem xmlns:ds="http://schemas.openxmlformats.org/officeDocument/2006/customXml" ds:itemID="{18C51719-3C9F-4C49-B593-1846F9EE20AB}">
   <ds:schemaRefs>
     <ds:schemaRef ds:uri="http://schemas.microsoft.com/VisualStudio/2011/storyboarding/control"/>
   </ds:schemaRefs>
 </ds:datastoreItem>
 </file>
 
-<file path=customXml/itemProps2.xml><?xml version="1.0" encoding="utf-8"?>
+<file path=customXml/itemProps71.xml><?xml version="1.0" encoding="utf-8"?>
+<ds:datastoreItem xmlns:ds="http://schemas.openxmlformats.org/officeDocument/2006/customXml" ds:itemID="{A3463434-F9B8-4B47-9D02-CB2F324063ED}">
+  <ds:schemaRefs>
+    <ds:schemaRef ds:uri="http://schemas.microsoft.com/VisualStudio/2011/storyboarding/control"/>
+  </ds:schemaRefs>
+</ds:datastoreItem>
+</file>
+
+<file path=customXml/itemProps72.xml><?xml version="1.0" encoding="utf-8"?>
+<ds:datastoreItem xmlns:ds="http://schemas.openxmlformats.org/officeDocument/2006/customXml" ds:itemID="{DE9DBA39-9F6C-4B5C-BDCD-90EAFADFFE56}">
+  <ds:schemaRefs>
+    <ds:schemaRef ds:uri="http://schemas.microsoft.com/VisualStudio/2011/storyboarding/control"/>
+  </ds:schemaRefs>
+</ds:datastoreItem>
+</file>
+
+<file path=customXml/itemProps73.xml><?xml version="1.0" encoding="utf-8"?>
+<ds:datastoreItem xmlns:ds="http://schemas.openxmlformats.org/officeDocument/2006/customXml" ds:itemID="{227E5C53-C01D-4E70-A6B9-862CEA9643DB}">
+  <ds:schemaRefs>
+    <ds:schemaRef ds:uri="http://schemas.microsoft.com/VisualStudio/2011/storyboarding/control"/>
+  </ds:schemaRefs>
+</ds:datastoreItem>
+</file>
+
+<file path=customXml/itemProps74.xml><?xml version="1.0" encoding="utf-8"?>
+<ds:datastoreItem xmlns:ds="http://schemas.openxmlformats.org/officeDocument/2006/customXml" ds:itemID="{78E34AD7-67E9-4538-9E4E-0013BA69B386}">
+  <ds:schemaRefs>
+    <ds:schemaRef ds:uri="http://schemas.microsoft.com/VisualStudio/2011/storyboarding/control"/>
+  </ds:schemaRefs>
+</ds:datastoreItem>
+</file>
+
+<file path=customXml/itemProps75.xml><?xml version="1.0" encoding="utf-8"?>
+<ds:datastoreItem xmlns:ds="http://schemas.openxmlformats.org/officeDocument/2006/customXml" ds:itemID="{CDD409C7-71C2-4C65-BCFB-149C300005F6}">
+  <ds:schemaRefs>
+    <ds:schemaRef ds:uri="http://schemas.microsoft.com/VisualStudio/2011/storyboarding/control"/>
+  </ds:schemaRefs>
+</ds:datastoreItem>
+</file>
+
+<file path=customXml/itemProps76.xml><?xml version="1.0" encoding="utf-8"?>
+<ds:datastoreItem xmlns:ds="http://schemas.openxmlformats.org/officeDocument/2006/customXml" ds:itemID="{84CEE309-514A-49A8-8D51-44EB0D78ECE2}">
+  <ds:schemaRefs>
+    <ds:schemaRef ds:uri="http://schemas.microsoft.com/VisualStudio/2011/storyboarding/control"/>
+  </ds:schemaRefs>
+</ds:datastoreItem>
+</file>
+
+<file path=customXml/itemProps77.xml><?xml version="1.0" encoding="utf-8"?>
+<ds:datastoreItem xmlns:ds="http://schemas.openxmlformats.org/officeDocument/2006/customXml" ds:itemID="{EAB0C7F1-CC68-4D22-8FEA-88AFDBE02341}">
+  <ds:schemaRefs>
+    <ds:schemaRef ds:uri="http://schemas.microsoft.com/VisualStudio/2011/storyboarding/control"/>
+  </ds:schemaRefs>
+</ds:datastoreItem>
+</file>
+
+<file path=customXml/itemProps78.xml><?xml version="1.0" encoding="utf-8"?>
+<ds:datastoreItem xmlns:ds="http://schemas.openxmlformats.org/officeDocument/2006/customXml" ds:itemID="{78353A13-B082-4437-A84F-74667BA559BC}">
+  <ds:schemaRefs>
+    <ds:schemaRef ds:uri="http://schemas.microsoft.com/VisualStudio/2011/storyboarding/control"/>
+  </ds:schemaRefs>
+</ds:datastoreItem>
+</file>
+
+<file path=customXml/itemProps79.xml><?xml version="1.0" encoding="utf-8"?>
+<ds:datastoreItem xmlns:ds="http://schemas.openxmlformats.org/officeDocument/2006/customXml" ds:itemID="{B2B24FB6-85BB-407E-9155-09198E969BA6}">
+  <ds:schemaRefs>
+    <ds:schemaRef ds:uri="http://schemas.microsoft.com/VisualStudio/2011/storyboarding/control"/>
+  </ds:schemaRefs>
+</ds:datastoreItem>
+</file>
+
+<file path=customXml/itemProps8.xml><?xml version="1.0" encoding="utf-8"?>
 <ds:datastoreItem xmlns:ds="http://schemas.openxmlformats.org/officeDocument/2006/customXml" ds:itemID="{62297194-F276-4C35-9AA2-BFDF1B032F77}">
   <ds:schemaRefs>
     <ds:schemaRef ds:uri="http://schemas.microsoft.com/VisualStudio/2011/storyboarding/control"/>
@@ -26338,536 +26871,8 @@
 </ds:datastoreItem>
 </file>
 
-<file path=customXml/itemProps20.xml><?xml version="1.0" encoding="utf-8"?>
-<ds:datastoreItem xmlns:ds="http://schemas.openxmlformats.org/officeDocument/2006/customXml" ds:itemID="{A3C76FA4-F239-4FB3-B9E1-FF997FA1107F}">
-  <ds:schemaRefs>
-    <ds:schemaRef ds:uri="http://schemas.microsoft.com/VisualStudio/2011/storyboarding/control"/>
-  </ds:schemaRefs>
-</ds:datastoreItem>
-</file>
-
-<file path=customXml/itemProps21.xml><?xml version="1.0" encoding="utf-8"?>
-<ds:datastoreItem xmlns:ds="http://schemas.openxmlformats.org/officeDocument/2006/customXml" ds:itemID="{A00892C2-213B-4D05-802E-DD6EA36F62CA}">
-  <ds:schemaRefs>
-    <ds:schemaRef ds:uri="http://schemas.microsoft.com/VisualStudio/2011/storyboarding/control"/>
-  </ds:schemaRefs>
-</ds:datastoreItem>
-</file>
-
-<file path=customXml/itemProps22.xml><?xml version="1.0" encoding="utf-8"?>
-<ds:datastoreItem xmlns:ds="http://schemas.openxmlformats.org/officeDocument/2006/customXml" ds:itemID="{61FE46EF-C9E2-4357-AD75-946D9C2490CD}">
-  <ds:schemaRefs>
-    <ds:schemaRef ds:uri="http://schemas.microsoft.com/VisualStudio/2011/storyboarding/control"/>
-  </ds:schemaRefs>
-</ds:datastoreItem>
-</file>
-
-<file path=customXml/itemProps23.xml><?xml version="1.0" encoding="utf-8"?>
-<ds:datastoreItem xmlns:ds="http://schemas.openxmlformats.org/officeDocument/2006/customXml" ds:itemID="{FB4E5412-9FC0-4F6E-A592-166A3ED9B5BA}">
-  <ds:schemaRefs>
-    <ds:schemaRef ds:uri="http://schemas.microsoft.com/VisualStudio/2011/storyboarding/control"/>
-  </ds:schemaRefs>
-</ds:datastoreItem>
-</file>
-
-<file path=customXml/itemProps24.xml><?xml version="1.0" encoding="utf-8"?>
-<ds:datastoreItem xmlns:ds="http://schemas.openxmlformats.org/officeDocument/2006/customXml" ds:itemID="{D4F0451A-464F-4782-A886-6664DA4B5958}">
-  <ds:schemaRefs>
-    <ds:schemaRef ds:uri="http://schemas.microsoft.com/VisualStudio/2011/storyboarding/control"/>
-  </ds:schemaRefs>
-</ds:datastoreItem>
-</file>
-
-<file path=customXml/itemProps25.xml><?xml version="1.0" encoding="utf-8"?>
-<ds:datastoreItem xmlns:ds="http://schemas.openxmlformats.org/officeDocument/2006/customXml" ds:itemID="{BC0AA183-3690-4275-A7B1-801B085309DD}">
-  <ds:schemaRefs>
-    <ds:schemaRef ds:uri="http://schemas.microsoft.com/VisualStudio/2011/storyboarding/control"/>
-  </ds:schemaRefs>
-</ds:datastoreItem>
-</file>
-
-<file path=customXml/itemProps26.xml><?xml version="1.0" encoding="utf-8"?>
-<ds:datastoreItem xmlns:ds="http://schemas.openxmlformats.org/officeDocument/2006/customXml" ds:itemID="{AD80B81F-1663-4383-8923-3765025EB686}">
-  <ds:schemaRefs>
-    <ds:schemaRef ds:uri="http://schemas.microsoft.com/VisualStudio/2011/storyboarding/control"/>
-  </ds:schemaRefs>
-</ds:datastoreItem>
-</file>
-
-<file path=customXml/itemProps27.xml><?xml version="1.0" encoding="utf-8"?>
-<ds:datastoreItem xmlns:ds="http://schemas.openxmlformats.org/officeDocument/2006/customXml" ds:itemID="{75F7A925-CDCF-44C7-AAC9-ED81A7152AAE}">
-  <ds:schemaRefs>
-    <ds:schemaRef ds:uri="http://schemas.microsoft.com/VisualStudio/2011/storyboarding/control"/>
-  </ds:schemaRefs>
-</ds:datastoreItem>
-</file>
-
-<file path=customXml/itemProps28.xml><?xml version="1.0" encoding="utf-8"?>
-<ds:datastoreItem xmlns:ds="http://schemas.openxmlformats.org/officeDocument/2006/customXml" ds:itemID="{55ED4C64-3C02-42E9-8CAD-93AFE18EA656}">
-  <ds:schemaRefs>
-    <ds:schemaRef ds:uri="http://schemas.microsoft.com/VisualStudio/2011/storyboarding/control"/>
-  </ds:schemaRefs>
-</ds:datastoreItem>
-</file>
-
-<file path=customXml/itemProps29.xml><?xml version="1.0" encoding="utf-8"?>
-<ds:datastoreItem xmlns:ds="http://schemas.openxmlformats.org/officeDocument/2006/customXml" ds:itemID="{D9AAC72D-494D-41B7-826F-9303EDE27B71}">
-  <ds:schemaRefs>
-    <ds:schemaRef ds:uri="http://schemas.microsoft.com/VisualStudio/2011/storyboarding/control"/>
-  </ds:schemaRefs>
-</ds:datastoreItem>
-</file>
-
-<file path=customXml/itemProps3.xml><?xml version="1.0" encoding="utf-8"?>
-<ds:datastoreItem xmlns:ds="http://schemas.openxmlformats.org/officeDocument/2006/customXml" ds:itemID="{54096EDF-8844-4AF1-A245-67F5F80754AD}">
-  <ds:schemaRefs>
-    <ds:schemaRef ds:uri="http://schemas.microsoft.com/VisualStudio/2011/storyboarding/control"/>
-  </ds:schemaRefs>
-</ds:datastoreItem>
-</file>
-
-<file path=customXml/itemProps30.xml><?xml version="1.0" encoding="utf-8"?>
-<ds:datastoreItem xmlns:ds="http://schemas.openxmlformats.org/officeDocument/2006/customXml" ds:itemID="{C11AF406-DD81-4DC9-886A-0313350AB230}">
-  <ds:schemaRefs>
-    <ds:schemaRef ds:uri="http://schemas.microsoft.com/VisualStudio/2011/storyboarding/control"/>
-  </ds:schemaRefs>
-</ds:datastoreItem>
-</file>
-
-<file path=customXml/itemProps31.xml><?xml version="1.0" encoding="utf-8"?>
-<ds:datastoreItem xmlns:ds="http://schemas.openxmlformats.org/officeDocument/2006/customXml" ds:itemID="{78E34AD7-67E9-4538-9E4E-0013BA69B386}">
-  <ds:schemaRefs>
-    <ds:schemaRef ds:uri="http://schemas.microsoft.com/VisualStudio/2011/storyboarding/control"/>
-  </ds:schemaRefs>
-</ds:datastoreItem>
-</file>
-
-<file path=customXml/itemProps32.xml><?xml version="1.0" encoding="utf-8"?>
-<ds:datastoreItem xmlns:ds="http://schemas.openxmlformats.org/officeDocument/2006/customXml" ds:itemID="{BA1487F5-A4B7-43CA-B32B-AC709F1635D5}">
-  <ds:schemaRefs>
-    <ds:schemaRef ds:uri="http://schemas.microsoft.com/VisualStudio/2011/storyboarding/control"/>
-  </ds:schemaRefs>
-</ds:datastoreItem>
-</file>
-
-<file path=customXml/itemProps33.xml><?xml version="1.0" encoding="utf-8"?>
-<ds:datastoreItem xmlns:ds="http://schemas.openxmlformats.org/officeDocument/2006/customXml" ds:itemID="{8E3DB2DB-8C88-4EF8-A2D0-7330BF0FA28D}">
-  <ds:schemaRefs>
-    <ds:schemaRef ds:uri="http://schemas.microsoft.com/VisualStudio/2011/storyboarding/control"/>
-  </ds:schemaRefs>
-</ds:datastoreItem>
-</file>
-
-<file path=customXml/itemProps34.xml><?xml version="1.0" encoding="utf-8"?>
-<ds:datastoreItem xmlns:ds="http://schemas.openxmlformats.org/officeDocument/2006/customXml" ds:itemID="{70062652-335B-4750-85AC-FA1116CC1FA2}">
-  <ds:schemaRefs>
-    <ds:schemaRef ds:uri="http://schemas.microsoft.com/VisualStudio/2011/storyboarding/control"/>
-  </ds:schemaRefs>
-</ds:datastoreItem>
-</file>
-
-<file path=customXml/itemProps35.xml><?xml version="1.0" encoding="utf-8"?>
-<ds:datastoreItem xmlns:ds="http://schemas.openxmlformats.org/officeDocument/2006/customXml" ds:itemID="{7BD39EFE-EA05-4A6E-BF89-B96C242363EC}">
-  <ds:schemaRefs>
-    <ds:schemaRef ds:uri="http://schemas.microsoft.com/VisualStudio/2011/storyboarding/control"/>
-  </ds:schemaRefs>
-</ds:datastoreItem>
-</file>
-
-<file path=customXml/itemProps36.xml><?xml version="1.0" encoding="utf-8"?>
-<ds:datastoreItem xmlns:ds="http://schemas.openxmlformats.org/officeDocument/2006/customXml" ds:itemID="{18C51719-3C9F-4C49-B593-1846F9EE20AB}">
-  <ds:schemaRefs>
-    <ds:schemaRef ds:uri="http://schemas.microsoft.com/VisualStudio/2011/storyboarding/control"/>
-  </ds:schemaRefs>
-</ds:datastoreItem>
-</file>
-
-<file path=customXml/itemProps37.xml><?xml version="1.0" encoding="utf-8"?>
-<ds:datastoreItem xmlns:ds="http://schemas.openxmlformats.org/officeDocument/2006/customXml" ds:itemID="{0C72094E-3098-44D6-AE78-A76761954F66}">
-  <ds:schemaRefs>
-    <ds:schemaRef ds:uri="http://schemas.microsoft.com/VisualStudio/2011/storyboarding/control"/>
-  </ds:schemaRefs>
-</ds:datastoreItem>
-</file>
-
-<file path=customXml/itemProps38.xml><?xml version="1.0" encoding="utf-8"?>
-<ds:datastoreItem xmlns:ds="http://schemas.openxmlformats.org/officeDocument/2006/customXml" ds:itemID="{EA9EA9DB-BC80-488C-80A0-CC56FD375DBA}">
-  <ds:schemaRefs>
-    <ds:schemaRef ds:uri="http://schemas.microsoft.com/VisualStudio/2011/storyboarding/control"/>
-  </ds:schemaRefs>
-</ds:datastoreItem>
-</file>
-
-<file path=customXml/itemProps39.xml><?xml version="1.0" encoding="utf-8"?>
-<ds:datastoreItem xmlns:ds="http://schemas.openxmlformats.org/officeDocument/2006/customXml" ds:itemID="{E33B031F-9E3E-44AB-B670-132AEF0CC0E0}">
-  <ds:schemaRefs>
-    <ds:schemaRef ds:uri="http://schemas.microsoft.com/VisualStudio/2011/storyboarding/control"/>
-  </ds:schemaRefs>
-</ds:datastoreItem>
-</file>
-
-<file path=customXml/itemProps4.xml><?xml version="1.0" encoding="utf-8"?>
-<ds:datastoreItem xmlns:ds="http://schemas.openxmlformats.org/officeDocument/2006/customXml" ds:itemID="{A20CCF91-9787-422A-AEBB-C4729D818C00}">
-  <ds:schemaRefs>
-    <ds:schemaRef ds:uri="http://schemas.microsoft.com/VisualStudio/2011/storyboarding/control"/>
-  </ds:schemaRefs>
-</ds:datastoreItem>
-</file>
-
-<file path=customXml/itemProps40.xml><?xml version="1.0" encoding="utf-8"?>
-<ds:datastoreItem xmlns:ds="http://schemas.openxmlformats.org/officeDocument/2006/customXml" ds:itemID="{ADD2FE2A-D1F3-4375-9E9C-984067E981CB}">
-  <ds:schemaRefs>
-    <ds:schemaRef ds:uri="http://schemas.microsoft.com/VisualStudio/2011/storyboarding/control"/>
-  </ds:schemaRefs>
-</ds:datastoreItem>
-</file>
-
-<file path=customXml/itemProps41.xml><?xml version="1.0" encoding="utf-8"?>
-<ds:datastoreItem xmlns:ds="http://schemas.openxmlformats.org/officeDocument/2006/customXml" ds:itemID="{FB913C09-5FF3-4DBC-A409-A3629F85486F}">
-  <ds:schemaRefs>
-    <ds:schemaRef ds:uri="http://schemas.microsoft.com/VisualStudio/2011/storyboarding/control"/>
-  </ds:schemaRefs>
-</ds:datastoreItem>
-</file>
-
-<file path=customXml/itemProps42.xml><?xml version="1.0" encoding="utf-8"?>
-<ds:datastoreItem xmlns:ds="http://schemas.openxmlformats.org/officeDocument/2006/customXml" ds:itemID="{57DA300F-9A6A-4CF1-AC7A-D50BE33059D3}">
-  <ds:schemaRefs>
-    <ds:schemaRef ds:uri="http://schemas.microsoft.com/VisualStudio/2011/storyboarding/control"/>
-  </ds:schemaRefs>
-</ds:datastoreItem>
-</file>
-
-<file path=customXml/itemProps43.xml><?xml version="1.0" encoding="utf-8"?>
-<ds:datastoreItem xmlns:ds="http://schemas.openxmlformats.org/officeDocument/2006/customXml" ds:itemID="{A547CB25-022E-4F62-95D8-86B932E8AC9F}">
-  <ds:schemaRefs>
-    <ds:schemaRef ds:uri="http://schemas.microsoft.com/VisualStudio/2011/storyboarding/control"/>
-  </ds:schemaRefs>
-</ds:datastoreItem>
-</file>
-
-<file path=customXml/itemProps44.xml><?xml version="1.0" encoding="utf-8"?>
-<ds:datastoreItem xmlns:ds="http://schemas.openxmlformats.org/officeDocument/2006/customXml" ds:itemID="{CDD409C7-71C2-4C65-BCFB-149C300005F6}">
-  <ds:schemaRefs>
-    <ds:schemaRef ds:uri="http://schemas.microsoft.com/VisualStudio/2011/storyboarding/control"/>
-  </ds:schemaRefs>
-</ds:datastoreItem>
-</file>
-
-<file path=customXml/itemProps45.xml><?xml version="1.0" encoding="utf-8"?>
-<ds:datastoreItem xmlns:ds="http://schemas.openxmlformats.org/officeDocument/2006/customXml" ds:itemID="{696C7FC6-5DA9-4D1F-8CCE-7025BD68CA0F}">
-  <ds:schemaRefs>
-    <ds:schemaRef ds:uri="http://schemas.microsoft.com/VisualStudio/2011/storyboarding/control"/>
-  </ds:schemaRefs>
-</ds:datastoreItem>
-</file>
-
-<file path=customXml/itemProps46.xml><?xml version="1.0" encoding="utf-8"?>
-<ds:datastoreItem xmlns:ds="http://schemas.openxmlformats.org/officeDocument/2006/customXml" ds:itemID="{C89A5AE4-31C4-432B-AB3B-2DEDF1730F58}">
-  <ds:schemaRefs>
-    <ds:schemaRef ds:uri="http://schemas.microsoft.com/VisualStudio/2011/storyboarding/control"/>
-  </ds:schemaRefs>
-</ds:datastoreItem>
-</file>
-
-<file path=customXml/itemProps47.xml><?xml version="1.0" encoding="utf-8"?>
-<ds:datastoreItem xmlns:ds="http://schemas.openxmlformats.org/officeDocument/2006/customXml" ds:itemID="{B99CDE6E-FE87-4F33-BAC6-FEC8DE73ED50}">
-  <ds:schemaRefs>
-    <ds:schemaRef ds:uri="http://schemas.microsoft.com/VisualStudio/2011/storyboarding/control"/>
-  </ds:schemaRefs>
-</ds:datastoreItem>
-</file>
-
-<file path=customXml/itemProps48.xml><?xml version="1.0" encoding="utf-8"?>
-<ds:datastoreItem xmlns:ds="http://schemas.openxmlformats.org/officeDocument/2006/customXml" ds:itemID="{0C720265-0C21-4572-B4AB-A1CC192118CE}">
-  <ds:schemaRefs>
-    <ds:schemaRef ds:uri="http://schemas.microsoft.com/VisualStudio/2011/storyboarding/control"/>
-  </ds:schemaRefs>
-</ds:datastoreItem>
-</file>
-
-<file path=customXml/itemProps49.xml><?xml version="1.0" encoding="utf-8"?>
-<ds:datastoreItem xmlns:ds="http://schemas.openxmlformats.org/officeDocument/2006/customXml" ds:itemID="{A3463434-F9B8-4B47-9D02-CB2F324063ED}">
-  <ds:schemaRefs>
-    <ds:schemaRef ds:uri="http://schemas.microsoft.com/VisualStudio/2011/storyboarding/control"/>
-  </ds:schemaRefs>
-</ds:datastoreItem>
-</file>
-
-<file path=customXml/itemProps5.xml><?xml version="1.0" encoding="utf-8"?>
-<ds:datastoreItem xmlns:ds="http://schemas.openxmlformats.org/officeDocument/2006/customXml" ds:itemID="{1C0C511F-E67D-4D4A-9A7B-6E9F2916E4D8}">
-  <ds:schemaRefs>
-    <ds:schemaRef ds:uri="http://schemas.microsoft.com/VisualStudio/2011/storyboarding/control"/>
-  </ds:schemaRefs>
-</ds:datastoreItem>
-</file>
-
-<file path=customXml/itemProps50.xml><?xml version="1.0" encoding="utf-8"?>
-<ds:datastoreItem xmlns:ds="http://schemas.openxmlformats.org/officeDocument/2006/customXml" ds:itemID="{F56F2941-353E-449E-AA09-F8908BE1CF86}">
-  <ds:schemaRefs>
-    <ds:schemaRef ds:uri="http://schemas.microsoft.com/VisualStudio/2011/storyboarding/control"/>
-  </ds:schemaRefs>
-</ds:datastoreItem>
-</file>
-
-<file path=customXml/itemProps51.xml><?xml version="1.0" encoding="utf-8"?>
-<ds:datastoreItem xmlns:ds="http://schemas.openxmlformats.org/officeDocument/2006/customXml" ds:itemID="{DF0307B4-2196-4A01-B7E1-B004028F97B8}">
-  <ds:schemaRefs>
-    <ds:schemaRef ds:uri="http://schemas.microsoft.com/VisualStudio/2011/storyboarding/control"/>
-  </ds:schemaRefs>
-</ds:datastoreItem>
-</file>
-
-<file path=customXml/itemProps52.xml><?xml version="1.0" encoding="utf-8"?>
-<ds:datastoreItem xmlns:ds="http://schemas.openxmlformats.org/officeDocument/2006/customXml" ds:itemID="{84CEE309-514A-49A8-8D51-44EB0D78ECE2}">
-  <ds:schemaRefs>
-    <ds:schemaRef ds:uri="http://schemas.microsoft.com/VisualStudio/2011/storyboarding/control"/>
-  </ds:schemaRefs>
-</ds:datastoreItem>
-</file>
-
-<file path=customXml/itemProps53.xml><?xml version="1.0" encoding="utf-8"?>
-<ds:datastoreItem xmlns:ds="http://schemas.openxmlformats.org/officeDocument/2006/customXml" ds:itemID="{F1C238E3-32A4-4079-8AED-C32AD1D3E18E}">
-  <ds:schemaRefs>
-    <ds:schemaRef ds:uri="http://schemas.microsoft.com/VisualStudio/2011/storyboarding/control"/>
-  </ds:schemaRefs>
-</ds:datastoreItem>
-</file>
-
-<file path=customXml/itemProps54.xml><?xml version="1.0" encoding="utf-8"?>
-<ds:datastoreItem xmlns:ds="http://schemas.openxmlformats.org/officeDocument/2006/customXml" ds:itemID="{B6DA0277-A3EB-4F0A-84B2-6E58909CC0BC}">
-  <ds:schemaRefs>
-    <ds:schemaRef ds:uri="http://schemas.microsoft.com/VisualStudio/2011/storyboarding/control"/>
-  </ds:schemaRefs>
-</ds:datastoreItem>
-</file>
-
-<file path=customXml/itemProps55.xml><?xml version="1.0" encoding="utf-8"?>
-<ds:datastoreItem xmlns:ds="http://schemas.openxmlformats.org/officeDocument/2006/customXml" ds:itemID="{EBED6F1E-FCA0-4B8F-9AD0-DCA724A8FEB9}">
-  <ds:schemaRefs>
-    <ds:schemaRef ds:uri="http://schemas.microsoft.com/VisualStudio/2011/storyboarding/control"/>
-  </ds:schemaRefs>
-</ds:datastoreItem>
-</file>
-
-<file path=customXml/itemProps56.xml><?xml version="1.0" encoding="utf-8"?>
-<ds:datastoreItem xmlns:ds="http://schemas.openxmlformats.org/officeDocument/2006/customXml" ds:itemID="{7BED2F25-4B0A-47AE-BA03-A9133EADA07E}">
-  <ds:schemaRefs>
-    <ds:schemaRef ds:uri="http://schemas.microsoft.com/VisualStudio/2011/storyboarding/control"/>
-  </ds:schemaRefs>
-</ds:datastoreItem>
-</file>
-
-<file path=customXml/itemProps57.xml><?xml version="1.0" encoding="utf-8"?>
-<ds:datastoreItem xmlns:ds="http://schemas.openxmlformats.org/officeDocument/2006/customXml" ds:itemID="{DE9DBA39-9F6C-4B5C-BDCD-90EAFADFFE56}">
-  <ds:schemaRefs>
-    <ds:schemaRef ds:uri="http://schemas.microsoft.com/VisualStudio/2011/storyboarding/control"/>
-  </ds:schemaRefs>
-</ds:datastoreItem>
-</file>
-
-<file path=customXml/itemProps58.xml><?xml version="1.0" encoding="utf-8"?>
-<ds:datastoreItem xmlns:ds="http://schemas.openxmlformats.org/officeDocument/2006/customXml" ds:itemID="{7BF6A191-2A8C-4C99-BF02-1A903C1257C8}">
-  <ds:schemaRefs>
-    <ds:schemaRef ds:uri="http://schemas.microsoft.com/VisualStudio/2011/storyboarding/control"/>
-  </ds:schemaRefs>
-</ds:datastoreItem>
-</file>
-
-<file path=customXml/itemProps59.xml><?xml version="1.0" encoding="utf-8"?>
-<ds:datastoreItem xmlns:ds="http://schemas.openxmlformats.org/officeDocument/2006/customXml" ds:itemID="{749907B2-9336-456D-A581-D25D95EDE8BE}">
-  <ds:schemaRefs>
-    <ds:schemaRef ds:uri="http://schemas.microsoft.com/VisualStudio/2011/storyboarding/control"/>
-  </ds:schemaRefs>
-</ds:datastoreItem>
-</file>
-
-<file path=customXml/itemProps6.xml><?xml version="1.0" encoding="utf-8"?>
-<ds:datastoreItem xmlns:ds="http://schemas.openxmlformats.org/officeDocument/2006/customXml" ds:itemID="{B86ED811-76FA-470E-BF65-7B08F4E478BD}">
-  <ds:schemaRefs>
-    <ds:schemaRef ds:uri="http://schemas.microsoft.com/VisualStudio/2011/storyboarding/control"/>
-  </ds:schemaRefs>
-</ds:datastoreItem>
-</file>
-
-<file path=customXml/itemProps60.xml><?xml version="1.0" encoding="utf-8"?>
-<ds:datastoreItem xmlns:ds="http://schemas.openxmlformats.org/officeDocument/2006/customXml" ds:itemID="{EAB0C7F1-CC68-4D22-8FEA-88AFDBE02341}">
-  <ds:schemaRefs>
-    <ds:schemaRef ds:uri="http://schemas.microsoft.com/VisualStudio/2011/storyboarding/control"/>
-  </ds:schemaRefs>
-</ds:datastoreItem>
-</file>
-
-<file path=customXml/itemProps61.xml><?xml version="1.0" encoding="utf-8"?>
-<ds:datastoreItem xmlns:ds="http://schemas.openxmlformats.org/officeDocument/2006/customXml" ds:itemID="{DAAAB185-3E9A-4858-A301-91AC1E282FCF}">
-  <ds:schemaRefs>
-    <ds:schemaRef ds:uri="http://schemas.microsoft.com/VisualStudio/2011/storyboarding/control"/>
-  </ds:schemaRefs>
-</ds:datastoreItem>
-</file>
-
-<file path=customXml/itemProps62.xml><?xml version="1.0" encoding="utf-8"?>
-<ds:datastoreItem xmlns:ds="http://schemas.openxmlformats.org/officeDocument/2006/customXml" ds:itemID="{4E5D278F-7FCD-48BB-BBEA-88293C585644}">
-  <ds:schemaRefs>
-    <ds:schemaRef ds:uri="http://schemas.microsoft.com/VisualStudio/2011/storyboarding/control"/>
-  </ds:schemaRefs>
-</ds:datastoreItem>
-</file>
-
-<file path=customXml/itemProps63.xml><?xml version="1.0" encoding="utf-8"?>
-<ds:datastoreItem xmlns:ds="http://schemas.openxmlformats.org/officeDocument/2006/customXml" ds:itemID="{E633A100-67AC-4527-A659-C7C384F934AC}">
-  <ds:schemaRefs>
-    <ds:schemaRef ds:uri="http://schemas.microsoft.com/VisualStudio/2011/storyboarding/control"/>
-  </ds:schemaRefs>
-</ds:datastoreItem>
-</file>
-
-<file path=customXml/itemProps64.xml><?xml version="1.0" encoding="utf-8"?>
-<ds:datastoreItem xmlns:ds="http://schemas.openxmlformats.org/officeDocument/2006/customXml" ds:itemID="{380B4E0C-0F9B-4F15-9AAB-95F48518E368}">
-  <ds:schemaRefs>
-    <ds:schemaRef ds:uri="http://schemas.microsoft.com/VisualStudio/2011/storyboarding/control"/>
-  </ds:schemaRefs>
-</ds:datastoreItem>
-</file>
-
-<file path=customXml/itemProps65.xml><?xml version="1.0" encoding="utf-8"?>
-<ds:datastoreItem xmlns:ds="http://schemas.openxmlformats.org/officeDocument/2006/customXml" ds:itemID="{78353A13-B082-4437-A84F-74667BA559BC}">
-  <ds:schemaRefs>
-    <ds:schemaRef ds:uri="http://schemas.microsoft.com/VisualStudio/2011/storyboarding/control"/>
-  </ds:schemaRefs>
-</ds:datastoreItem>
-</file>
-
-<file path=customXml/itemProps66.xml><?xml version="1.0" encoding="utf-8"?>
-<ds:datastoreItem xmlns:ds="http://schemas.openxmlformats.org/officeDocument/2006/customXml" ds:itemID="{AAC80C04-0EDF-4D46-9486-CD9AD9802357}">
-  <ds:schemaRefs>
-    <ds:schemaRef ds:uri="http://schemas.microsoft.com/VisualStudio/2011/storyboarding/control"/>
-  </ds:schemaRefs>
-</ds:datastoreItem>
-</file>
-
-<file path=customXml/itemProps67.xml><?xml version="1.0" encoding="utf-8"?>
-<ds:datastoreItem xmlns:ds="http://schemas.openxmlformats.org/officeDocument/2006/customXml" ds:itemID="{D69DE91C-82A6-40CD-9736-E24D1E6FB6E9}">
-  <ds:schemaRefs>
-    <ds:schemaRef ds:uri="http://schemas.microsoft.com/VisualStudio/2011/storyboarding/control"/>
-  </ds:schemaRefs>
-</ds:datastoreItem>
-</file>
-
-<file path=customXml/itemProps68.xml><?xml version="1.0" encoding="utf-8"?>
-<ds:datastoreItem xmlns:ds="http://schemas.openxmlformats.org/officeDocument/2006/customXml" ds:itemID="{963D2681-3D12-4187-95F8-03F5A6F33291}">
-  <ds:schemaRefs>
-    <ds:schemaRef ds:uri="http://schemas.microsoft.com/VisualStudio/2011/storyboarding/control"/>
-  </ds:schemaRefs>
-</ds:datastoreItem>
-</file>
-
-<file path=customXml/itemProps69.xml><?xml version="1.0" encoding="utf-8"?>
-<ds:datastoreItem xmlns:ds="http://schemas.openxmlformats.org/officeDocument/2006/customXml" ds:itemID="{88848805-60FC-4E17-9FE7-BF095CF64A8B}">
-  <ds:schemaRefs>
-    <ds:schemaRef ds:uri="http://schemas.microsoft.com/VisualStudio/2011/storyboarding/control"/>
-  </ds:schemaRefs>
-</ds:datastoreItem>
-</file>
-
-<file path=customXml/itemProps7.xml><?xml version="1.0" encoding="utf-8"?>
-<ds:datastoreItem xmlns:ds="http://schemas.openxmlformats.org/officeDocument/2006/customXml" ds:itemID="{B945FD6A-04E9-4DD2-94EC-104268517FC4}">
-  <ds:schemaRefs>
-    <ds:schemaRef ds:uri="http://schemas.microsoft.com/VisualStudio/2011/storyboarding/control"/>
-  </ds:schemaRefs>
-</ds:datastoreItem>
-</file>
-
-<file path=customXml/itemProps70.xml><?xml version="1.0" encoding="utf-8"?>
-<ds:datastoreItem xmlns:ds="http://schemas.openxmlformats.org/officeDocument/2006/customXml" ds:itemID="{BE9F8366-F0F5-4DC5-AE94-ABE4A9381FDA}">
-  <ds:schemaRefs>
-    <ds:schemaRef ds:uri="http://schemas.microsoft.com/VisualStudio/2011/storyboarding/control"/>
-  </ds:schemaRefs>
-</ds:datastoreItem>
-</file>
-
-<file path=customXml/itemProps71.xml><?xml version="1.0" encoding="utf-8"?>
-<ds:datastoreItem xmlns:ds="http://schemas.openxmlformats.org/officeDocument/2006/customXml" ds:itemID="{1C78CB2B-A8B9-4D7D-854A-D0A2F43A5950}">
-  <ds:schemaRefs>
-    <ds:schemaRef ds:uri="http://schemas.microsoft.com/VisualStudio/2011/storyboarding/control"/>
-  </ds:schemaRefs>
-</ds:datastoreItem>
-</file>
-
-<file path=customXml/itemProps72.xml><?xml version="1.0" encoding="utf-8"?>
-<ds:datastoreItem xmlns:ds="http://schemas.openxmlformats.org/officeDocument/2006/customXml" ds:itemID="{25E6B38B-F703-4B2C-A75A-8AF5AE258929}">
-  <ds:schemaRefs>
-    <ds:schemaRef ds:uri="http://schemas.microsoft.com/VisualStudio/2011/storyboarding/control"/>
-  </ds:schemaRefs>
-</ds:datastoreItem>
-</file>
-
-<file path=customXml/itemProps73.xml><?xml version="1.0" encoding="utf-8"?>
-<ds:datastoreItem xmlns:ds="http://schemas.openxmlformats.org/officeDocument/2006/customXml" ds:itemID="{B2B24FB6-85BB-407E-9155-09198E969BA6}">
-  <ds:schemaRefs>
-    <ds:schemaRef ds:uri="http://schemas.microsoft.com/VisualStudio/2011/storyboarding/control"/>
-  </ds:schemaRefs>
-</ds:datastoreItem>
-</file>
-
-<file path=customXml/itemProps74.xml><?xml version="1.0" encoding="utf-8"?>
-<ds:datastoreItem xmlns:ds="http://schemas.openxmlformats.org/officeDocument/2006/customXml" ds:itemID="{6FC7A63D-0E66-4DB5-918B-D550A62D6163}">
-  <ds:schemaRefs>
-    <ds:schemaRef ds:uri="http://schemas.microsoft.com/VisualStudio/2011/storyboarding/control"/>
-  </ds:schemaRefs>
-</ds:datastoreItem>
-</file>
-
-<file path=customXml/itemProps75.xml><?xml version="1.0" encoding="utf-8"?>
-<ds:datastoreItem xmlns:ds="http://schemas.openxmlformats.org/officeDocument/2006/customXml" ds:itemID="{D4EFD01A-CA4F-4468-85A3-D3DD614A406B}">
-  <ds:schemaRefs>
-    <ds:schemaRef ds:uri="http://schemas.microsoft.com/VisualStudio/2011/storyboarding/control"/>
-  </ds:schemaRefs>
-</ds:datastoreItem>
-</file>
-
-<file path=customXml/itemProps76.xml><?xml version="1.0" encoding="utf-8"?>
-<ds:datastoreItem xmlns:ds="http://schemas.openxmlformats.org/officeDocument/2006/customXml" ds:itemID="{DC5D4FC3-B708-47AD-A0D7-B98414327C2F}">
-  <ds:schemaRefs>
-    <ds:schemaRef ds:uri="http://schemas.microsoft.com/VisualStudio/2011/storyboarding/control"/>
-  </ds:schemaRefs>
-</ds:datastoreItem>
-</file>
-
-<file path=customXml/itemProps77.xml><?xml version="1.0" encoding="utf-8"?>
-<ds:datastoreItem xmlns:ds="http://schemas.openxmlformats.org/officeDocument/2006/customXml" ds:itemID="{817BDAB2-6CAE-4F44-93B0-1A021EF03CE4}">
-  <ds:schemaRefs>
-    <ds:schemaRef ds:uri="http://schemas.microsoft.com/VisualStudio/2011/storyboarding/control"/>
-  </ds:schemaRefs>
-</ds:datastoreItem>
-</file>
-
-<file path=customXml/itemProps78.xml><?xml version="1.0" encoding="utf-8"?>
+<file path=customXml/itemProps80.xml><?xml version="1.0" encoding="utf-8"?>
 <ds:datastoreItem xmlns:ds="http://schemas.openxmlformats.org/officeDocument/2006/customXml" ds:itemID="{AD76B1A6-281F-434B-87D7-4252EED5040E}">
-  <ds:schemaRefs>
-    <ds:schemaRef ds:uri="http://schemas.microsoft.com/VisualStudio/2011/storyboarding/control"/>
-  </ds:schemaRefs>
-</ds:datastoreItem>
-</file>
-
-<file path=customXml/itemProps79.xml><?xml version="1.0" encoding="utf-8"?>
-<ds:datastoreItem xmlns:ds="http://schemas.openxmlformats.org/officeDocument/2006/customXml" ds:itemID="{18C4FC80-2CD4-4621-8D88-8A3D12713A3C}">
-  <ds:schemaRefs>
-    <ds:schemaRef ds:uri="http://schemas.microsoft.com/VisualStudio/2011/storyboarding/control"/>
-  </ds:schemaRefs>
-</ds:datastoreItem>
-</file>
-
-<file path=customXml/itemProps8.xml><?xml version="1.0" encoding="utf-8"?>
-<ds:datastoreItem xmlns:ds="http://schemas.openxmlformats.org/officeDocument/2006/customXml" ds:itemID="{5F8B743C-58C9-496B-861D-37CFDCB689D2}">
-  <ds:schemaRefs>
-    <ds:schemaRef ds:uri="http://schemas.microsoft.com/VisualStudio/2011/storyboarding/control"/>
-  </ds:schemaRefs>
-</ds:datastoreItem>
-</file>
-
-<file path=customXml/itemProps80.xml><?xml version="1.0" encoding="utf-8"?>
-<ds:datastoreItem xmlns:ds="http://schemas.openxmlformats.org/officeDocument/2006/customXml" ds:itemID="{7EE28DA7-04BF-4FF0-BC25-F13F1A9E2299}">
   <ds:schemaRefs>
     <ds:schemaRef ds:uri="http://schemas.microsoft.com/VisualStudio/2011/storyboarding/control"/>
   </ds:schemaRefs>
@@ -26883,7 +26888,7 @@
 </file>
 
 <file path=customXml/itemProps82.xml><?xml version="1.0" encoding="utf-8"?>
-<ds:datastoreItem xmlns:ds="http://schemas.openxmlformats.org/officeDocument/2006/customXml" ds:itemID="{FD5E8C4E-C695-4470-AE14-F85E68B33F00}">
+<ds:datastoreItem xmlns:ds="http://schemas.openxmlformats.org/officeDocument/2006/customXml" ds:itemID="{DFBED902-F192-40FA-B829-570C5EE003A4}">
   <ds:schemaRefs>
     <ds:schemaRef ds:uri="http://schemas.microsoft.com/VisualStudio/2011/storyboarding/control"/>
   </ds:schemaRefs>
@@ -26891,7 +26896,7 @@
 </file>
 
 <file path=customXml/itemProps83.xml><?xml version="1.0" encoding="utf-8"?>
-<ds:datastoreItem xmlns:ds="http://schemas.openxmlformats.org/officeDocument/2006/customXml" ds:itemID="{386E302C-01E1-4794-866D-4FA0B3E1AF50}">
+<ds:datastoreItem xmlns:ds="http://schemas.openxmlformats.org/officeDocument/2006/customXml" ds:itemID="{507020E1-D915-4384-9987-D991B4CEC6A4}">
   <ds:schemaRefs>
     <ds:schemaRef ds:uri="http://schemas.microsoft.com/VisualStudio/2011/storyboarding/control"/>
   </ds:schemaRefs>
@@ -26899,7 +26904,7 @@
 </file>
 
 <file path=customXml/itemProps84.xml><?xml version="1.0" encoding="utf-8"?>
-<ds:datastoreItem xmlns:ds="http://schemas.openxmlformats.org/officeDocument/2006/customXml" ds:itemID="{791B17A9-15C2-42A3-B151-9AD24F60F95D}">
+<ds:datastoreItem xmlns:ds="http://schemas.openxmlformats.org/officeDocument/2006/customXml" ds:itemID="{A20CCF91-9787-422A-AEBB-C4729D818C00}">
   <ds:schemaRefs>
     <ds:schemaRef ds:uri="http://schemas.microsoft.com/VisualStudio/2011/storyboarding/control"/>
   </ds:schemaRefs>
@@ -26907,7 +26912,7 @@
 </file>
 
 <file path=customXml/itemProps85.xml><?xml version="1.0" encoding="utf-8"?>
-<ds:datastoreItem xmlns:ds="http://schemas.openxmlformats.org/officeDocument/2006/customXml" ds:itemID="{814A03FC-C3A4-4873-9570-B69CCBE32003}">
+<ds:datastoreItem xmlns:ds="http://schemas.openxmlformats.org/officeDocument/2006/customXml" ds:itemID="{0A0B0AB4-528F-45D0-9477-351EBE4AC7B5}">
   <ds:schemaRefs>
     <ds:schemaRef ds:uri="http://schemas.microsoft.com/VisualStudio/2011/storyboarding/control"/>
   </ds:schemaRefs>
@@ -26915,7 +26920,7 @@
 </file>
 
 <file path=customXml/itemProps86.xml><?xml version="1.0" encoding="utf-8"?>
-<ds:datastoreItem xmlns:ds="http://schemas.openxmlformats.org/officeDocument/2006/customXml" ds:itemID="{DFBED902-F192-40FA-B829-570C5EE003A4}">
+<ds:datastoreItem xmlns:ds="http://schemas.openxmlformats.org/officeDocument/2006/customXml" ds:itemID="{CCE23676-7212-4FCA-ABFB-70FF7FF618C0}">
   <ds:schemaRefs>
     <ds:schemaRef ds:uri="http://schemas.microsoft.com/VisualStudio/2011/storyboarding/control"/>
   </ds:schemaRefs>
@@ -26923,7 +26928,7 @@
 </file>
 
 <file path=customXml/itemProps87.xml><?xml version="1.0" encoding="utf-8"?>
-<ds:datastoreItem xmlns:ds="http://schemas.openxmlformats.org/officeDocument/2006/customXml" ds:itemID="{52F0D1D8-E410-4292-9A92-586E0F84A1DE}">
+<ds:datastoreItem xmlns:ds="http://schemas.openxmlformats.org/officeDocument/2006/customXml" ds:itemID="{C5605554-8DDB-4D59-9C53-5B746B724ACF}">
   <ds:schemaRefs>
     <ds:schemaRef ds:uri="http://schemas.microsoft.com/VisualStudio/2011/storyboarding/control"/>
   </ds:schemaRefs>
@@ -26931,7 +26936,7 @@
 </file>
 
 <file path=customXml/itemProps88.xml><?xml version="1.0" encoding="utf-8"?>
-<ds:datastoreItem xmlns:ds="http://schemas.openxmlformats.org/officeDocument/2006/customXml" ds:itemID="{09320151-E71B-43ED-859E-2B0EFB898797}">
+<ds:datastoreItem xmlns:ds="http://schemas.openxmlformats.org/officeDocument/2006/customXml" ds:itemID="{E33B031F-9E3E-44AB-B670-132AEF0CC0E0}">
   <ds:schemaRefs>
     <ds:schemaRef ds:uri="http://schemas.microsoft.com/VisualStudio/2011/storyboarding/control"/>
   </ds:schemaRefs>
@@ -26939,7 +26944,7 @@
 </file>
 
 <file path=customXml/itemProps89.xml><?xml version="1.0" encoding="utf-8"?>
-<ds:datastoreItem xmlns:ds="http://schemas.openxmlformats.org/officeDocument/2006/customXml" ds:itemID="{60320C3D-A167-4282-9919-09C183726490}">
+<ds:datastoreItem xmlns:ds="http://schemas.openxmlformats.org/officeDocument/2006/customXml" ds:itemID="{70062652-335B-4750-85AC-FA1116CC1FA2}">
   <ds:schemaRefs>
     <ds:schemaRef ds:uri="http://schemas.microsoft.com/VisualStudio/2011/storyboarding/control"/>
   </ds:schemaRefs>
@@ -26947,7 +26952,7 @@
 </file>
 
 <file path=customXml/itemProps9.xml><?xml version="1.0" encoding="utf-8"?>
-<ds:datastoreItem xmlns:ds="http://schemas.openxmlformats.org/officeDocument/2006/customXml" ds:itemID="{0A0B0AB4-528F-45D0-9477-351EBE4AC7B5}">
+<ds:datastoreItem xmlns:ds="http://schemas.openxmlformats.org/officeDocument/2006/customXml" ds:itemID="{22BBB2FA-F8D8-485D-82A6-F1C443370B32}">
   <ds:schemaRefs>
     <ds:schemaRef ds:uri="http://schemas.microsoft.com/VisualStudio/2011/storyboarding/control"/>
   </ds:schemaRefs>
@@ -26955,7 +26960,7 @@
 </file>
 
 <file path=customXml/itemProps90.xml><?xml version="1.0" encoding="utf-8"?>
-<ds:datastoreItem xmlns:ds="http://schemas.openxmlformats.org/officeDocument/2006/customXml" ds:itemID="{229CB539-3BDB-4B73-992D-D0B9FD8C2D51}">
+<ds:datastoreItem xmlns:ds="http://schemas.openxmlformats.org/officeDocument/2006/customXml" ds:itemID="{F56F2941-353E-449E-AA09-F8908BE1CF86}">
   <ds:schemaRefs>
     <ds:schemaRef ds:uri="http://schemas.microsoft.com/VisualStudio/2011/storyboarding/control"/>
   </ds:schemaRefs>
@@ -26963,7 +26968,7 @@
 </file>
 
 <file path=customXml/itemProps91.xml><?xml version="1.0" encoding="utf-8"?>
-<ds:datastoreItem xmlns:ds="http://schemas.openxmlformats.org/officeDocument/2006/customXml" ds:itemID="{8473A26F-7946-478D-9DA7-9A49FC20E512}">
+<ds:datastoreItem xmlns:ds="http://schemas.openxmlformats.org/officeDocument/2006/customXml" ds:itemID="{EBED6F1E-FCA0-4B8F-9AD0-DCA724A8FEB9}">
   <ds:schemaRefs>
     <ds:schemaRef ds:uri="http://schemas.microsoft.com/VisualStudio/2011/storyboarding/control"/>
   </ds:schemaRefs>
@@ -26971,6 +26976,38 @@
 </file>
 
 <file path=customXml/itemProps92.xml><?xml version="1.0" encoding="utf-8"?>
+<ds:datastoreItem xmlns:ds="http://schemas.openxmlformats.org/officeDocument/2006/customXml" ds:itemID="{DC5D4FC3-B708-47AD-A0D7-B98414327C2F}">
+  <ds:schemaRefs>
+    <ds:schemaRef ds:uri="http://schemas.microsoft.com/VisualStudio/2011/storyboarding/control"/>
+  </ds:schemaRefs>
+</ds:datastoreItem>
+</file>
+
+<file path=customXml/itemProps93.xml><?xml version="1.0" encoding="utf-8"?>
+<ds:datastoreItem xmlns:ds="http://schemas.openxmlformats.org/officeDocument/2006/customXml" ds:itemID="{60EA6796-5DBC-4382-82C4-026F3E6B0075}">
+  <ds:schemaRefs>
+    <ds:schemaRef ds:uri="http://schemas.microsoft.com/VisualStudio/2011/storyboarding/control"/>
+  </ds:schemaRefs>
+</ds:datastoreItem>
+</file>
+
+<file path=customXml/itemProps94.xml><?xml version="1.0" encoding="utf-8"?>
+<ds:datastoreItem xmlns:ds="http://schemas.openxmlformats.org/officeDocument/2006/customXml" ds:itemID="{B945FD6A-04E9-4DD2-94EC-104268517FC4}">
+  <ds:schemaRefs>
+    <ds:schemaRef ds:uri="http://schemas.microsoft.com/VisualStudio/2011/storyboarding/control"/>
+  </ds:schemaRefs>
+</ds:datastoreItem>
+</file>
+
+<file path=customXml/itemProps95.xml><?xml version="1.0" encoding="utf-8"?>
+<ds:datastoreItem xmlns:ds="http://schemas.openxmlformats.org/officeDocument/2006/customXml" ds:itemID="{1C78CB2B-A8B9-4D7D-854A-D0A2F43A5950}">
+  <ds:schemaRefs>
+    <ds:schemaRef ds:uri="http://schemas.microsoft.com/VisualStudio/2011/storyboarding/control"/>
+  </ds:schemaRefs>
+</ds:datastoreItem>
+</file>
+
+<file path=customXml/itemProps96.xml><?xml version="1.0" encoding="utf-8"?>
 <ds:datastoreItem xmlns:ds="http://schemas.openxmlformats.org/officeDocument/2006/customXml" ds:itemID="{6CAE292F-FD89-4F6D-910D-2C5605E3D35A}">
   <ds:schemaRefs>
     <ds:schemaRef ds:uri="http://schemas.microsoft.com/VisualStudio/2011/storyboarding/control"/>
@@ -26978,40 +27015,8 @@
 </ds:datastoreItem>
 </file>
 
-<file path=customXml/itemProps93.xml><?xml version="1.0" encoding="utf-8"?>
-<ds:datastoreItem xmlns:ds="http://schemas.openxmlformats.org/officeDocument/2006/customXml" ds:itemID="{B2FDDC24-82E2-4FB5-B7F5-E04E98EC8EC4}">
-  <ds:schemaRefs>
-    <ds:schemaRef ds:uri="http://schemas.microsoft.com/VisualStudio/2011/storyboarding/control"/>
-  </ds:schemaRefs>
-</ds:datastoreItem>
-</file>
-
-<file path=customXml/itemProps94.xml><?xml version="1.0" encoding="utf-8"?>
-<ds:datastoreItem xmlns:ds="http://schemas.openxmlformats.org/officeDocument/2006/customXml" ds:itemID="{507020E1-D915-4384-9987-D991B4CEC6A4}">
-  <ds:schemaRefs>
-    <ds:schemaRef ds:uri="http://schemas.microsoft.com/VisualStudio/2011/storyboarding/control"/>
-  </ds:schemaRefs>
-</ds:datastoreItem>
-</file>
-
-<file path=customXml/itemProps95.xml><?xml version="1.0" encoding="utf-8"?>
-<ds:datastoreItem xmlns:ds="http://schemas.openxmlformats.org/officeDocument/2006/customXml" ds:itemID="{5CC033DF-F60D-48E1-B2D4-F38F6C4283CA}">
-  <ds:schemaRefs>
-    <ds:schemaRef ds:uri="http://schemas.microsoft.com/VisualStudio/2011/storyboarding/control"/>
-  </ds:schemaRefs>
-</ds:datastoreItem>
-</file>
-
-<file path=customXml/itemProps96.xml><?xml version="1.0" encoding="utf-8"?>
-<ds:datastoreItem xmlns:ds="http://schemas.openxmlformats.org/officeDocument/2006/customXml" ds:itemID="{A0951CD3-D0AB-42CB-83AF-2C81D4E71AFE}">
-  <ds:schemaRefs>
-    <ds:schemaRef ds:uri="http://schemas.microsoft.com/VisualStudio/2011/storyboarding/control"/>
-  </ds:schemaRefs>
-</ds:datastoreItem>
-</file>
-
 <file path=customXml/itemProps97.xml><?xml version="1.0" encoding="utf-8"?>
-<ds:datastoreItem xmlns:ds="http://schemas.openxmlformats.org/officeDocument/2006/customXml" ds:itemID="{60EA6796-5DBC-4382-82C4-026F3E6B0075}">
+<ds:datastoreItem xmlns:ds="http://schemas.openxmlformats.org/officeDocument/2006/customXml" ds:itemID="{AD80B81F-1663-4383-8923-3765025EB686}">
   <ds:schemaRefs>
     <ds:schemaRef ds:uri="http://schemas.microsoft.com/VisualStudio/2011/storyboarding/control"/>
   </ds:schemaRefs>

--- a/프로토타입.pptx
+++ b/프로토타입.pptx
@@ -2,17 +2,17 @@
 <file path=ppt/presentation.xml><?xml version="1.0" encoding="utf-8"?>
 <p:presentation xmlns:a="http://schemas.openxmlformats.org/drawingml/2006/main" xmlns:r="http://schemas.openxmlformats.org/officeDocument/2006/relationships" xmlns:p="http://schemas.openxmlformats.org/presentationml/2006/main" saveSubsetFonts="1">
   <p:sldMasterIdLst>
-    <p:sldMasterId id="2147483708" r:id="rId98"/>
+    <p:sldMasterId id="2147483708" r:id="rId100"/>
   </p:sldMasterIdLst>
   <p:sldIdLst>
-    <p:sldId id="256" r:id="rId99"/>
-    <p:sldId id="257" r:id="rId100"/>
-    <p:sldId id="258" r:id="rId101"/>
-    <p:sldId id="259" r:id="rId102"/>
-    <p:sldId id="261" r:id="rId103"/>
-    <p:sldId id="262" r:id="rId104"/>
-    <p:sldId id="263" r:id="rId105"/>
-    <p:sldId id="264" r:id="rId106"/>
+    <p:sldId id="256" r:id="rId101"/>
+    <p:sldId id="257" r:id="rId102"/>
+    <p:sldId id="258" r:id="rId103"/>
+    <p:sldId id="259" r:id="rId104"/>
+    <p:sldId id="261" r:id="rId105"/>
+    <p:sldId id="262" r:id="rId106"/>
+    <p:sldId id="263" r:id="rId107"/>
+    <p:sldId id="264" r:id="rId108"/>
   </p:sldIdLst>
   <p:sldSz cx="9144000" cy="5143500" type="screen16x9"/>
   <p:notesSz cx="6858000" cy="9144000"/>
@@ -8643,7 +8643,7 @@
         </p:nvSpPr>
         <p:spPr>
           <a:xfrm>
-            <a:off x="1489689" y="4782311"/>
+            <a:off x="972090" y="4765023"/>
             <a:ext cx="721144" cy="228600"/>
           </a:xfrm>
           <a:prstGeom prst="roundRect">
@@ -8725,7 +8725,7 @@
         </p:nvSpPr>
         <p:spPr>
           <a:xfrm>
-            <a:off x="2364627" y="4782311"/>
+            <a:off x="2774914" y="4765023"/>
             <a:ext cx="780157" cy="228600"/>
           </a:xfrm>
           <a:prstGeom prst="roundRect">
@@ -8807,7 +8807,7 @@
         </p:nvSpPr>
         <p:spPr>
           <a:xfrm rot="20359169">
-            <a:off x="2085154" y="4858030"/>
+            <a:off x="1368073" y="4868495"/>
             <a:ext cx="151053" cy="247694"/>
           </a:xfrm>
           <a:custGeom>
@@ -9128,6 +9128,88 @@
               <a:rPr lang="ko-KR" altLang="en-US" dirty="0"/>
               <a:t>정보 입력 후 저장</a:t>
             </a:r>
+          </a:p>
+        </p:txBody>
+      </p:sp>
+      <p:sp>
+        <p:nvSpPr>
+          <p:cNvPr id="46" name="Content">
+            <a:extLst>
+              <a:ext uri="{FF2B5EF4-FFF2-40B4-BE49-F238E27FC236}">
+                <a16:creationId xmlns:a16="http://schemas.microsoft.com/office/drawing/2014/main" id="{F11FC4A8-CE0B-488B-BA82-1530135DF1A5}"/>
+              </a:ext>
+            </a:extLst>
+          </p:cNvPr>
+          <p:cNvSpPr/>
+          <p:nvPr>
+            <p:custDataLst>
+              <p:custData r:id="rId19"/>
+            </p:custDataLst>
+          </p:nvPr>
+        </p:nvSpPr>
+        <p:spPr>
+          <a:xfrm>
+            <a:off x="1851006" y="4758633"/>
+            <a:ext cx="721144" cy="228600"/>
+          </a:xfrm>
+          <a:prstGeom prst="roundRect">
+            <a:avLst/>
+          </a:prstGeom>
+          <a:solidFill>
+            <a:srgbClr val="FFFFFF">
+              <a:lumMod val="95000"/>
+            </a:srgbClr>
+          </a:solidFill>
+          <a:ln w="3175">
+            <a:solidFill>
+              <a:srgbClr val="000000">
+                <a:lumMod val="50000"/>
+                <a:lumOff val="50000"/>
+              </a:srgbClr>
+            </a:solidFill>
+          </a:ln>
+          <a:effectLst/>
+        </p:spPr>
+        <p:style>
+          <a:lnRef idx="2">
+            <a:srgbClr val="4F81BD">
+              <a:shade val="50000"/>
+            </a:srgbClr>
+          </a:lnRef>
+          <a:fillRef idx="1">
+            <a:srgbClr val="4F81BD"/>
+          </a:fillRef>
+          <a:effectRef idx="0">
+            <a:srgbClr val="4F81BD"/>
+          </a:effectRef>
+          <a:fontRef idx="minor">
+            <a:srgbClr val="000000"/>
+          </a:fontRef>
+        </p:style>
+        <p:txBody>
+          <a:bodyPr wrap="square" lIns="91440" tIns="0" rIns="91440" bIns="9144" rtlCol="0" anchor="ctr">
+            <a:noAutofit/>
+          </a:bodyPr>
+          <a:lstStyle/>
+          <a:p>
+            <a:pPr algn="ctr"/>
+            <a:r>
+              <a:rPr lang="ko-KR" altLang="en-US" sz="1200" dirty="0">
+                <a:solidFill>
+                  <a:srgbClr val="000000"/>
+                </a:solidFill>
+                <a:latin typeface="Segoe UI" pitchFamily="34" charset="0"/>
+                <a:cs typeface="Segoe UI" pitchFamily="34" charset="0"/>
+              </a:rPr>
+              <a:t>닫기</a:t>
+            </a:r>
+            <a:endParaRPr lang="en-US" sz="1200" dirty="0">
+              <a:solidFill>
+                <a:srgbClr val="000000"/>
+              </a:solidFill>
+              <a:latin typeface="Segoe UI" pitchFamily="34" charset="0"/>
+              <a:cs typeface="Segoe UI" pitchFamily="34" charset="0"/>
+            </a:endParaRPr>
           </a:p>
         </p:txBody>
       </p:sp>
@@ -15503,7 +15585,7 @@
         </p:nvSpPr>
         <p:spPr>
           <a:xfrm>
-            <a:off x="1489689" y="4782311"/>
+            <a:off x="994301" y="4778688"/>
             <a:ext cx="721144" cy="228600"/>
           </a:xfrm>
           <a:prstGeom prst="roundRect">
@@ -15582,7 +15664,7 @@
         </p:nvSpPr>
         <p:spPr>
           <a:xfrm>
-            <a:off x="2364627" y="4782311"/>
+            <a:off x="2758135" y="4777670"/>
             <a:ext cx="780157" cy="228600"/>
           </a:xfrm>
           <a:prstGeom prst="roundRect">
@@ -15664,7 +15746,7 @@
         </p:nvSpPr>
         <p:spPr>
           <a:xfrm rot="20359169">
-            <a:off x="2085154" y="4858030"/>
+            <a:off x="1308004" y="4917012"/>
             <a:ext cx="151053" cy="247694"/>
           </a:xfrm>
           <a:custGeom>
@@ -15993,6 +16075,85 @@
               <a:t>수정 가능</a:t>
             </a:r>
             <a:endParaRPr lang="en-US" altLang="ko-KR" dirty="0"/>
+          </a:p>
+        </p:txBody>
+      </p:sp>
+      <p:sp>
+        <p:nvSpPr>
+          <p:cNvPr id="45" name="Content">
+            <a:extLst>
+              <a:ext uri="{FF2B5EF4-FFF2-40B4-BE49-F238E27FC236}">
+                <a16:creationId xmlns:a16="http://schemas.microsoft.com/office/drawing/2014/main" id="{C254B2D6-2689-4EE6-BBF6-DD9C12C032AE}"/>
+              </a:ext>
+            </a:extLst>
+          </p:cNvPr>
+          <p:cNvSpPr/>
+          <p:nvPr>
+            <p:custDataLst>
+              <p:custData r:id="rId19"/>
+            </p:custDataLst>
+          </p:nvPr>
+        </p:nvSpPr>
+        <p:spPr>
+          <a:xfrm>
+            <a:off x="1889958" y="4772942"/>
+            <a:ext cx="721144" cy="228600"/>
+          </a:xfrm>
+          <a:prstGeom prst="roundRect">
+            <a:avLst/>
+          </a:prstGeom>
+          <a:solidFill>
+            <a:srgbClr val="FFFFFF">
+              <a:lumMod val="95000"/>
+            </a:srgbClr>
+          </a:solidFill>
+          <a:ln w="3175">
+            <a:solidFill>
+              <a:srgbClr val="000000">
+                <a:lumMod val="50000"/>
+                <a:lumOff val="50000"/>
+              </a:srgbClr>
+            </a:solidFill>
+          </a:ln>
+          <a:effectLst/>
+        </p:spPr>
+        <p:style>
+          <a:lnRef idx="2">
+            <a:srgbClr val="4F81BD">
+              <a:shade val="50000"/>
+            </a:srgbClr>
+          </a:lnRef>
+          <a:fillRef idx="1">
+            <a:srgbClr val="4F81BD"/>
+          </a:fillRef>
+          <a:effectRef idx="0">
+            <a:srgbClr val="4F81BD"/>
+          </a:effectRef>
+          <a:fontRef idx="minor">
+            <a:srgbClr val="000000"/>
+          </a:fontRef>
+        </p:style>
+        <p:txBody>
+          <a:bodyPr wrap="square" lIns="91440" tIns="0" rIns="91440" bIns="9144" rtlCol="0" anchor="ctr">
+            <a:noAutofit/>
+          </a:bodyPr>
+          <a:lstStyle/>
+          <a:p>
+            <a:pPr algn="ctr"/>
+            <a:r>
+              <a:rPr lang="ko-KR" altLang="en-US" sz="1200" dirty="0">
+                <a:latin typeface="Segoe UI" pitchFamily="34" charset="0"/>
+                <a:cs typeface="Segoe UI" pitchFamily="34" charset="0"/>
+              </a:rPr>
+              <a:t>닫기</a:t>
+            </a:r>
+            <a:endParaRPr lang="en-US" sz="1200" dirty="0">
+              <a:solidFill>
+                <a:srgbClr val="000000"/>
+              </a:solidFill>
+              <a:latin typeface="Segoe UI" pitchFamily="34" charset="0"/>
+              <a:cs typeface="Segoe UI" pitchFamily="34" charset="0"/>
+            </a:endParaRPr>
           </a:p>
         </p:txBody>
       </p:sp>
@@ -25667,61 +25828,61 @@
 
 <file path=customXml/item1.xml><?xml version="1.0" encoding="utf-8"?>
 <Control xmlns="http://schemas.microsoft.com/VisualStudio/2011/storyboarding/control">
-  <Id Name="System.Storyboarding.Common.Button" Revision="1" Stencil="System.Storyboarding.Common" StencilVersion="0.1"/>
+  <Id Name="System.Storyboarding.Common.TextArea" Revision="1" Stencil="System.Storyboarding.Common" StencilVersion="0.1"/>
 </Control>
 </file>
 
 <file path=customXml/item10.xml><?xml version="1.0" encoding="utf-8"?>
 <Control xmlns="http://schemas.microsoft.com/VisualStudio/2011/storyboarding/control">
-  <Id Name="System.Storyboarding.Backgrounds.Window" Revision="1" Stencil="System.Storyboarding.Backgrounds" StencilVersion="0.1"/>
+  <Id Name="System.Storyboarding.Common.MouseClick" Revision="1" Stencil="System.Storyboarding.Common" StencilVersion="0.1"/>
 </Control>
 </file>
 
 <file path=customXml/item11.xml><?xml version="1.0" encoding="utf-8"?>
 <Control xmlns="http://schemas.microsoft.com/VisualStudio/2011/storyboarding/control">
-  <Id Name="System.Storyboarding.WindowsPhone.Tile" Revision="1" Stencil="System.Storyboarding.WindowsPhone" StencilVersion="0.1"/>
+  <Id Name="System.Storyboarding.Common.DataGrid" Revision="1" Stencil="System.Storyboarding.Common" StencilVersion="0.1"/>
 </Control>
 </file>
 
 <file path=customXml/item12.xml><?xml version="1.0" encoding="utf-8"?>
 <Control xmlns="http://schemas.microsoft.com/VisualStudio/2011/storyboarding/control">
-  <Id Name="System.Storyboarding.Backgrounds.Window" Revision="1" Stencil="System.Storyboarding.Backgrounds" StencilVersion="0.1"/>
+  <Id Name="System.Storyboarding.WindowsDesktop.DialogBox" Revision="1" Stencil="System.Storyboarding.WindowsDesktop" StencilVersion="0.1"/>
 </Control>
 </file>
 
 <file path=customXml/item13.xml><?xml version="1.0" encoding="utf-8"?>
 <Control xmlns="http://schemas.microsoft.com/VisualStudio/2011/storyboarding/control">
-  <Id Name="System.Storyboarding.Common.Text" Revision="1" Stencil="System.Storyboarding.Common" StencilVersion="0.1"/>
+  <Id Name="System.Storyboarding.Common.MouseClick" Revision="1" Stencil="System.Storyboarding.Common" StencilVersion="0.1"/>
 </Control>
 </file>
 
 <file path=customXml/item14.xml><?xml version="1.0" encoding="utf-8"?>
 <Control xmlns="http://schemas.microsoft.com/VisualStudio/2011/storyboarding/control">
-  <Id Name="System.Storyboarding.Common.TextInput" Revision="1" Stencil="System.Storyboarding.Common" StencilVersion="0.1"/>
+  <Id Name="System.Storyboarding.Backgrounds.Window" Revision="1" Stencil="System.Storyboarding.Backgrounds" StencilVersion="0.1"/>
 </Control>
 </file>
 
 <file path=customXml/item15.xml><?xml version="1.0" encoding="utf-8"?>
 <Control xmlns="http://schemas.microsoft.com/VisualStudio/2011/storyboarding/control">
-  <Id Name="System.Storyboarding.Common.TextArea" Revision="1" Stencil="System.Storyboarding.Common" StencilVersion="0.1"/>
+  <Id Name="System.Storyboarding.Common.Button" Revision="1" Stencil="System.Storyboarding.Common" StencilVersion="0.1"/>
 </Control>
 </file>
 
 <file path=customXml/item16.xml><?xml version="1.0" encoding="utf-8"?>
 <Control xmlns="http://schemas.microsoft.com/VisualStudio/2011/storyboarding/control">
-  <Id Name="System.Storyboarding.Backgrounds.Window" Revision="1" Stencil="System.Storyboarding.Backgrounds" StencilVersion="0.1"/>
+  <Id Name="System.Storyboarding.Common.TextInput" Revision="1" Stencil="System.Storyboarding.Common" StencilVersion="0.1"/>
 </Control>
 </file>
 
 <file path=customXml/item17.xml><?xml version="1.0" encoding="utf-8"?>
 <Control xmlns="http://schemas.microsoft.com/VisualStudio/2011/storyboarding/control">
-  <Id Name="System.Storyboarding.Common.Button" Revision="1" Stencil="System.Storyboarding.Common" StencilVersion="0.1"/>
+  <Id Name="System.Storyboarding.WindowsDesktop.DialogBox" Revision="1" Stencil="System.Storyboarding.WindowsDesktop" StencilVersion="0.1"/>
 </Control>
 </file>
 
 <file path=customXml/item18.xml><?xml version="1.0" encoding="utf-8"?>
 <Control xmlns="http://schemas.microsoft.com/VisualStudio/2011/storyboarding/control">
-  <Id Name="System.Storyboarding.Common.Text" Revision="1" Stencil="System.Storyboarding.Common" StencilVersion="0.1"/>
+  <Id Name="System.Storyboarding.Common.MouseClick" Revision="1" Stencil="System.Storyboarding.Common" StencilVersion="0.1"/>
 </Control>
 </file>
 
@@ -25733,7 +25894,7 @@
 
 <file path=customXml/item2.xml><?xml version="1.0" encoding="utf-8"?>
 <Control xmlns="http://schemas.microsoft.com/VisualStudio/2011/storyboarding/control">
-  <Id Name="System.Storyboarding.Common.Button" Revision="1" Stencil="System.Storyboarding.Common" StencilVersion="0.1"/>
+  <Id Name="System.Storyboarding.WindowsPhone.WideTile" Revision="1" Stencil="System.Storyboarding.WindowsPhone" StencilVersion="0.1"/>
 </Control>
 </file>
 
@@ -25745,55 +25906,55 @@
 
 <file path=customXml/item21.xml><?xml version="1.0" encoding="utf-8"?>
 <Control xmlns="http://schemas.microsoft.com/VisualStudio/2011/storyboarding/control">
-  <Id Name="System.Storyboarding.Common.Button" Revision="1" Stencil="System.Storyboarding.Common" StencilVersion="0.1"/>
+  <Id Name="System.Storyboarding.Common.MousePointer" Revision="1" Stencil="System.Storyboarding.Common" StencilVersion="0.1"/>
 </Control>
 </file>
 
 <file path=customXml/item22.xml><?xml version="1.0" encoding="utf-8"?>
 <Control xmlns="http://schemas.microsoft.com/VisualStudio/2011/storyboarding/control">
-  <Id Name="System.Storyboarding.WindowsDesktop.DialogBox" Revision="1" Stencil="System.Storyboarding.WindowsDesktop" StencilVersion="0.1"/>
+  <Id Name="System.Storyboarding.Common.Button" Revision="1" Stencil="System.Storyboarding.Common" StencilVersion="0.1"/>
 </Control>
 </file>
 
 <file path=customXml/item23.xml><?xml version="1.0" encoding="utf-8"?>
 <Control xmlns="http://schemas.microsoft.com/VisualStudio/2011/storyboarding/control">
-  <Id Name="System.Storyboarding.WindowsPhone.Tile" Revision="1" Stencil="System.Storyboarding.WindowsPhone" StencilVersion="0.1"/>
+  <Id Name="System.Storyboarding.Common.TextArea" Revision="1" Stencil="System.Storyboarding.Common" StencilVersion="0.1"/>
 </Control>
 </file>
 
 <file path=customXml/item24.xml><?xml version="1.0" encoding="utf-8"?>
 <Control xmlns="http://schemas.microsoft.com/VisualStudio/2011/storyboarding/control">
-  <Id Name="System.Storyboarding.Common.TextInput" Revision="1" Stencil="System.Storyboarding.Common" StencilVersion="0.1"/>
+  <Id Name="System.Storyboarding.Common.MouseClick" Revision="1" Stencil="System.Storyboarding.Common" StencilVersion="0.1"/>
 </Control>
 </file>
 
 <file path=customXml/item25.xml><?xml version="1.0" encoding="utf-8"?>
 <Control xmlns="http://schemas.microsoft.com/VisualStudio/2011/storyboarding/control">
-  <Id Name="System.Storyboarding.Backgrounds.Window" Revision="1" Stencil="System.Storyboarding.Backgrounds" StencilVersion="0.1"/>
+  <Id Name="System.Storyboarding.Common.MouseClick" Revision="1" Stencil="System.Storyboarding.Common" StencilVersion="0.1"/>
 </Control>
 </file>
 
 <file path=customXml/item26.xml><?xml version="1.0" encoding="utf-8"?>
 <Control xmlns="http://schemas.microsoft.com/VisualStudio/2011/storyboarding/control">
-  <Id Name="System.Storyboarding.Common.MouseClick" Revision="1" Stencil="System.Storyboarding.Common" StencilVersion="0.1"/>
+  <Id Name="System.Storyboarding.Common.Text" Revision="1" Stencil="System.Storyboarding.Common" StencilVersion="0.1"/>
 </Control>
 </file>
 
 <file path=customXml/item27.xml><?xml version="1.0" encoding="utf-8"?>
 <Control xmlns="http://schemas.microsoft.com/VisualStudio/2011/storyboarding/control">
-  <Id Name="System.Storyboarding.Common.MouseClick" Revision="1" Stencil="System.Storyboarding.Common" StencilVersion="0.1"/>
+  <Id Name="System.Storyboarding.WindowsPhone.Tile" Revision="1" Stencil="System.Storyboarding.WindowsPhone" StencilVersion="0.1"/>
 </Control>
 </file>
 
 <file path=customXml/item28.xml><?xml version="1.0" encoding="utf-8"?>
 <Control xmlns="http://schemas.microsoft.com/VisualStudio/2011/storyboarding/control">
-  <Id Name="System.Storyboarding.Common.DataGrid" Revision="1" Stencil="System.Storyboarding.Common" StencilVersion="0.1"/>
+  <Id Name="System.Storyboarding.Common.TextInput" Revision="1" Stencil="System.Storyboarding.Common" StencilVersion="0.1"/>
 </Control>
 </file>
 
 <file path=customXml/item29.xml><?xml version="1.0" encoding="utf-8"?>
 <Control xmlns="http://schemas.microsoft.com/VisualStudio/2011/storyboarding/control">
-  <Id Name="System.Storyboarding.Icons.User" Revision="1" Stencil="System.Storyboarding.Icons" StencilVersion="0.1"/>
+  <Id Name="System.Storyboarding.Common.Text" Revision="1" Stencil="System.Storyboarding.Common" StencilVersion="0.1"/>
 </Control>
 </file>
 
@@ -25811,25 +25972,25 @@
 
 <file path=customXml/item31.xml><?xml version="1.0" encoding="utf-8"?>
 <Control xmlns="http://schemas.microsoft.com/VisualStudio/2011/storyboarding/control">
-  <Id Name="System.Storyboarding.Common.Button" Revision="1" Stencil="System.Storyboarding.Common" StencilVersion="0.1"/>
+  <Id Name="System.Storyboarding.WindowsPhone.Tile" Revision="1" Stencil="System.Storyboarding.WindowsPhone" StencilVersion="0.1"/>
 </Control>
 </file>
 
 <file path=customXml/item32.xml><?xml version="1.0" encoding="utf-8"?>
 <Control xmlns="http://schemas.microsoft.com/VisualStudio/2011/storyboarding/control">
-  <Id Name="System.Storyboarding.Common.TextInput" Revision="1" Stencil="System.Storyboarding.Common" StencilVersion="0.1"/>
+  <Id Name="System.Storyboarding.Common.MouseClick" Revision="1" Stencil="System.Storyboarding.Common" StencilVersion="0.1"/>
 </Control>
 </file>
 
 <file path=customXml/item33.xml><?xml version="1.0" encoding="utf-8"?>
 <Control xmlns="http://schemas.microsoft.com/VisualStudio/2011/storyboarding/control">
-  <Id Name="System.Storyboarding.Common.Text" Revision="1" Stencil="System.Storyboarding.Common" StencilVersion="0.1"/>
+  <Id Name="System.Storyboarding.Common.Button" Revision="1" Stencil="System.Storyboarding.Common" StencilVersion="0.1"/>
 </Control>
 </file>
 
 <file path=customXml/item34.xml><?xml version="1.0" encoding="utf-8"?>
 <Control xmlns="http://schemas.microsoft.com/VisualStudio/2011/storyboarding/control">
-  <Id Name="System.Storyboarding.Common.Button" Revision="1" Stencil="System.Storyboarding.Common" StencilVersion="0.1"/>
+  <Id Name="System.Storyboarding.Backgrounds.Window" Revision="1" Stencil="System.Storyboarding.Backgrounds" StencilVersion="0.1"/>
 </Control>
 </file>
 
@@ -25841,13 +26002,13 @@
 
 <file path=customXml/item36.xml><?xml version="1.0" encoding="utf-8"?>
 <Control xmlns="http://schemas.microsoft.com/VisualStudio/2011/storyboarding/control">
-  <Id Name="System.Storyboarding.Common.Text" Revision="1" Stencil="System.Storyboarding.Common" StencilVersion="0.1"/>
+  <Id Name="System.Storyboarding.Backgrounds.Window" Revision="1" Stencil="System.Storyboarding.Backgrounds" StencilVersion="0.1"/>
 </Control>
 </file>
 
 <file path=customXml/item37.xml><?xml version="1.0" encoding="utf-8"?>
 <Control xmlns="http://schemas.microsoft.com/VisualStudio/2011/storyboarding/control">
-  <Id Name="System.Storyboarding.Common.TextArea" Revision="1" Stencil="System.Storyboarding.Common" StencilVersion="0.1"/>
+  <Id Name="System.Storyboarding.Common.Text" Revision="1" Stencil="System.Storyboarding.Common" StencilVersion="0.1"/>
 </Control>
 </file>
 
@@ -25859,37 +26020,37 @@
 
 <file path=customXml/item39.xml><?xml version="1.0" encoding="utf-8"?>
 <Control xmlns="http://schemas.microsoft.com/VisualStudio/2011/storyboarding/control">
-  <Id Name="System.Storyboarding.Common.DataGrid" Revision="1" Stencil="System.Storyboarding.Common" StencilVersion="0.1"/>
+  <Id Name="System.Storyboarding.WindowsPhone.Tile" Revision="1" Stencil="System.Storyboarding.WindowsPhone" StencilVersion="0.1"/>
 </Control>
 </file>
 
 <file path=customXml/item4.xml><?xml version="1.0" encoding="utf-8"?>
 <Control xmlns="http://schemas.microsoft.com/VisualStudio/2011/storyboarding/control">
-  <Id Name="System.Storyboarding.Common.TextInput" Revision="1" Stencil="System.Storyboarding.Common" StencilVersion="0.1"/>
+  <Id Name="System.Storyboarding.Common.Text" Revision="1" Stencil="System.Storyboarding.Common" StencilVersion="0.1"/>
 </Control>
 </file>
 
 <file path=customXml/item40.xml><?xml version="1.0" encoding="utf-8"?>
 <Control xmlns="http://schemas.microsoft.com/VisualStudio/2011/storyboarding/control">
-  <Id Name="System.Storyboarding.WindowsPhone.WideTile" Revision="1" Stencil="System.Storyboarding.WindowsPhone" StencilVersion="0.1"/>
+  <Id Name="System.Storyboarding.Backgrounds.Window" Revision="1" Stencil="System.Storyboarding.Backgrounds" StencilVersion="0.1"/>
 </Control>
 </file>
 
 <file path=customXml/item41.xml><?xml version="1.0" encoding="utf-8"?>
 <Control xmlns="http://schemas.microsoft.com/VisualStudio/2011/storyboarding/control">
-  <Id Name="System.Storyboarding.Backgrounds.Window" Revision="1" Stencil="System.Storyboarding.Backgrounds" StencilVersion="0.1"/>
+  <Id Name="System.Storyboarding.Backgrounds.StartScreen" Revision="1" Stencil="System.Storyboarding.Backgrounds" StencilVersion="0.1"/>
 </Control>
 </file>
 
 <file path=customXml/item42.xml><?xml version="1.0" encoding="utf-8"?>
 <Control xmlns="http://schemas.microsoft.com/VisualStudio/2011/storyboarding/control">
-  <Id Name="System.Storyboarding.Common.DataGrid" Revision="1" Stencil="System.Storyboarding.Common" StencilVersion="0.1"/>
+  <Id Name="System.Storyboarding.Common.Button" Revision="1" Stencil="System.Storyboarding.Common" StencilVersion="0.1"/>
 </Control>
 </file>
 
 <file path=customXml/item43.xml><?xml version="1.0" encoding="utf-8"?>
 <Control xmlns="http://schemas.microsoft.com/VisualStudio/2011/storyboarding/control">
-  <Id Name="System.Storyboarding.Common.MousePointer" Revision="1" Stencil="System.Storyboarding.Common" StencilVersion="0.1"/>
+  <Id Name="System.Storyboarding.Backgrounds.Window" Revision="1" Stencil="System.Storyboarding.Backgrounds" StencilVersion="0.1"/>
 </Control>
 </file>
 
@@ -25907,13 +26068,13 @@
 
 <file path=customXml/item46.xml><?xml version="1.0" encoding="utf-8"?>
 <Control xmlns="http://schemas.microsoft.com/VisualStudio/2011/storyboarding/control">
-  <Id Name="System.Storyboarding.WindowsPhone.Tile" Revision="1" Stencil="System.Storyboarding.WindowsPhone" StencilVersion="0.1"/>
+  <Id Name="System.Storyboarding.Common.TextInput" Revision="1" Stencil="System.Storyboarding.Common" StencilVersion="0.1"/>
 </Control>
 </file>
 
 <file path=customXml/item47.xml><?xml version="1.0" encoding="utf-8"?>
 <Control xmlns="http://schemas.microsoft.com/VisualStudio/2011/storyboarding/control">
-  <Id Name="System.Storyboarding.WindowsPhone.Tile" Revision="1" Stencil="System.Storyboarding.WindowsPhone" StencilVersion="0.1"/>
+  <Id Name="System.Storyboarding.Common.MouseClick" Revision="1" Stencil="System.Storyboarding.Common" StencilVersion="0.1"/>
 </Control>
 </file>
 
@@ -25925,91 +26086,91 @@
 
 <file path=customXml/item49.xml><?xml version="1.0" encoding="utf-8"?>
 <Control xmlns="http://schemas.microsoft.com/VisualStudio/2011/storyboarding/control">
-  <Id Name="System.Storyboarding.Common.DataGrid" Revision="1" Stencil="System.Storyboarding.Common" StencilVersion="0.1"/>
+  <Id Name="System.Storyboarding.Common.TextInput" Revision="1" Stencil="System.Storyboarding.Common" StencilVersion="0.1"/>
 </Control>
 </file>
 
 <file path=customXml/item5.xml><?xml version="1.0" encoding="utf-8"?>
 <Control xmlns="http://schemas.microsoft.com/VisualStudio/2011/storyboarding/control">
-  <Id Name="System.Storyboarding.Common.MouseClick" Revision="1" Stencil="System.Storyboarding.Common" StencilVersion="0.1"/>
+  <Id Name="System.Storyboarding.Common.TextInput" Revision="1" Stencil="System.Storyboarding.Common" StencilVersion="0.1"/>
 </Control>
 </file>
 
 <file path=customXml/item50.xml><?xml version="1.0" encoding="utf-8"?>
 <Control xmlns="http://schemas.microsoft.com/VisualStudio/2011/storyboarding/control">
-  <Id Name="System.Storyboarding.Common.Text" Revision="1" Stencil="System.Storyboarding.Common" StencilVersion="0.1"/>
+  <Id Name="System.Storyboarding.Backgrounds.Window" Revision="1" Stencil="System.Storyboarding.Backgrounds" StencilVersion="0.1"/>
 </Control>
 </file>
 
 <file path=customXml/item51.xml><?xml version="1.0" encoding="utf-8"?>
 <Control xmlns="http://schemas.microsoft.com/VisualStudio/2011/storyboarding/control">
-  <Id Name="System.Storyboarding.Common.TextInput" Revision="1" Stencil="System.Storyboarding.Common" StencilVersion="0.1"/>
+  <Id Name="System.Storyboarding.Common.DataGrid" Revision="1" Stencil="System.Storyboarding.Common" StencilVersion="0.1"/>
 </Control>
 </file>
 
 <file path=customXml/item52.xml><?xml version="1.0" encoding="utf-8"?>
 <Control xmlns="http://schemas.microsoft.com/VisualStudio/2011/storyboarding/control">
-  <Id Name="System.Storyboarding.Common.DataGrid" Revision="1" Stencil="System.Storyboarding.Common" StencilVersion="0.1"/>
+  <Id Name="System.Storyboarding.Common.Button" Revision="1" Stencil="System.Storyboarding.Common" StencilVersion="0.1"/>
 </Control>
 </file>
 
 <file path=customXml/item53.xml><?xml version="1.0" encoding="utf-8"?>
 <Control xmlns="http://schemas.microsoft.com/VisualStudio/2011/storyboarding/control">
-  <Id Name="System.Storyboarding.Common.Text" Revision="1" Stencil="System.Storyboarding.Common" StencilVersion="0.1"/>
+  <Id Name="System.Storyboarding.Common.Button" Revision="1" Stencil="System.Storyboarding.Common" StencilVersion="0.1"/>
 </Control>
 </file>
 
 <file path=customXml/item54.xml><?xml version="1.0" encoding="utf-8"?>
 <Control xmlns="http://schemas.microsoft.com/VisualStudio/2011/storyboarding/control">
-  <Id Name="System.Storyboarding.Common.Button" Revision="1" Stencil="System.Storyboarding.Common" StencilVersion="0.1"/>
+  <Id Name="System.Storyboarding.Common.TextArea" Revision="1" Stencil="System.Storyboarding.Common" StencilVersion="0.1"/>
 </Control>
 </file>
 
 <file path=customXml/item55.xml><?xml version="1.0" encoding="utf-8"?>
 <Control xmlns="http://schemas.microsoft.com/VisualStudio/2011/storyboarding/control">
-  <Id Name="System.Storyboarding.Common.Button" Revision="1" Stencil="System.Storyboarding.Common" StencilVersion="0.1"/>
+  <Id Name="System.Storyboarding.WindowsPhone.Tile" Revision="1" Stencil="System.Storyboarding.WindowsPhone" StencilVersion="0.1"/>
 </Control>
 </file>
 
 <file path=customXml/item56.xml><?xml version="1.0" encoding="utf-8"?>
 <Control xmlns="http://schemas.microsoft.com/VisualStudio/2011/storyboarding/control">
-  <Id Name="System.Storyboarding.Common.TextArea" Revision="1" Stencil="System.Storyboarding.Common" StencilVersion="0.1"/>
+  <Id Name="System.Storyboarding.Common.DataGrid" Revision="1" Stencil="System.Storyboarding.Common" StencilVersion="0.1"/>
 </Control>
 </file>
 
 <file path=customXml/item57.xml><?xml version="1.0" encoding="utf-8"?>
 <Control xmlns="http://schemas.microsoft.com/VisualStudio/2011/storyboarding/control">
-  <Id Name="System.Storyboarding.Common.Button" Revision="1" Stencil="System.Storyboarding.Common" StencilVersion="0.1"/>
+  <Id Name="System.Storyboarding.Common.Text" Revision="1" Stencil="System.Storyboarding.Common" StencilVersion="0.1"/>
 </Control>
 </file>
 
 <file path=customXml/item58.xml><?xml version="1.0" encoding="utf-8"?>
 <Control xmlns="http://schemas.microsoft.com/VisualStudio/2011/storyboarding/control">
-  <Id Name="System.Storyboarding.Common.TextInput" Revision="1" Stencil="System.Storyboarding.Common" StencilVersion="0.1"/>
+  <Id Name="System.Storyboarding.Common.DataGrid" Revision="1" Stencil="System.Storyboarding.Common" StencilVersion="0.1"/>
 </Control>
 </file>
 
 <file path=customXml/item59.xml><?xml version="1.0" encoding="utf-8"?>
 <Control xmlns="http://schemas.microsoft.com/VisualStudio/2011/storyboarding/control">
-  <Id Name="System.Storyboarding.Backgrounds.Window" Revision="1" Stencil="System.Storyboarding.Backgrounds" StencilVersion="0.1"/>
+  <Id Name="System.Storyboarding.Common.Button" Revision="1" Stencil="System.Storyboarding.Common" StencilVersion="0.1"/>
 </Control>
 </file>
 
 <file path=customXml/item6.xml><?xml version="1.0" encoding="utf-8"?>
 <Control xmlns="http://schemas.microsoft.com/VisualStudio/2011/storyboarding/control">
-  <Id Name="System.Storyboarding.Common.Button" Revision="1" Stencil="System.Storyboarding.Common" StencilVersion="0.1"/>
+  <Id Name="System.Storyboarding.WindowsPhone.Tile" Revision="1" Stencil="System.Storyboarding.WindowsPhone" StencilVersion="0.1"/>
 </Control>
 </file>
 
 <file path=customXml/item60.xml><?xml version="1.0" encoding="utf-8"?>
 <Control xmlns="http://schemas.microsoft.com/VisualStudio/2011/storyboarding/control">
-  <Id Name="System.Storyboarding.Common.MouseClick" Revision="1" Stencil="System.Storyboarding.Common" StencilVersion="0.1"/>
+  <Id Name="System.Storyboarding.Backgrounds.Window" Revision="1" Stencil="System.Storyboarding.Backgrounds" StencilVersion="0.1"/>
 </Control>
 </file>
 
 <file path=customXml/item61.xml><?xml version="1.0" encoding="utf-8"?>
 <Control xmlns="http://schemas.microsoft.com/VisualStudio/2011/storyboarding/control">
-  <Id Name="System.Storyboarding.Common.DataGrid" Revision="1" Stencil="System.Storyboarding.Common" StencilVersion="0.1"/>
+  <Id Name="System.Storyboarding.Common.Button" Revision="1" Stencil="System.Storyboarding.Common" StencilVersion="0.1"/>
 </Control>
 </file>
 
@@ -26021,7 +26182,7 @@
 
 <file path=customXml/item63.xml><?xml version="1.0" encoding="utf-8"?>
 <Control xmlns="http://schemas.microsoft.com/VisualStudio/2011/storyboarding/control">
-  <Id Name="System.Storyboarding.Backgrounds.Window" Revision="1" Stencil="System.Storyboarding.Backgrounds" StencilVersion="0.1"/>
+  <Id Name="System.Storyboarding.Common.DataGrid" Revision="1" Stencil="System.Storyboarding.Common" StencilVersion="0.1"/>
 </Control>
 </file>
 
@@ -26045,49 +26206,49 @@
 
 <file path=customXml/item67.xml><?xml version="1.0" encoding="utf-8"?>
 <Control xmlns="http://schemas.microsoft.com/VisualStudio/2011/storyboarding/control">
-  <Id Name="System.Storyboarding.Backgrounds.StartScreen" Revision="1" Stencil="System.Storyboarding.Backgrounds" StencilVersion="0.1"/>
+  <Id Name="System.Storyboarding.Common.TextArea" Revision="1" Stencil="System.Storyboarding.Common" StencilVersion="0.1"/>
 </Control>
 </file>
 
 <file path=customXml/item68.xml><?xml version="1.0" encoding="utf-8"?>
 <Control xmlns="http://schemas.microsoft.com/VisualStudio/2011/storyboarding/control">
-  <Id Name="System.Storyboarding.Common.MouseClick" Revision="1" Stencil="System.Storyboarding.Common" StencilVersion="0.1"/>
+  <Id Name="System.Storyboarding.Common.MousePointer" Revision="1" Stencil="System.Storyboarding.Common" StencilVersion="0.1"/>
 </Control>
 </file>
 
 <file path=customXml/item69.xml><?xml version="1.0" encoding="utf-8"?>
 <Control xmlns="http://schemas.microsoft.com/VisualStudio/2011/storyboarding/control">
-  <Id Name="System.Storyboarding.Common.MouseClick" Revision="1" Stencil="System.Storyboarding.Common" StencilVersion="0.1"/>
+  <Id Name="System.Storyboarding.Common.Text" Revision="1" Stencil="System.Storyboarding.Common" StencilVersion="0.1"/>
 </Control>
 </file>
 
 <file path=customXml/item7.xml><?xml version="1.0" encoding="utf-8"?>
 <Control xmlns="http://schemas.microsoft.com/VisualStudio/2011/storyboarding/control">
-  <Id Name="System.Storyboarding.Common.Button" Revision="1" Stencil="System.Storyboarding.Common" StencilVersion="0.1"/>
+  <Id Name="System.Storyboarding.Common.Text" Revision="1" Stencil="System.Storyboarding.Common" StencilVersion="0.1"/>
 </Control>
 </file>
 
 <file path=customXml/item70.xml><?xml version="1.0" encoding="utf-8"?>
 <Control xmlns="http://schemas.microsoft.com/VisualStudio/2011/storyboarding/control">
-  <Id Name="System.Storyboarding.Common.TextInput" Revision="1" Stencil="System.Storyboarding.Common" StencilVersion="0.1"/>
+  <Id Name="System.Storyboarding.WindowsPhone.Tile" Revision="1" Stencil="System.Storyboarding.WindowsPhone" StencilVersion="0.1"/>
 </Control>
 </file>
 
 <file path=customXml/item71.xml><?xml version="1.0" encoding="utf-8"?>
 <Control xmlns="http://schemas.microsoft.com/VisualStudio/2011/storyboarding/control">
-  <Id Name="System.Storyboarding.Common.MouseClick" Revision="1" Stencil="System.Storyboarding.Common" StencilVersion="0.1"/>
+  <Id Name="System.Storyboarding.Common.TextInput" Revision="1" Stencil="System.Storyboarding.Common" StencilVersion="0.1"/>
 </Control>
 </file>
 
 <file path=customXml/item72.xml><?xml version="1.0" encoding="utf-8"?>
 <Control xmlns="http://schemas.microsoft.com/VisualStudio/2011/storyboarding/control">
-  <Id Name="System.Storyboarding.Common.Text" Revision="1" Stencil="System.Storyboarding.Common" StencilVersion="0.1"/>
+  <Id Name="System.Storyboarding.Icons.User" Revision="1" Stencil="System.Storyboarding.Icons" StencilVersion="0.1"/>
 </Control>
 </file>
 
 <file path=customXml/item73.xml><?xml version="1.0" encoding="utf-8"?>
 <Control xmlns="http://schemas.microsoft.com/VisualStudio/2011/storyboarding/control">
-  <Id Name="System.Storyboarding.WindowsPhone.Tile" Revision="1" Stencil="System.Storyboarding.WindowsPhone" StencilVersion="0.1"/>
+  <Id Name="System.Storyboarding.Common.Text" Revision="1" Stencil="System.Storyboarding.Common" StencilVersion="0.1"/>
 </Control>
 </file>
 
@@ -26099,13 +26260,13 @@
 
 <file path=customXml/item75.xml><?xml version="1.0" encoding="utf-8"?>
 <Control xmlns="http://schemas.microsoft.com/VisualStudio/2011/storyboarding/control">
-  <Id Name="System.Storyboarding.Common.MouseClick" Revision="1" Stencil="System.Storyboarding.Common" StencilVersion="0.1"/>
+  <Id Name="System.Storyboarding.Common.DataGrid" Revision="1" Stencil="System.Storyboarding.Common" StencilVersion="0.1"/>
 </Control>
 </file>
 
 <file path=customXml/item76.xml><?xml version="1.0" encoding="utf-8"?>
 <Control xmlns="http://schemas.microsoft.com/VisualStudio/2011/storyboarding/control">
-  <Id Name="System.Storyboarding.Common.DataGrid" Revision="1" Stencil="System.Storyboarding.Common" StencilVersion="0.1"/>
+  <Id Name="System.Storyboarding.Common.Button" Revision="1" Stencil="System.Storyboarding.Common" StencilVersion="0.1"/>
 </Control>
 </file>
 
@@ -26117,19 +26278,19 @@
 
 <file path=customXml/item78.xml><?xml version="1.0" encoding="utf-8"?>
 <Control xmlns="http://schemas.microsoft.com/VisualStudio/2011/storyboarding/control">
-  <Id Name="System.Storyboarding.Common.TextArea" Revision="1" Stencil="System.Storyboarding.Common" StencilVersion="0.1"/>
+  <Id Name="System.Storyboarding.Common.Button" Revision="1" Stencil="System.Storyboarding.Common" StencilVersion="0.1"/>
 </Control>
 </file>
 
 <file path=customXml/item79.xml><?xml version="1.0" encoding="utf-8"?>
 <Control xmlns="http://schemas.microsoft.com/VisualStudio/2011/storyboarding/control">
-  <Id Name="System.Storyboarding.Common.Button" Revision="1" Stencil="System.Storyboarding.Common" StencilVersion="0.1"/>
+  <Id Name="System.Storyboarding.Common.DataGrid" Revision="1" Stencil="System.Storyboarding.Common" StencilVersion="0.1"/>
 </Control>
 </file>
 
 <file path=customXml/item8.xml><?xml version="1.0" encoding="utf-8"?>
 <Control xmlns="http://schemas.microsoft.com/VisualStudio/2011/storyboarding/control">
-  <Id Name="System.Storyboarding.WindowsPhone.Tile" Revision="1" Stencil="System.Storyboarding.WindowsPhone" StencilVersion="0.1"/>
+  <Id Name="System.Storyboarding.Common.Button" Revision="1" Stencil="System.Storyboarding.Common" StencilVersion="0.1"/>
 </Control>
 </file>
 
@@ -26141,114 +26302,126 @@
 
 <file path=customXml/item81.xml><?xml version="1.0" encoding="utf-8"?>
 <Control xmlns="http://schemas.microsoft.com/VisualStudio/2011/storyboarding/control">
-  <Id Name="System.Storyboarding.Common.MousePointer" Revision="1" Stencil="System.Storyboarding.Common" StencilVersion="0.1"/>
+  <Id Name="System.Storyboarding.Common.Button" Revision="1" Stencil="System.Storyboarding.Common" StencilVersion="0.1"/>
 </Control>
 </file>
 
 <file path=customXml/item82.xml><?xml version="1.0" encoding="utf-8"?>
 <Control xmlns="http://schemas.microsoft.com/VisualStudio/2011/storyboarding/control">
-  <Id Name="System.Storyboarding.WindowsDesktop.DialogBox" Revision="1" Stencil="System.Storyboarding.WindowsDesktop" StencilVersion="0.1"/>
+  <Id Name="System.Storyboarding.Common.MouseClick" Revision="1" Stencil="System.Storyboarding.Common" StencilVersion="0.1"/>
 </Control>
 </file>
 
 <file path=customXml/item83.xml><?xml version="1.0" encoding="utf-8"?>
 <Control xmlns="http://schemas.microsoft.com/VisualStudio/2011/storyboarding/control">
-  <Id Name="System.Storyboarding.Common.Button" Revision="1" Stencil="System.Storyboarding.Common" StencilVersion="0.1"/>
+  <Id Name="System.Storyboarding.Backgrounds.Window" Revision="1" Stencil="System.Storyboarding.Backgrounds" StencilVersion="0.1"/>
 </Control>
 </file>
 
 <file path=customXml/item84.xml><?xml version="1.0" encoding="utf-8"?>
 <Control xmlns="http://schemas.microsoft.com/VisualStudio/2011/storyboarding/control">
-  <Id Name="System.Storyboarding.WindowsPhone.WideTile" Revision="1" Stencil="System.Storyboarding.WindowsPhone" StencilVersion="0.1"/>
+  <Id Name="System.Storyboarding.Common.MouseClick" Revision="1" Stencil="System.Storyboarding.Common" StencilVersion="0.1"/>
 </Control>
 </file>
 
 <file path=customXml/item85.xml><?xml version="1.0" encoding="utf-8"?>
 <Control xmlns="http://schemas.microsoft.com/VisualStudio/2011/storyboarding/control">
-  <Id Name="System.Storyboarding.WindowsPhone.Tile" Revision="1" Stencil="System.Storyboarding.WindowsPhone" StencilVersion="0.1"/>
+  <Id Name="System.Storyboarding.Common.Button" Revision="1" Stencil="System.Storyboarding.Common" StencilVersion="0.1"/>
 </Control>
 </file>
 
 <file path=customXml/item86.xml><?xml version="1.0" encoding="utf-8"?>
 <Control xmlns="http://schemas.microsoft.com/VisualStudio/2011/storyboarding/control">
-  <Id Name="System.Storyboarding.Common.Text" Revision="1" Stencil="System.Storyboarding.Common" StencilVersion="0.1"/>
+  <Id Name="System.Storyboarding.Common.DataGrid" Revision="1" Stencil="System.Storyboarding.Common" StencilVersion="0.1"/>
 </Control>
 </file>
 
 <file path=customXml/item87.xml><?xml version="1.0" encoding="utf-8"?>
 <Control xmlns="http://schemas.microsoft.com/VisualStudio/2011/storyboarding/control">
-  <Id Name="System.Storyboarding.Backgrounds.Window" Revision="1" Stencil="System.Storyboarding.Backgrounds" StencilVersion="0.1"/>
+  <Id Name="System.Storyboarding.WindowsPhone.Tile" Revision="1" Stencil="System.Storyboarding.WindowsPhone" StencilVersion="0.1"/>
 </Control>
 </file>
 
 <file path=customXml/item88.xml><?xml version="1.0" encoding="utf-8"?>
 <Control xmlns="http://schemas.microsoft.com/VisualStudio/2011/storyboarding/control">
-  <Id Name="System.Storyboarding.Common.TextInput" Revision="1" Stencil="System.Storyboarding.Common" StencilVersion="0.1"/>
+  <Id Name="System.Storyboarding.Backgrounds.Window" Revision="1" Stencil="System.Storyboarding.Backgrounds" StencilVersion="0.1"/>
 </Control>
 </file>
 
 <file path=customXml/item89.xml><?xml version="1.0" encoding="utf-8"?>
 <Control xmlns="http://schemas.microsoft.com/VisualStudio/2011/storyboarding/control">
-  <Id Name="System.Storyboarding.Common.Text" Revision="1" Stencil="System.Storyboarding.Common" StencilVersion="0.1"/>
+  <Id Name="System.Storyboarding.Common.MouseClick" Revision="1" Stencil="System.Storyboarding.Common" StencilVersion="0.1"/>
 </Control>
 </file>
 
 <file path=customXml/item9.xml><?xml version="1.0" encoding="utf-8"?>
 <Control xmlns="http://schemas.microsoft.com/VisualStudio/2011/storyboarding/control">
-  <Id Name="System.Storyboarding.Icons.User" Revision="1" Stencil="System.Storyboarding.Icons" StencilVersion="0.1"/>
+  <Id Name="System.Storyboarding.Backgrounds.Window" Revision="1" Stencil="System.Storyboarding.Backgrounds" StencilVersion="0.1"/>
 </Control>
 </file>
 
 <file path=customXml/item90.xml><?xml version="1.0" encoding="utf-8"?>
 <Control xmlns="http://schemas.microsoft.com/VisualStudio/2011/storyboarding/control">
-  <Id Name="System.Storyboarding.Common.MouseClick" Revision="1" Stencil="System.Storyboarding.Common" StencilVersion="0.1"/>
+  <Id Name="System.Storyboarding.WindowsPhone.WideTile" Revision="1" Stencil="System.Storyboarding.WindowsPhone" StencilVersion="0.1"/>
 </Control>
 </file>
 
 <file path=customXml/item91.xml><?xml version="1.0" encoding="utf-8"?>
 <Control xmlns="http://schemas.microsoft.com/VisualStudio/2011/storyboarding/control">
-  <Id Name="System.Storyboarding.Backgrounds.Window" Revision="1" Stencil="System.Storyboarding.Backgrounds" StencilVersion="0.1"/>
+  <Id Name="System.Storyboarding.Common.Text" Revision="1" Stencil="System.Storyboarding.Common" StencilVersion="0.1"/>
 </Control>
 </file>
 
 <file path=customXml/item92.xml><?xml version="1.0" encoding="utf-8"?>
 <Control xmlns="http://schemas.microsoft.com/VisualStudio/2011/storyboarding/control">
-  <Id Name="System.Storyboarding.Backgrounds.Window" Revision="1" Stencil="System.Storyboarding.Backgrounds" StencilVersion="0.1"/>
+  <Id Name="System.Storyboarding.Common.Button" Revision="1" Stencil="System.Storyboarding.Common" StencilVersion="0.1"/>
 </Control>
 </file>
 
 <file path=customXml/item93.xml><?xml version="1.0" encoding="utf-8"?>
 <Control xmlns="http://schemas.microsoft.com/VisualStudio/2011/storyboarding/control">
-  <Id Name="System.Storyboarding.Common.MouseClick" Revision="1" Stencil="System.Storyboarding.Common" StencilVersion="0.1"/>
+  <Id Name="System.Storyboarding.Backgrounds.Window" Revision="1" Stencil="System.Storyboarding.Backgrounds" StencilVersion="0.1"/>
 </Control>
 </file>
 
 <file path=customXml/item94.xml><?xml version="1.0" encoding="utf-8"?>
 <Control xmlns="http://schemas.microsoft.com/VisualStudio/2011/storyboarding/control">
-  <Id Name="System.Storyboarding.WindowsPhone.Tile" Revision="1" Stencil="System.Storyboarding.WindowsPhone" StencilVersion="0.1"/>
+  <Id Name="System.Storyboarding.Icons.User" Revision="1" Stencil="System.Storyboarding.Icons" StencilVersion="0.1"/>
 </Control>
 </file>
 
 <file path=customXml/item95.xml><?xml version="1.0" encoding="utf-8"?>
 <Control xmlns="http://schemas.microsoft.com/VisualStudio/2011/storyboarding/control">
-  <Id Name="System.Storyboarding.Backgrounds.Window" Revision="1" Stencil="System.Storyboarding.Backgrounds" StencilVersion="0.1"/>
+  <Id Name="System.Storyboarding.WindowsPhone.Tile" Revision="1" Stencil="System.Storyboarding.WindowsPhone" StencilVersion="0.1"/>
 </Control>
 </file>
 
 <file path=customXml/item96.xml><?xml version="1.0" encoding="utf-8"?>
 <Control xmlns="http://schemas.microsoft.com/VisualStudio/2011/storyboarding/control">
-  <Id Name="System.Storyboarding.Common.DataGrid" Revision="1" Stencil="System.Storyboarding.Common" StencilVersion="0.1"/>
+  <Id Name="System.Storyboarding.Common.TextInput" Revision="1" Stencil="System.Storyboarding.Common" StencilVersion="0.1"/>
 </Control>
 </file>
 
 <file path=customXml/item97.xml><?xml version="1.0" encoding="utf-8"?>
+<Control xmlns="http://schemas.microsoft.com/VisualStudio/2011/storyboarding/control">
+  <Id Name="System.Storyboarding.Common.TextInput" Revision="1" Stencil="System.Storyboarding.Common" StencilVersion="0.1"/>
+</Control>
+</file>
+
+<file path=customXml/item98.xml><?xml version="1.0" encoding="utf-8"?>
+<Control xmlns="http://schemas.microsoft.com/VisualStudio/2011/storyboarding/control">
+  <Id Name="System.Storyboarding.Common.Button" Revision="1" Stencil="System.Storyboarding.Common" StencilVersion="0.1"/>
+</Control>
+</file>
+
+<file path=customXml/item99.xml><?xml version="1.0" encoding="utf-8"?>
 <Control xmlns="http://schemas.microsoft.com/VisualStudio/2011/storyboarding/control">
   <Id Name="System.Storyboarding.Common.Button" Revision="1" Stencil="System.Storyboarding.Common" StencilVersion="0.1"/>
 </Control>
 </file>
 
 <file path=customXml/itemProps1.xml><?xml version="1.0" encoding="utf-8"?>
-<ds:datastoreItem xmlns:ds="http://schemas.openxmlformats.org/officeDocument/2006/customXml" ds:itemID="{A00892C2-213B-4D05-802E-DD6EA36F62CA}">
+<ds:datastoreItem xmlns:ds="http://schemas.openxmlformats.org/officeDocument/2006/customXml" ds:itemID="{380B4E0C-0F9B-4F15-9AAB-95F48518E368}">
   <ds:schemaRefs>
     <ds:schemaRef ds:uri="http://schemas.microsoft.com/VisualStudio/2011/storyboarding/control"/>
   </ds:schemaRefs>
@@ -26256,7 +26429,7 @@
 </file>
 
 <file path=customXml/itemProps10.xml><?xml version="1.0" encoding="utf-8"?>
-<ds:datastoreItem xmlns:ds="http://schemas.openxmlformats.org/officeDocument/2006/customXml" ds:itemID="{D9AAC72D-494D-41B7-826F-9303EDE27B71}">
+<ds:datastoreItem xmlns:ds="http://schemas.openxmlformats.org/officeDocument/2006/customXml" ds:itemID="{963D2681-3D12-4187-95F8-03F5A6F33291}">
   <ds:schemaRefs>
     <ds:schemaRef ds:uri="http://schemas.microsoft.com/VisualStudio/2011/storyboarding/control"/>
   </ds:schemaRefs>
@@ -26264,7 +26437,7 @@
 </file>
 
 <file path=customXml/itemProps11.xml><?xml version="1.0" encoding="utf-8"?>
-<ds:datastoreItem xmlns:ds="http://schemas.openxmlformats.org/officeDocument/2006/customXml" ds:itemID="{864CECF6-9DCA-4D1C-9B38-E0688ABC9BEF}">
+<ds:datastoreItem xmlns:ds="http://schemas.openxmlformats.org/officeDocument/2006/customXml" ds:itemID="{386E302C-01E1-4794-866D-4FA0B3E1AF50}">
   <ds:schemaRefs>
     <ds:schemaRef ds:uri="http://schemas.microsoft.com/VisualStudio/2011/storyboarding/control"/>
   </ds:schemaRefs>
@@ -26272,6 +26445,198 @@
 </file>
 
 <file path=customXml/itemProps12.xml><?xml version="1.0" encoding="utf-8"?>
+<ds:datastoreItem xmlns:ds="http://schemas.openxmlformats.org/officeDocument/2006/customXml" ds:itemID="{DFBED902-F192-40FA-B829-570C5EE003A4}">
+  <ds:schemaRefs>
+    <ds:schemaRef ds:uri="http://schemas.microsoft.com/VisualStudio/2011/storyboarding/control"/>
+  </ds:schemaRefs>
+</ds:datastoreItem>
+</file>
+
+<file path=customXml/itemProps13.xml><?xml version="1.0" encoding="utf-8"?>
+<ds:datastoreItem xmlns:ds="http://schemas.openxmlformats.org/officeDocument/2006/customXml" ds:itemID="{F56F2941-353E-449E-AA09-F8908BE1CF86}">
+  <ds:schemaRefs>
+    <ds:schemaRef ds:uri="http://schemas.microsoft.com/VisualStudio/2011/storyboarding/control"/>
+  </ds:schemaRefs>
+</ds:datastoreItem>
+</file>
+
+<file path=customXml/itemProps14.xml><?xml version="1.0" encoding="utf-8"?>
+<ds:datastoreItem xmlns:ds="http://schemas.openxmlformats.org/officeDocument/2006/customXml" ds:itemID="{1C78CB2B-A8B9-4D7D-854A-D0A2F43A5950}">
+  <ds:schemaRefs>
+    <ds:schemaRef ds:uri="http://schemas.microsoft.com/VisualStudio/2011/storyboarding/control"/>
+  </ds:schemaRefs>
+</ds:datastoreItem>
+</file>
+
+<file path=customXml/itemProps15.xml><?xml version="1.0" encoding="utf-8"?>
+<ds:datastoreItem xmlns:ds="http://schemas.openxmlformats.org/officeDocument/2006/customXml" ds:itemID="{AAC80C04-0EDF-4D46-9486-CD9AD9802357}">
+  <ds:schemaRefs>
+    <ds:schemaRef ds:uri="http://schemas.microsoft.com/VisualStudio/2011/storyboarding/control"/>
+  </ds:schemaRefs>
+</ds:datastoreItem>
+</file>
+
+<file path=customXml/itemProps16.xml><?xml version="1.0" encoding="utf-8"?>
+<ds:datastoreItem xmlns:ds="http://schemas.openxmlformats.org/officeDocument/2006/customXml" ds:itemID="{0C72094E-3098-44D6-AE78-A76761954F66}">
+  <ds:schemaRefs>
+    <ds:schemaRef ds:uri="http://schemas.microsoft.com/VisualStudio/2011/storyboarding/control"/>
+  </ds:schemaRefs>
+</ds:datastoreItem>
+</file>
+
+<file path=customXml/itemProps17.xml><?xml version="1.0" encoding="utf-8"?>
+<ds:datastoreItem xmlns:ds="http://schemas.openxmlformats.org/officeDocument/2006/customXml" ds:itemID="{52F0D1D8-E410-4292-9A92-586E0F84A1DE}">
+  <ds:schemaRefs>
+    <ds:schemaRef ds:uri="http://schemas.microsoft.com/VisualStudio/2011/storyboarding/control"/>
+  </ds:schemaRefs>
+</ds:datastoreItem>
+</file>
+
+<file path=customXml/itemProps18.xml><?xml version="1.0" encoding="utf-8"?>
+<ds:datastoreItem xmlns:ds="http://schemas.openxmlformats.org/officeDocument/2006/customXml" ds:itemID="{5CC033DF-F60D-48E1-B2D4-F38F6C4283CA}">
+  <ds:schemaRefs>
+    <ds:schemaRef ds:uri="http://schemas.microsoft.com/VisualStudio/2011/storyboarding/control"/>
+  </ds:schemaRefs>
+</ds:datastoreItem>
+</file>
+
+<file path=customXml/itemProps19.xml><?xml version="1.0" encoding="utf-8"?>
+<ds:datastoreItem xmlns:ds="http://schemas.openxmlformats.org/officeDocument/2006/customXml" ds:itemID="{61FE46EF-C9E2-4357-AD75-946D9C2490CD}">
+  <ds:schemaRefs>
+    <ds:schemaRef ds:uri="http://schemas.microsoft.com/VisualStudio/2011/storyboarding/control"/>
+  </ds:schemaRefs>
+</ds:datastoreItem>
+</file>
+
+<file path=customXml/itemProps2.xml><?xml version="1.0" encoding="utf-8"?>
+<ds:datastoreItem xmlns:ds="http://schemas.openxmlformats.org/officeDocument/2006/customXml" ds:itemID="{5F8B743C-58C9-496B-861D-37CFDCB689D2}">
+  <ds:schemaRefs>
+    <ds:schemaRef ds:uri="http://schemas.microsoft.com/VisualStudio/2011/storyboarding/control"/>
+  </ds:schemaRefs>
+</ds:datastoreItem>
+</file>
+
+<file path=customXml/itemProps20.xml><?xml version="1.0" encoding="utf-8"?>
+<ds:datastoreItem xmlns:ds="http://schemas.openxmlformats.org/officeDocument/2006/customXml" ds:itemID="{0C720265-0C21-4572-B4AB-A1CC192118CE}">
+  <ds:schemaRefs>
+    <ds:schemaRef ds:uri="http://schemas.microsoft.com/VisualStudio/2011/storyboarding/control"/>
+  </ds:schemaRefs>
+</ds:datastoreItem>
+</file>
+
+<file path=customXml/itemProps21.xml><?xml version="1.0" encoding="utf-8"?>
+<ds:datastoreItem xmlns:ds="http://schemas.openxmlformats.org/officeDocument/2006/customXml" ds:itemID="{7EE28DA7-04BF-4FF0-BC25-F13F1A9E2299}">
+  <ds:schemaRefs>
+    <ds:schemaRef ds:uri="http://schemas.microsoft.com/VisualStudio/2011/storyboarding/control"/>
+  </ds:schemaRefs>
+</ds:datastoreItem>
+</file>
+
+<file path=customXml/itemProps22.xml><?xml version="1.0" encoding="utf-8"?>
+<ds:datastoreItem xmlns:ds="http://schemas.openxmlformats.org/officeDocument/2006/customXml" ds:itemID="{E23F885F-9866-4557-ACFA-2AA3F6094078}">
+  <ds:schemaRefs>
+    <ds:schemaRef ds:uri="http://schemas.microsoft.com/VisualStudio/2011/storyboarding/control"/>
+  </ds:schemaRefs>
+</ds:datastoreItem>
+</file>
+
+<file path=customXml/itemProps23.xml><?xml version="1.0" encoding="utf-8"?>
+<ds:datastoreItem xmlns:ds="http://schemas.openxmlformats.org/officeDocument/2006/customXml" ds:itemID="{FB913C09-5FF3-4DBC-A409-A3629F85486F}">
+  <ds:schemaRefs>
+    <ds:schemaRef ds:uri="http://schemas.microsoft.com/VisualStudio/2011/storyboarding/control"/>
+  </ds:schemaRefs>
+</ds:datastoreItem>
+</file>
+
+<file path=customXml/itemProps24.xml><?xml version="1.0" encoding="utf-8"?>
+<ds:datastoreItem xmlns:ds="http://schemas.openxmlformats.org/officeDocument/2006/customXml" ds:itemID="{A0951CD3-D0AB-42CB-83AF-2C81D4E71AFE}">
+  <ds:schemaRefs>
+    <ds:schemaRef ds:uri="http://schemas.microsoft.com/VisualStudio/2011/storyboarding/control"/>
+  </ds:schemaRefs>
+</ds:datastoreItem>
+</file>
+
+<file path=customXml/itemProps25.xml><?xml version="1.0" encoding="utf-8"?>
+<ds:datastoreItem xmlns:ds="http://schemas.openxmlformats.org/officeDocument/2006/customXml" ds:itemID="{55ED4C64-3C02-42E9-8CAD-93AFE18EA656}">
+  <ds:schemaRefs>
+    <ds:schemaRef ds:uri="http://schemas.microsoft.com/VisualStudio/2011/storyboarding/control"/>
+  </ds:schemaRefs>
+</ds:datastoreItem>
+</file>
+
+<file path=customXml/itemProps26.xml><?xml version="1.0" encoding="utf-8"?>
+<ds:datastoreItem xmlns:ds="http://schemas.openxmlformats.org/officeDocument/2006/customXml" ds:itemID="{EAB0C7F1-CC68-4D22-8FEA-88AFDBE02341}">
+  <ds:schemaRefs>
+    <ds:schemaRef ds:uri="http://schemas.microsoft.com/VisualStudio/2011/storyboarding/control"/>
+  </ds:schemaRefs>
+</ds:datastoreItem>
+</file>
+
+<file path=customXml/itemProps27.xml><?xml version="1.0" encoding="utf-8"?>
+<ds:datastoreItem xmlns:ds="http://schemas.openxmlformats.org/officeDocument/2006/customXml" ds:itemID="{62297194-F276-4C35-9AA2-BFDF1B032F77}">
+  <ds:schemaRefs>
+    <ds:schemaRef ds:uri="http://schemas.microsoft.com/VisualStudio/2011/storyboarding/control"/>
+  </ds:schemaRefs>
+</ds:datastoreItem>
+</file>
+
+<file path=customXml/itemProps28.xml><?xml version="1.0" encoding="utf-8"?>
+<ds:datastoreItem xmlns:ds="http://schemas.openxmlformats.org/officeDocument/2006/customXml" ds:itemID="{EA9EA9DB-BC80-488C-80A0-CC56FD375DBA}">
+  <ds:schemaRefs>
+    <ds:schemaRef ds:uri="http://schemas.microsoft.com/VisualStudio/2011/storyboarding/control"/>
+  </ds:schemaRefs>
+</ds:datastoreItem>
+</file>
+
+<file path=customXml/itemProps29.xml><?xml version="1.0" encoding="utf-8"?>
+<ds:datastoreItem xmlns:ds="http://schemas.openxmlformats.org/officeDocument/2006/customXml" ds:itemID="{DE9DBA39-9F6C-4B5C-BDCD-90EAFADFFE56}">
+  <ds:schemaRefs>
+    <ds:schemaRef ds:uri="http://schemas.microsoft.com/VisualStudio/2011/storyboarding/control"/>
+  </ds:schemaRefs>
+</ds:datastoreItem>
+</file>
+
+<file path=customXml/itemProps3.xml><?xml version="1.0" encoding="utf-8"?>
+<ds:datastoreItem xmlns:ds="http://schemas.openxmlformats.org/officeDocument/2006/customXml" ds:itemID="{B2FDDC24-82E2-4FB5-B7F5-E04E98EC8EC4}">
+  <ds:schemaRefs>
+    <ds:schemaRef ds:uri="http://schemas.microsoft.com/VisualStudio/2011/storyboarding/control"/>
+  </ds:schemaRefs>
+</ds:datastoreItem>
+</file>
+
+<file path=customXml/itemProps30.xml><?xml version="1.0" encoding="utf-8"?>
+<ds:datastoreItem xmlns:ds="http://schemas.openxmlformats.org/officeDocument/2006/customXml" ds:itemID="{AD76B1A6-281F-434B-87D7-4252EED5040E}">
+  <ds:schemaRefs>
+    <ds:schemaRef ds:uri="http://schemas.microsoft.com/VisualStudio/2011/storyboarding/control"/>
+  </ds:schemaRefs>
+</ds:datastoreItem>
+</file>
+
+<file path=customXml/itemProps31.xml><?xml version="1.0" encoding="utf-8"?>
+<ds:datastoreItem xmlns:ds="http://schemas.openxmlformats.org/officeDocument/2006/customXml" ds:itemID="{0A0B0AB4-528F-45D0-9477-351EBE4AC7B5}">
+  <ds:schemaRefs>
+    <ds:schemaRef ds:uri="http://schemas.microsoft.com/VisualStudio/2011/storyboarding/control"/>
+  </ds:schemaRefs>
+</ds:datastoreItem>
+</file>
+
+<file path=customXml/itemProps32.xml><?xml version="1.0" encoding="utf-8"?>
+<ds:datastoreItem xmlns:ds="http://schemas.openxmlformats.org/officeDocument/2006/customXml" ds:itemID="{60EA6796-5DBC-4382-82C4-026F3E6B0075}">
+  <ds:schemaRefs>
+    <ds:schemaRef ds:uri="http://schemas.microsoft.com/VisualStudio/2011/storyboarding/control"/>
+  </ds:schemaRefs>
+</ds:datastoreItem>
+</file>
+
+<file path=customXml/itemProps33.xml><?xml version="1.0" encoding="utf-8"?>
+<ds:datastoreItem xmlns:ds="http://schemas.openxmlformats.org/officeDocument/2006/customXml" ds:itemID="{B99CDE6E-FE87-4F33-BAC6-FEC8DE73ED50}">
+  <ds:schemaRefs>
+    <ds:schemaRef ds:uri="http://schemas.microsoft.com/VisualStudio/2011/storyboarding/control"/>
+  </ds:schemaRefs>
+</ds:datastoreItem>
+</file>
+
+<file path=customXml/itemProps34.xml><?xml version="1.0" encoding="utf-8"?>
 <ds:datastoreItem xmlns:ds="http://schemas.openxmlformats.org/officeDocument/2006/customXml" ds:itemID="{D4F0451A-464F-4782-A886-6664DA4B5958}">
   <ds:schemaRefs>
     <ds:schemaRef ds:uri="http://schemas.microsoft.com/VisualStudio/2011/storyboarding/control"/>
@@ -26279,39 +26644,7 @@
 </ds:datastoreItem>
 </file>
 
-<file path=customXml/itemProps13.xml><?xml version="1.0" encoding="utf-8"?>
-<ds:datastoreItem xmlns:ds="http://schemas.openxmlformats.org/officeDocument/2006/customXml" ds:itemID="{BA1487F5-A4B7-43CA-B32B-AC709F1635D5}">
-  <ds:schemaRefs>
-    <ds:schemaRef ds:uri="http://schemas.microsoft.com/VisualStudio/2011/storyboarding/control"/>
-  </ds:schemaRefs>
-</ds:datastoreItem>
-</file>
-
-<file path=customXml/itemProps14.xml><?xml version="1.0" encoding="utf-8"?>
-<ds:datastoreItem xmlns:ds="http://schemas.openxmlformats.org/officeDocument/2006/customXml" ds:itemID="{0C72094E-3098-44D6-AE78-A76761954F66}">
-  <ds:schemaRefs>
-    <ds:schemaRef ds:uri="http://schemas.microsoft.com/VisualStudio/2011/storyboarding/control"/>
-  </ds:schemaRefs>
-</ds:datastoreItem>
-</file>
-
-<file path=customXml/itemProps15.xml><?xml version="1.0" encoding="utf-8"?>
-<ds:datastoreItem xmlns:ds="http://schemas.openxmlformats.org/officeDocument/2006/customXml" ds:itemID="{ADD2FE2A-D1F3-4375-9E9C-984067E981CB}">
-  <ds:schemaRefs>
-    <ds:schemaRef ds:uri="http://schemas.microsoft.com/VisualStudio/2011/storyboarding/control"/>
-  </ds:schemaRefs>
-</ds:datastoreItem>
-</file>
-
-<file path=customXml/itemProps16.xml><?xml version="1.0" encoding="utf-8"?>
-<ds:datastoreItem xmlns:ds="http://schemas.openxmlformats.org/officeDocument/2006/customXml" ds:itemID="{696C7FC6-5DA9-4D1F-8CCE-7025BD68CA0F}">
-  <ds:schemaRefs>
-    <ds:schemaRef ds:uri="http://schemas.microsoft.com/VisualStudio/2011/storyboarding/control"/>
-  </ds:schemaRefs>
-</ds:datastoreItem>
-</file>
-
-<file path=customXml/itemProps17.xml><?xml version="1.0" encoding="utf-8"?>
+<file path=customXml/itemProps35.xml><?xml version="1.0" encoding="utf-8"?>
 <ds:datastoreItem xmlns:ds="http://schemas.openxmlformats.org/officeDocument/2006/customXml" ds:itemID="{F1C238E3-32A4-4079-8AED-C32AD1D3E18E}">
   <ds:schemaRefs>
     <ds:schemaRef ds:uri="http://schemas.microsoft.com/VisualStudio/2011/storyboarding/control"/>
@@ -26319,71 +26652,7 @@
 </ds:datastoreItem>
 </file>
 
-<file path=customXml/itemProps18.xml><?xml version="1.0" encoding="utf-8"?>
-<ds:datastoreItem xmlns:ds="http://schemas.openxmlformats.org/officeDocument/2006/customXml" ds:itemID="{7BF6A191-2A8C-4C99-BF02-1A903C1257C8}">
-  <ds:schemaRefs>
-    <ds:schemaRef ds:uri="http://schemas.microsoft.com/VisualStudio/2011/storyboarding/control"/>
-  </ds:schemaRefs>
-</ds:datastoreItem>
-</file>
-
-<file path=customXml/itemProps19.xml><?xml version="1.0" encoding="utf-8"?>
-<ds:datastoreItem xmlns:ds="http://schemas.openxmlformats.org/officeDocument/2006/customXml" ds:itemID="{AAC80C04-0EDF-4D46-9486-CD9AD9802357}">
-  <ds:schemaRefs>
-    <ds:schemaRef ds:uri="http://schemas.microsoft.com/VisualStudio/2011/storyboarding/control"/>
-  </ds:schemaRefs>
-</ds:datastoreItem>
-</file>
-
-<file path=customXml/itemProps2.xml><?xml version="1.0" encoding="utf-8"?>
-<ds:datastoreItem xmlns:ds="http://schemas.openxmlformats.org/officeDocument/2006/customXml" ds:itemID="{57DA300F-9A6A-4CF1-AC7A-D50BE33059D3}">
-  <ds:schemaRefs>
-    <ds:schemaRef ds:uri="http://schemas.microsoft.com/VisualStudio/2011/storyboarding/control"/>
-  </ds:schemaRefs>
-</ds:datastoreItem>
-</file>
-
-<file path=customXml/itemProps20.xml><?xml version="1.0" encoding="utf-8"?>
-<ds:datastoreItem xmlns:ds="http://schemas.openxmlformats.org/officeDocument/2006/customXml" ds:itemID="{6FC7A63D-0E66-4DB5-918B-D550A62D6163}">
-  <ds:schemaRefs>
-    <ds:schemaRef ds:uri="http://schemas.microsoft.com/VisualStudio/2011/storyboarding/control"/>
-  </ds:schemaRefs>
-</ds:datastoreItem>
-</file>
-
-<file path=customXml/itemProps21.xml><?xml version="1.0" encoding="utf-8"?>
-<ds:datastoreItem xmlns:ds="http://schemas.openxmlformats.org/officeDocument/2006/customXml" ds:itemID="{18C4FC80-2CD4-4621-8D88-8A3D12713A3C}">
-  <ds:schemaRefs>
-    <ds:schemaRef ds:uri="http://schemas.microsoft.com/VisualStudio/2011/storyboarding/control"/>
-  </ds:schemaRefs>
-</ds:datastoreItem>
-</file>
-
-<file path=customXml/itemProps22.xml><?xml version="1.0" encoding="utf-8"?>
-<ds:datastoreItem xmlns:ds="http://schemas.openxmlformats.org/officeDocument/2006/customXml" ds:itemID="{52F0D1D8-E410-4292-9A92-586E0F84A1DE}">
-  <ds:schemaRefs>
-    <ds:schemaRef ds:uri="http://schemas.microsoft.com/VisualStudio/2011/storyboarding/control"/>
-  </ds:schemaRefs>
-</ds:datastoreItem>
-</file>
-
-<file path=customXml/itemProps23.xml><?xml version="1.0" encoding="utf-8"?>
-<ds:datastoreItem xmlns:ds="http://schemas.openxmlformats.org/officeDocument/2006/customXml" ds:itemID="{1C0C511F-E67D-4D4A-9A7B-6E9F2916E4D8}">
-  <ds:schemaRefs>
-    <ds:schemaRef ds:uri="http://schemas.microsoft.com/VisualStudio/2011/storyboarding/control"/>
-  </ds:schemaRefs>
-</ds:datastoreItem>
-</file>
-
-<file path=customXml/itemProps24.xml><?xml version="1.0" encoding="utf-8"?>
-<ds:datastoreItem xmlns:ds="http://schemas.openxmlformats.org/officeDocument/2006/customXml" ds:itemID="{DAAAB185-3E9A-4858-A301-91AC1E282FCF}">
-  <ds:schemaRefs>
-    <ds:schemaRef ds:uri="http://schemas.microsoft.com/VisualStudio/2011/storyboarding/control"/>
-  </ds:schemaRefs>
-</ds:datastoreItem>
-</file>
-
-<file path=customXml/itemProps25.xml><?xml version="1.0" encoding="utf-8"?>
+<file path=customXml/itemProps36.xml><?xml version="1.0" encoding="utf-8"?>
 <ds:datastoreItem xmlns:ds="http://schemas.openxmlformats.org/officeDocument/2006/customXml" ds:itemID="{FD5E8C4E-C695-4470-AE14-F85E68B33F00}">
   <ds:schemaRefs>
     <ds:schemaRef ds:uri="http://schemas.microsoft.com/VisualStudio/2011/storyboarding/control"/>
@@ -26391,104 +26660,8 @@
 </ds:datastoreItem>
 </file>
 
-<file path=customXml/itemProps26.xml><?xml version="1.0" encoding="utf-8"?>
-<ds:datastoreItem xmlns:ds="http://schemas.openxmlformats.org/officeDocument/2006/customXml" ds:itemID="{229CB539-3BDB-4B73-992D-D0B9FD8C2D51}">
-  <ds:schemaRefs>
-    <ds:schemaRef ds:uri="http://schemas.microsoft.com/VisualStudio/2011/storyboarding/control"/>
-  </ds:schemaRefs>
-</ds:datastoreItem>
-</file>
-
-<file path=customXml/itemProps27.xml><?xml version="1.0" encoding="utf-8"?>
-<ds:datastoreItem xmlns:ds="http://schemas.openxmlformats.org/officeDocument/2006/customXml" ds:itemID="{5CC033DF-F60D-48E1-B2D4-F38F6C4283CA}">
-  <ds:schemaRefs>
-    <ds:schemaRef ds:uri="http://schemas.microsoft.com/VisualStudio/2011/storyboarding/control"/>
-  </ds:schemaRefs>
-</ds:datastoreItem>
-</file>
-
-<file path=customXml/itemProps28.xml><?xml version="1.0" encoding="utf-8"?>
-<ds:datastoreItem xmlns:ds="http://schemas.openxmlformats.org/officeDocument/2006/customXml" ds:itemID="{BAC90667-164A-4A8A-BAAA-128B7BE8061D}">
-  <ds:schemaRefs>
-    <ds:schemaRef ds:uri="http://schemas.microsoft.com/VisualStudio/2011/storyboarding/control"/>
-  </ds:schemaRefs>
-</ds:datastoreItem>
-</file>
-
-<file path=customXml/itemProps29.xml><?xml version="1.0" encoding="utf-8"?>
-<ds:datastoreItem xmlns:ds="http://schemas.openxmlformats.org/officeDocument/2006/customXml" ds:itemID="{2D71B260-49DD-430A-993F-35BB818160D2}">
-  <ds:schemaRefs>
-    <ds:schemaRef ds:uri="http://schemas.microsoft.com/VisualStudio/2011/storyboarding/control"/>
-  </ds:schemaRefs>
-</ds:datastoreItem>
-</file>
-
-<file path=customXml/itemProps3.xml><?xml version="1.0" encoding="utf-8"?>
-<ds:datastoreItem xmlns:ds="http://schemas.openxmlformats.org/officeDocument/2006/customXml" ds:itemID="{B99CDE6E-FE87-4F33-BAC6-FEC8DE73ED50}">
-  <ds:schemaRefs>
-    <ds:schemaRef ds:uri="http://schemas.microsoft.com/VisualStudio/2011/storyboarding/control"/>
-  </ds:schemaRefs>
-</ds:datastoreItem>
-</file>
-
-<file path=customXml/itemProps30.xml><?xml version="1.0" encoding="utf-8"?>
-<ds:datastoreItem xmlns:ds="http://schemas.openxmlformats.org/officeDocument/2006/customXml" ds:itemID="{61FE46EF-C9E2-4357-AD75-946D9C2490CD}">
-  <ds:schemaRefs>
-    <ds:schemaRef ds:uri="http://schemas.microsoft.com/VisualStudio/2011/storyboarding/control"/>
-  </ds:schemaRefs>
-</ds:datastoreItem>
-</file>
-
-<file path=customXml/itemProps31.xml><?xml version="1.0" encoding="utf-8"?>
-<ds:datastoreItem xmlns:ds="http://schemas.openxmlformats.org/officeDocument/2006/customXml" ds:itemID="{75F7A925-CDCF-44C7-AAC9-ED81A7152AAE}">
-  <ds:schemaRefs>
-    <ds:schemaRef ds:uri="http://schemas.microsoft.com/VisualStudio/2011/storyboarding/control"/>
-  </ds:schemaRefs>
-</ds:datastoreItem>
-</file>
-
-<file path=customXml/itemProps32.xml><?xml version="1.0" encoding="utf-8"?>
-<ds:datastoreItem xmlns:ds="http://schemas.openxmlformats.org/officeDocument/2006/customXml" ds:itemID="{C11AF406-DD81-4DC9-886A-0313350AB230}">
-  <ds:schemaRefs>
-    <ds:schemaRef ds:uri="http://schemas.microsoft.com/VisualStudio/2011/storyboarding/control"/>
-  </ds:schemaRefs>
-</ds:datastoreItem>
-</file>
-
-<file path=customXml/itemProps33.xml><?xml version="1.0" encoding="utf-8"?>
+<file path=customXml/itemProps37.xml><?xml version="1.0" encoding="utf-8"?>
 <ds:datastoreItem xmlns:ds="http://schemas.openxmlformats.org/officeDocument/2006/customXml" ds:itemID="{7BD39EFE-EA05-4A6E-BF89-B96C242363EC}">
-  <ds:schemaRefs>
-    <ds:schemaRef ds:uri="http://schemas.microsoft.com/VisualStudio/2011/storyboarding/control"/>
-  </ds:schemaRefs>
-</ds:datastoreItem>
-</file>
-
-<file path=customXml/itemProps34.xml><?xml version="1.0" encoding="utf-8"?>
-<ds:datastoreItem xmlns:ds="http://schemas.openxmlformats.org/officeDocument/2006/customXml" ds:itemID="{A547CB25-022E-4F62-95D8-86B932E8AC9F}">
-  <ds:schemaRefs>
-    <ds:schemaRef ds:uri="http://schemas.microsoft.com/VisualStudio/2011/storyboarding/control"/>
-  </ds:schemaRefs>
-</ds:datastoreItem>
-</file>
-
-<file path=customXml/itemProps35.xml><?xml version="1.0" encoding="utf-8"?>
-<ds:datastoreItem xmlns:ds="http://schemas.openxmlformats.org/officeDocument/2006/customXml" ds:itemID="{0C720265-0C21-4572-B4AB-A1CC192118CE}">
-  <ds:schemaRefs>
-    <ds:schemaRef ds:uri="http://schemas.microsoft.com/VisualStudio/2011/storyboarding/control"/>
-  </ds:schemaRefs>
-</ds:datastoreItem>
-</file>
-
-<file path=customXml/itemProps36.xml><?xml version="1.0" encoding="utf-8"?>
-<ds:datastoreItem xmlns:ds="http://schemas.openxmlformats.org/officeDocument/2006/customXml" ds:itemID="{7BED2F25-4B0A-47AE-BA03-A9133EADA07E}">
-  <ds:schemaRefs>
-    <ds:schemaRef ds:uri="http://schemas.microsoft.com/VisualStudio/2011/storyboarding/control"/>
-  </ds:schemaRefs>
-</ds:datastoreItem>
-</file>
-
-<file path=customXml/itemProps37.xml><?xml version="1.0" encoding="utf-8"?>
-<ds:datastoreItem xmlns:ds="http://schemas.openxmlformats.org/officeDocument/2006/customXml" ds:itemID="{380B4E0C-0F9B-4F15-9AAB-95F48518E368}">
   <ds:schemaRefs>
     <ds:schemaRef ds:uri="http://schemas.microsoft.com/VisualStudio/2011/storyboarding/control"/>
   </ds:schemaRefs>
@@ -26504,7 +26677,7 @@
 </file>
 
 <file path=customXml/itemProps39.xml><?xml version="1.0" encoding="utf-8"?>
-<ds:datastoreItem xmlns:ds="http://schemas.openxmlformats.org/officeDocument/2006/customXml" ds:itemID="{817BDAB2-6CAE-4F44-93B0-1A021EF03CE4}">
+<ds:datastoreItem xmlns:ds="http://schemas.openxmlformats.org/officeDocument/2006/customXml" ds:itemID="{54096EDF-8844-4AF1-A245-67F5F80754AD}">
   <ds:schemaRefs>
     <ds:schemaRef ds:uri="http://schemas.microsoft.com/VisualStudio/2011/storyboarding/control"/>
   </ds:schemaRefs>
@@ -26512,7 +26685,7 @@
 </file>
 
 <file path=customXml/itemProps4.xml><?xml version="1.0" encoding="utf-8"?>
-<ds:datastoreItem xmlns:ds="http://schemas.openxmlformats.org/officeDocument/2006/customXml" ds:itemID="{E633A100-67AC-4527-A659-C7C384F934AC}">
+<ds:datastoreItem xmlns:ds="http://schemas.openxmlformats.org/officeDocument/2006/customXml" ds:itemID="{749907B2-9336-456D-A581-D25D95EDE8BE}">
   <ds:schemaRefs>
     <ds:schemaRef ds:uri="http://schemas.microsoft.com/VisualStudio/2011/storyboarding/control"/>
   </ds:schemaRefs>
@@ -26520,7 +26693,7 @@
 </file>
 
 <file path=customXml/itemProps40.xml><?xml version="1.0" encoding="utf-8"?>
-<ds:datastoreItem xmlns:ds="http://schemas.openxmlformats.org/officeDocument/2006/customXml" ds:itemID="{5F8B743C-58C9-496B-861D-37CFDCB689D2}">
+<ds:datastoreItem xmlns:ds="http://schemas.openxmlformats.org/officeDocument/2006/customXml" ds:itemID="{BE9F8366-F0F5-4DC5-AE94-ABE4A9381FDA}">
   <ds:schemaRefs>
     <ds:schemaRef ds:uri="http://schemas.microsoft.com/VisualStudio/2011/storyboarding/control"/>
   </ds:schemaRefs>
@@ -26528,6 +26701,22 @@
 </file>
 
 <file path=customXml/itemProps41.xml><?xml version="1.0" encoding="utf-8"?>
+<ds:datastoreItem xmlns:ds="http://schemas.openxmlformats.org/officeDocument/2006/customXml" ds:itemID="{B9E26101-96F9-4F40-9878-A1B1117DD9D1}">
+  <ds:schemaRefs>
+    <ds:schemaRef ds:uri="http://schemas.microsoft.com/VisualStudio/2011/storyboarding/control"/>
+  </ds:schemaRefs>
+</ds:datastoreItem>
+</file>
+
+<file path=customXml/itemProps42.xml><?xml version="1.0" encoding="utf-8"?>
+<ds:datastoreItem xmlns:ds="http://schemas.openxmlformats.org/officeDocument/2006/customXml" ds:itemID="{6FC7A63D-0E66-4DB5-918B-D550A62D6163}">
+  <ds:schemaRefs>
+    <ds:schemaRef ds:uri="http://schemas.microsoft.com/VisualStudio/2011/storyboarding/control"/>
+  </ds:schemaRefs>
+</ds:datastoreItem>
+</file>
+
+<file path=customXml/itemProps43.xml><?xml version="1.0" encoding="utf-8"?>
 <ds:datastoreItem xmlns:ds="http://schemas.openxmlformats.org/officeDocument/2006/customXml" ds:itemID="{DF0307B4-2196-4A01-B7E1-B004028F97B8}">
   <ds:schemaRefs>
     <ds:schemaRef ds:uri="http://schemas.microsoft.com/VisualStudio/2011/storyboarding/control"/>
@@ -26535,23 +26724,167 @@
 </ds:datastoreItem>
 </file>
 
-<file path=customXml/itemProps42.xml><?xml version="1.0" encoding="utf-8"?>
-<ds:datastoreItem xmlns:ds="http://schemas.openxmlformats.org/officeDocument/2006/customXml" ds:itemID="{25E6B38B-F703-4B2C-A75A-8AF5AE258929}">
+<file path=customXml/itemProps44.xml><?xml version="1.0" encoding="utf-8"?>
+<ds:datastoreItem xmlns:ds="http://schemas.openxmlformats.org/officeDocument/2006/customXml" ds:itemID="{D69DE91C-82A6-40CD-9736-E24D1E6FB6E9}">
   <ds:schemaRefs>
     <ds:schemaRef ds:uri="http://schemas.microsoft.com/VisualStudio/2011/storyboarding/control"/>
   </ds:schemaRefs>
 </ds:datastoreItem>
 </file>
 
-<file path=customXml/itemProps43.xml><?xml version="1.0" encoding="utf-8"?>
-<ds:datastoreItem xmlns:ds="http://schemas.openxmlformats.org/officeDocument/2006/customXml" ds:itemID="{7EE28DA7-04BF-4FF0-BC25-F13F1A9E2299}">
+<file path=customXml/itemProps45.xml><?xml version="1.0" encoding="utf-8"?>
+<ds:datastoreItem xmlns:ds="http://schemas.openxmlformats.org/officeDocument/2006/customXml" ds:itemID="{09320151-E71B-43ED-859E-2B0EFB898797}">
   <ds:schemaRefs>
     <ds:schemaRef ds:uri="http://schemas.microsoft.com/VisualStudio/2011/storyboarding/control"/>
   </ds:schemaRefs>
 </ds:datastoreItem>
 </file>
 
-<file path=customXml/itemProps44.xml><?xml version="1.0" encoding="utf-8"?>
+<file path=customXml/itemProps46.xml><?xml version="1.0" encoding="utf-8"?>
+<ds:datastoreItem xmlns:ds="http://schemas.openxmlformats.org/officeDocument/2006/customXml" ds:itemID="{18C51719-3C9F-4C49-B593-1846F9EE20AB}">
+  <ds:schemaRefs>
+    <ds:schemaRef ds:uri="http://schemas.microsoft.com/VisualStudio/2011/storyboarding/control"/>
+  </ds:schemaRefs>
+</ds:datastoreItem>
+</file>
+
+<file path=customXml/itemProps47.xml><?xml version="1.0" encoding="utf-8"?>
+<ds:datastoreItem xmlns:ds="http://schemas.openxmlformats.org/officeDocument/2006/customXml" ds:itemID="{CDD409C7-71C2-4C65-BCFB-149C300005F6}">
+  <ds:schemaRefs>
+    <ds:schemaRef ds:uri="http://schemas.microsoft.com/VisualStudio/2011/storyboarding/control"/>
+  </ds:schemaRefs>
+</ds:datastoreItem>
+</file>
+
+<file path=customXml/itemProps48.xml><?xml version="1.0" encoding="utf-8"?>
+<ds:datastoreItem xmlns:ds="http://schemas.openxmlformats.org/officeDocument/2006/customXml" ds:itemID="{507020E1-D915-4384-9987-D991B4CEC6A4}">
+  <ds:schemaRefs>
+    <ds:schemaRef ds:uri="http://schemas.microsoft.com/VisualStudio/2011/storyboarding/control"/>
+  </ds:schemaRefs>
+</ds:datastoreItem>
+</file>
+
+<file path=customXml/itemProps49.xml><?xml version="1.0" encoding="utf-8"?>
+<ds:datastoreItem xmlns:ds="http://schemas.openxmlformats.org/officeDocument/2006/customXml" ds:itemID="{E33B031F-9E3E-44AB-B670-132AEF0CC0E0}">
+  <ds:schemaRefs>
+    <ds:schemaRef ds:uri="http://schemas.microsoft.com/VisualStudio/2011/storyboarding/control"/>
+  </ds:schemaRefs>
+</ds:datastoreItem>
+</file>
+
+<file path=customXml/itemProps5.xml><?xml version="1.0" encoding="utf-8"?>
+<ds:datastoreItem xmlns:ds="http://schemas.openxmlformats.org/officeDocument/2006/customXml" ds:itemID="{4E5D278F-7FCD-48BB-BBEA-88293C585644}">
+  <ds:schemaRefs>
+    <ds:schemaRef ds:uri="http://schemas.microsoft.com/VisualStudio/2011/storyboarding/control"/>
+  </ds:schemaRefs>
+</ds:datastoreItem>
+</file>
+
+<file path=customXml/itemProps50.xml><?xml version="1.0" encoding="utf-8"?>
+<ds:datastoreItem xmlns:ds="http://schemas.openxmlformats.org/officeDocument/2006/customXml" ds:itemID="{EBED6F1E-FCA0-4B8F-9AD0-DCA724A8FEB9}">
+  <ds:schemaRefs>
+    <ds:schemaRef ds:uri="http://schemas.microsoft.com/VisualStudio/2011/storyboarding/control"/>
+  </ds:schemaRefs>
+</ds:datastoreItem>
+</file>
+
+<file path=customXml/itemProps51.xml><?xml version="1.0" encoding="utf-8"?>
+<ds:datastoreItem xmlns:ds="http://schemas.openxmlformats.org/officeDocument/2006/customXml" ds:itemID="{6CAE292F-FD89-4F6D-910D-2C5605E3D35A}">
+  <ds:schemaRefs>
+    <ds:schemaRef ds:uri="http://schemas.microsoft.com/VisualStudio/2011/storyboarding/control"/>
+  </ds:schemaRefs>
+</ds:datastoreItem>
+</file>
+
+<file path=customXml/itemProps52.xml><?xml version="1.0" encoding="utf-8"?>
+<ds:datastoreItem xmlns:ds="http://schemas.openxmlformats.org/officeDocument/2006/customXml" ds:itemID="{A00892C2-213B-4D05-802E-DD6EA36F62CA}">
+  <ds:schemaRefs>
+    <ds:schemaRef ds:uri="http://schemas.microsoft.com/VisualStudio/2011/storyboarding/control"/>
+  </ds:schemaRefs>
+</ds:datastoreItem>
+</file>
+
+<file path=customXml/itemProps53.xml><?xml version="1.0" encoding="utf-8"?>
+<ds:datastoreItem xmlns:ds="http://schemas.openxmlformats.org/officeDocument/2006/customXml" ds:itemID="{791B17A9-15C2-42A3-B151-9AD24F60F95D}">
+  <ds:schemaRefs>
+    <ds:schemaRef ds:uri="http://schemas.microsoft.com/VisualStudio/2011/storyboarding/control"/>
+  </ds:schemaRefs>
+</ds:datastoreItem>
+</file>
+
+<file path=customXml/itemProps54.xml><?xml version="1.0" encoding="utf-8"?>
+<ds:datastoreItem xmlns:ds="http://schemas.openxmlformats.org/officeDocument/2006/customXml" ds:itemID="{ADD2FE2A-D1F3-4375-9E9C-984067E981CB}">
+  <ds:schemaRefs>
+    <ds:schemaRef ds:uri="http://schemas.microsoft.com/VisualStudio/2011/storyboarding/control"/>
+  </ds:schemaRefs>
+</ds:datastoreItem>
+</file>
+
+<file path=customXml/itemProps55.xml><?xml version="1.0" encoding="utf-8"?>
+<ds:datastoreItem xmlns:ds="http://schemas.openxmlformats.org/officeDocument/2006/customXml" ds:itemID="{1C0C511F-E67D-4D4A-9A7B-6E9F2916E4D8}">
+  <ds:schemaRefs>
+    <ds:schemaRef ds:uri="http://schemas.microsoft.com/VisualStudio/2011/storyboarding/control"/>
+  </ds:schemaRefs>
+</ds:datastoreItem>
+</file>
+
+<file path=customXml/itemProps56.xml><?xml version="1.0" encoding="utf-8"?>
+<ds:datastoreItem xmlns:ds="http://schemas.openxmlformats.org/officeDocument/2006/customXml" ds:itemID="{BAC90667-164A-4A8A-BAAA-128B7BE8061D}">
+  <ds:schemaRefs>
+    <ds:schemaRef ds:uri="http://schemas.microsoft.com/VisualStudio/2011/storyboarding/control"/>
+  </ds:schemaRefs>
+</ds:datastoreItem>
+</file>
+
+<file path=customXml/itemProps57.xml><?xml version="1.0" encoding="utf-8"?>
+<ds:datastoreItem xmlns:ds="http://schemas.openxmlformats.org/officeDocument/2006/customXml" ds:itemID="{7BED2F25-4B0A-47AE-BA03-A9133EADA07E}">
+  <ds:schemaRefs>
+    <ds:schemaRef ds:uri="http://schemas.microsoft.com/VisualStudio/2011/storyboarding/control"/>
+  </ds:schemaRefs>
+</ds:datastoreItem>
+</file>
+
+<file path=customXml/itemProps58.xml><?xml version="1.0" encoding="utf-8"?>
+<ds:datastoreItem xmlns:ds="http://schemas.openxmlformats.org/officeDocument/2006/customXml" ds:itemID="{BC0AA183-3690-4275-A7B1-801B085309DD}">
+  <ds:schemaRefs>
+    <ds:schemaRef ds:uri="http://schemas.microsoft.com/VisualStudio/2011/storyboarding/control"/>
+  </ds:schemaRefs>
+</ds:datastoreItem>
+</file>
+
+<file path=customXml/itemProps59.xml><?xml version="1.0" encoding="utf-8"?>
+<ds:datastoreItem xmlns:ds="http://schemas.openxmlformats.org/officeDocument/2006/customXml" ds:itemID="{B6DA0277-A3EB-4F0A-84B2-6E58909CC0BC}">
+  <ds:schemaRefs>
+    <ds:schemaRef ds:uri="http://schemas.microsoft.com/VisualStudio/2011/storyboarding/control"/>
+  </ds:schemaRefs>
+</ds:datastoreItem>
+</file>
+
+<file path=customXml/itemProps6.xml><?xml version="1.0" encoding="utf-8"?>
+<ds:datastoreItem xmlns:ds="http://schemas.openxmlformats.org/officeDocument/2006/customXml" ds:itemID="{B86ED811-76FA-470E-BF65-7B08F4E478BD}">
+  <ds:schemaRefs>
+    <ds:schemaRef ds:uri="http://schemas.microsoft.com/VisualStudio/2011/storyboarding/control"/>
+  </ds:schemaRefs>
+</ds:datastoreItem>
+</file>
+
+<file path=customXml/itemProps60.xml><?xml version="1.0" encoding="utf-8"?>
+<ds:datastoreItem xmlns:ds="http://schemas.openxmlformats.org/officeDocument/2006/customXml" ds:itemID="{D9AAC72D-494D-41B7-826F-9303EDE27B71}">
+  <ds:schemaRefs>
+    <ds:schemaRef ds:uri="http://schemas.microsoft.com/VisualStudio/2011/storyboarding/control"/>
+  </ds:schemaRefs>
+</ds:datastoreItem>
+</file>
+
+<file path=customXml/itemProps61.xml><?xml version="1.0" encoding="utf-8"?>
+<ds:datastoreItem xmlns:ds="http://schemas.openxmlformats.org/officeDocument/2006/customXml" ds:itemID="{75F7A925-CDCF-44C7-AAC9-ED81A7152AAE}">
+  <ds:schemaRefs>
+    <ds:schemaRef ds:uri="http://schemas.microsoft.com/VisualStudio/2011/storyboarding/control"/>
+  </ds:schemaRefs>
+</ds:datastoreItem>
+</file>
+
+<file path=customXml/itemProps62.xml><?xml version="1.0" encoding="utf-8"?>
 <ds:datastoreItem xmlns:ds="http://schemas.openxmlformats.org/officeDocument/2006/customXml" ds:itemID="{814A03FC-C3A4-4873-9570-B69CCBE32003}">
   <ds:schemaRefs>
     <ds:schemaRef ds:uri="http://schemas.microsoft.com/VisualStudio/2011/storyboarding/control"/>
@@ -26559,71 +26892,7 @@
 </ds:datastoreItem>
 </file>
 
-<file path=customXml/itemProps45.xml><?xml version="1.0" encoding="utf-8"?>
-<ds:datastoreItem xmlns:ds="http://schemas.openxmlformats.org/officeDocument/2006/customXml" ds:itemID="{B2FDDC24-82E2-4FB5-B7F5-E04E98EC8EC4}">
-  <ds:schemaRefs>
-    <ds:schemaRef ds:uri="http://schemas.microsoft.com/VisualStudio/2011/storyboarding/control"/>
-  </ds:schemaRefs>
-</ds:datastoreItem>
-</file>
-
-<file path=customXml/itemProps46.xml><?xml version="1.0" encoding="utf-8"?>
-<ds:datastoreItem xmlns:ds="http://schemas.openxmlformats.org/officeDocument/2006/customXml" ds:itemID="{54096EDF-8844-4AF1-A245-67F5F80754AD}">
-  <ds:schemaRefs>
-    <ds:schemaRef ds:uri="http://schemas.microsoft.com/VisualStudio/2011/storyboarding/control"/>
-  </ds:schemaRefs>
-</ds:datastoreItem>
-</file>
-
-<file path=customXml/itemProps47.xml><?xml version="1.0" encoding="utf-8"?>
-<ds:datastoreItem xmlns:ds="http://schemas.openxmlformats.org/officeDocument/2006/customXml" ds:itemID="{F8288DEA-22B9-443B-ABE1-014EF687A73A}">
-  <ds:schemaRefs>
-    <ds:schemaRef ds:uri="http://schemas.microsoft.com/VisualStudio/2011/storyboarding/control"/>
-  </ds:schemaRefs>
-</ds:datastoreItem>
-</file>
-
-<file path=customXml/itemProps48.xml><?xml version="1.0" encoding="utf-8"?>
-<ds:datastoreItem xmlns:ds="http://schemas.openxmlformats.org/officeDocument/2006/customXml" ds:itemID="{E23F885F-9866-4557-ACFA-2AA3F6094078}">
-  <ds:schemaRefs>
-    <ds:schemaRef ds:uri="http://schemas.microsoft.com/VisualStudio/2011/storyboarding/control"/>
-  </ds:schemaRefs>
-</ds:datastoreItem>
-</file>
-
-<file path=customXml/itemProps49.xml><?xml version="1.0" encoding="utf-8"?>
-<ds:datastoreItem xmlns:ds="http://schemas.openxmlformats.org/officeDocument/2006/customXml" ds:itemID="{BC0AA183-3690-4275-A7B1-801B085309DD}">
-  <ds:schemaRefs>
-    <ds:schemaRef ds:uri="http://schemas.microsoft.com/VisualStudio/2011/storyboarding/control"/>
-  </ds:schemaRefs>
-</ds:datastoreItem>
-</file>
-
-<file path=customXml/itemProps5.xml><?xml version="1.0" encoding="utf-8"?>
-<ds:datastoreItem xmlns:ds="http://schemas.openxmlformats.org/officeDocument/2006/customXml" ds:itemID="{963D2681-3D12-4187-95F8-03F5A6F33291}">
-  <ds:schemaRefs>
-    <ds:schemaRef ds:uri="http://schemas.microsoft.com/VisualStudio/2011/storyboarding/control"/>
-  </ds:schemaRefs>
-</ds:datastoreItem>
-</file>
-
-<file path=customXml/itemProps50.xml><?xml version="1.0" encoding="utf-8"?>
-<ds:datastoreItem xmlns:ds="http://schemas.openxmlformats.org/officeDocument/2006/customXml" ds:itemID="{8E3DB2DB-8C88-4EF8-A2D0-7330BF0FA28D}">
-  <ds:schemaRefs>
-    <ds:schemaRef ds:uri="http://schemas.microsoft.com/VisualStudio/2011/storyboarding/control"/>
-  </ds:schemaRefs>
-</ds:datastoreItem>
-</file>
-
-<file path=customXml/itemProps51.xml><?xml version="1.0" encoding="utf-8"?>
-<ds:datastoreItem xmlns:ds="http://schemas.openxmlformats.org/officeDocument/2006/customXml" ds:itemID="{EA9EA9DB-BC80-488C-80A0-CC56FD375DBA}">
-  <ds:schemaRefs>
-    <ds:schemaRef ds:uri="http://schemas.microsoft.com/VisualStudio/2011/storyboarding/control"/>
-  </ds:schemaRefs>
-</ds:datastoreItem>
-</file>
-
-<file path=customXml/itemProps52.xml><?xml version="1.0" encoding="utf-8"?>
+<file path=customXml/itemProps63.xml><?xml version="1.0" encoding="utf-8"?>
 <ds:datastoreItem xmlns:ds="http://schemas.openxmlformats.org/officeDocument/2006/customXml" ds:itemID="{C89A5AE4-31C4-432B-AB3B-2DEDF1730F58}">
   <ds:schemaRefs>
     <ds:schemaRef ds:uri="http://schemas.microsoft.com/VisualStudio/2011/storyboarding/control"/>
@@ -26631,104 +26900,8 @@
 </ds:datastoreItem>
 </file>
 
-<file path=customXml/itemProps53.xml><?xml version="1.0" encoding="utf-8"?>
-<ds:datastoreItem xmlns:ds="http://schemas.openxmlformats.org/officeDocument/2006/customXml" ds:itemID="{749907B2-9336-456D-A581-D25D95EDE8BE}">
-  <ds:schemaRefs>
-    <ds:schemaRef ds:uri="http://schemas.microsoft.com/VisualStudio/2011/storyboarding/control"/>
-  </ds:schemaRefs>
-</ds:datastoreItem>
-</file>
-
-<file path=customXml/itemProps54.xml><?xml version="1.0" encoding="utf-8"?>
-<ds:datastoreItem xmlns:ds="http://schemas.openxmlformats.org/officeDocument/2006/customXml" ds:itemID="{D69DE91C-82A6-40CD-9736-E24D1E6FB6E9}">
-  <ds:schemaRefs>
-    <ds:schemaRef ds:uri="http://schemas.microsoft.com/VisualStudio/2011/storyboarding/control"/>
-  </ds:schemaRefs>
-</ds:datastoreItem>
-</file>
-
-<file path=customXml/itemProps55.xml><?xml version="1.0" encoding="utf-8"?>
-<ds:datastoreItem xmlns:ds="http://schemas.openxmlformats.org/officeDocument/2006/customXml" ds:itemID="{A3C76FA4-F239-4FB3-B9E1-FF997FA1107F}">
-  <ds:schemaRefs>
-    <ds:schemaRef ds:uri="http://schemas.microsoft.com/VisualStudio/2011/storyboarding/control"/>
-  </ds:schemaRefs>
-</ds:datastoreItem>
-</file>
-
-<file path=customXml/itemProps56.xml><?xml version="1.0" encoding="utf-8"?>
-<ds:datastoreItem xmlns:ds="http://schemas.openxmlformats.org/officeDocument/2006/customXml" ds:itemID="{FB913C09-5FF3-4DBC-A409-A3629F85486F}">
-  <ds:schemaRefs>
-    <ds:schemaRef ds:uri="http://schemas.microsoft.com/VisualStudio/2011/storyboarding/control"/>
-  </ds:schemaRefs>
-</ds:datastoreItem>
-</file>
-
-<file path=customXml/itemProps57.xml><?xml version="1.0" encoding="utf-8"?>
-<ds:datastoreItem xmlns:ds="http://schemas.openxmlformats.org/officeDocument/2006/customXml" ds:itemID="{B6DA0277-A3EB-4F0A-84B2-6E58909CC0BC}">
-  <ds:schemaRefs>
-    <ds:schemaRef ds:uri="http://schemas.microsoft.com/VisualStudio/2011/storyboarding/control"/>
-  </ds:schemaRefs>
-</ds:datastoreItem>
-</file>
-
-<file path=customXml/itemProps58.xml><?xml version="1.0" encoding="utf-8"?>
-<ds:datastoreItem xmlns:ds="http://schemas.openxmlformats.org/officeDocument/2006/customXml" ds:itemID="{4E5D278F-7FCD-48BB-BBEA-88293C585644}">
-  <ds:schemaRefs>
-    <ds:schemaRef ds:uri="http://schemas.microsoft.com/VisualStudio/2011/storyboarding/control"/>
-  </ds:schemaRefs>
-</ds:datastoreItem>
-</file>
-
-<file path=customXml/itemProps59.xml><?xml version="1.0" encoding="utf-8"?>
-<ds:datastoreItem xmlns:ds="http://schemas.openxmlformats.org/officeDocument/2006/customXml" ds:itemID="{BE9F8366-F0F5-4DC5-AE94-ABE4A9381FDA}">
-  <ds:schemaRefs>
-    <ds:schemaRef ds:uri="http://schemas.microsoft.com/VisualStudio/2011/storyboarding/control"/>
-  </ds:schemaRefs>
-</ds:datastoreItem>
-</file>
-
-<file path=customXml/itemProps6.xml><?xml version="1.0" encoding="utf-8"?>
-<ds:datastoreItem xmlns:ds="http://schemas.openxmlformats.org/officeDocument/2006/customXml" ds:itemID="{791B17A9-15C2-42A3-B151-9AD24F60F95D}">
-  <ds:schemaRefs>
-    <ds:schemaRef ds:uri="http://schemas.microsoft.com/VisualStudio/2011/storyboarding/control"/>
-  </ds:schemaRefs>
-</ds:datastoreItem>
-</file>
-
-<file path=customXml/itemProps60.xml><?xml version="1.0" encoding="utf-8"?>
+<file path=customXml/itemProps64.xml><?xml version="1.0" encoding="utf-8"?>
 <ds:datastoreItem xmlns:ds="http://schemas.openxmlformats.org/officeDocument/2006/customXml" ds:itemID="{D4EFD01A-CA4F-4468-85A3-D3DD614A406B}">
-  <ds:schemaRefs>
-    <ds:schemaRef ds:uri="http://schemas.microsoft.com/VisualStudio/2011/storyboarding/control"/>
-  </ds:schemaRefs>
-</ds:datastoreItem>
-</file>
-
-<file path=customXml/itemProps61.xml><?xml version="1.0" encoding="utf-8"?>
-<ds:datastoreItem xmlns:ds="http://schemas.openxmlformats.org/officeDocument/2006/customXml" ds:itemID="{386E302C-01E1-4794-866D-4FA0B3E1AF50}">
-  <ds:schemaRefs>
-    <ds:schemaRef ds:uri="http://schemas.microsoft.com/VisualStudio/2011/storyboarding/control"/>
-  </ds:schemaRefs>
-</ds:datastoreItem>
-</file>
-
-<file path=customXml/itemProps62.xml><?xml version="1.0" encoding="utf-8"?>
-<ds:datastoreItem xmlns:ds="http://schemas.openxmlformats.org/officeDocument/2006/customXml" ds:itemID="{09320151-E71B-43ED-859E-2B0EFB898797}">
-  <ds:schemaRefs>
-    <ds:schemaRef ds:uri="http://schemas.microsoft.com/VisualStudio/2011/storyboarding/control"/>
-  </ds:schemaRefs>
-</ds:datastoreItem>
-</file>
-
-<file path=customXml/itemProps63.xml><?xml version="1.0" encoding="utf-8"?>
-<ds:datastoreItem xmlns:ds="http://schemas.openxmlformats.org/officeDocument/2006/customXml" ds:itemID="{8473A26F-7946-478D-9DA7-9A49FC20E512}">
-  <ds:schemaRefs>
-    <ds:schemaRef ds:uri="http://schemas.microsoft.com/VisualStudio/2011/storyboarding/control"/>
-  </ds:schemaRefs>
-</ds:datastoreItem>
-</file>
-
-<file path=customXml/itemProps64.xml><?xml version="1.0" encoding="utf-8"?>
-<ds:datastoreItem xmlns:ds="http://schemas.openxmlformats.org/officeDocument/2006/customXml" ds:itemID="{A0951CD3-D0AB-42CB-83AF-2C81D4E71AFE}">
   <ds:schemaRefs>
     <ds:schemaRef ds:uri="http://schemas.microsoft.com/VisualStudio/2011/storyboarding/control"/>
   </ds:schemaRefs>
@@ -26744,7 +26917,7 @@
 </file>
 
 <file path=customXml/itemProps66.xml><?xml version="1.0" encoding="utf-8"?>
-<ds:datastoreItem xmlns:ds="http://schemas.openxmlformats.org/officeDocument/2006/customXml" ds:itemID="{B86ED811-76FA-470E-BF65-7B08F4E478BD}">
+<ds:datastoreItem xmlns:ds="http://schemas.openxmlformats.org/officeDocument/2006/customXml" ds:itemID="{227E5C53-C01D-4E70-A6B9-862CEA9643DB}">
   <ds:schemaRefs>
     <ds:schemaRef ds:uri="http://schemas.microsoft.com/VisualStudio/2011/storyboarding/control"/>
   </ds:schemaRefs>
@@ -26752,7 +26925,7 @@
 </file>
 
 <file path=customXml/itemProps67.xml><?xml version="1.0" encoding="utf-8"?>
-<ds:datastoreItem xmlns:ds="http://schemas.openxmlformats.org/officeDocument/2006/customXml" ds:itemID="{B9E26101-96F9-4F40-9878-A1B1117DD9D1}">
+<ds:datastoreItem xmlns:ds="http://schemas.openxmlformats.org/officeDocument/2006/customXml" ds:itemID="{78353A13-B082-4437-A84F-74667BA559BC}">
   <ds:schemaRefs>
     <ds:schemaRef ds:uri="http://schemas.microsoft.com/VisualStudio/2011/storyboarding/control"/>
   </ds:schemaRefs>
@@ -26760,6 +26933,190 @@
 </file>
 
 <file path=customXml/itemProps68.xml><?xml version="1.0" encoding="utf-8"?>
+<ds:datastoreItem xmlns:ds="http://schemas.openxmlformats.org/officeDocument/2006/customXml" ds:itemID="{1256E2D0-257D-4FB8-BC1B-3666B5007269}">
+  <ds:schemaRefs>
+    <ds:schemaRef ds:uri="http://schemas.microsoft.com/VisualStudio/2011/storyboarding/control"/>
+  </ds:schemaRefs>
+</ds:datastoreItem>
+</file>
+
+<file path=customXml/itemProps69.xml><?xml version="1.0" encoding="utf-8"?>
+<ds:datastoreItem xmlns:ds="http://schemas.openxmlformats.org/officeDocument/2006/customXml" ds:itemID="{CCE23676-7212-4FCA-ABFB-70FF7FF618C0}">
+  <ds:schemaRefs>
+    <ds:schemaRef ds:uri="http://schemas.microsoft.com/VisualStudio/2011/storyboarding/control"/>
+  </ds:schemaRefs>
+</ds:datastoreItem>
+</file>
+
+<file path=customXml/itemProps7.xml><?xml version="1.0" encoding="utf-8"?>
+<ds:datastoreItem xmlns:ds="http://schemas.openxmlformats.org/officeDocument/2006/customXml" ds:itemID="{78E34AD7-67E9-4538-9E4E-0013BA69B386}">
+  <ds:schemaRefs>
+    <ds:schemaRef ds:uri="http://schemas.microsoft.com/VisualStudio/2011/storyboarding/control"/>
+  </ds:schemaRefs>
+</ds:datastoreItem>
+</file>
+
+<file path=customXml/itemProps70.xml><?xml version="1.0" encoding="utf-8"?>
+<ds:datastoreItem xmlns:ds="http://schemas.openxmlformats.org/officeDocument/2006/customXml" ds:itemID="{B945FD6A-04E9-4DD2-94EC-104268517FC4}">
+  <ds:schemaRefs>
+    <ds:schemaRef ds:uri="http://schemas.microsoft.com/VisualStudio/2011/storyboarding/control"/>
+  </ds:schemaRefs>
+</ds:datastoreItem>
+</file>
+
+<file path=customXml/itemProps71.xml><?xml version="1.0" encoding="utf-8"?>
+<ds:datastoreItem xmlns:ds="http://schemas.openxmlformats.org/officeDocument/2006/customXml" ds:itemID="{E633A100-67AC-4527-A659-C7C384F934AC}">
+  <ds:schemaRefs>
+    <ds:schemaRef ds:uri="http://schemas.microsoft.com/VisualStudio/2011/storyboarding/control"/>
+  </ds:schemaRefs>
+</ds:datastoreItem>
+</file>
+
+<file path=customXml/itemProps72.xml><?xml version="1.0" encoding="utf-8"?>
+<ds:datastoreItem xmlns:ds="http://schemas.openxmlformats.org/officeDocument/2006/customXml" ds:itemID="{22BBB2FA-F8D8-485D-82A6-F1C443370B32}">
+  <ds:schemaRefs>
+    <ds:schemaRef ds:uri="http://schemas.microsoft.com/VisualStudio/2011/storyboarding/control"/>
+  </ds:schemaRefs>
+</ds:datastoreItem>
+</file>
+
+<file path=customXml/itemProps73.xml><?xml version="1.0" encoding="utf-8"?>
+<ds:datastoreItem xmlns:ds="http://schemas.openxmlformats.org/officeDocument/2006/customXml" ds:itemID="{BA1487F5-A4B7-43CA-B32B-AC709F1635D5}">
+  <ds:schemaRefs>
+    <ds:schemaRef ds:uri="http://schemas.microsoft.com/VisualStudio/2011/storyboarding/control"/>
+  </ds:schemaRefs>
+</ds:datastoreItem>
+</file>
+
+<file path=customXml/itemProps74.xml><?xml version="1.0" encoding="utf-8"?>
+<ds:datastoreItem xmlns:ds="http://schemas.openxmlformats.org/officeDocument/2006/customXml" ds:itemID="{7BF6A191-2A8C-4C99-BF02-1A903C1257C8}">
+  <ds:schemaRefs>
+    <ds:schemaRef ds:uri="http://schemas.microsoft.com/VisualStudio/2011/storyboarding/control"/>
+  </ds:schemaRefs>
+</ds:datastoreItem>
+</file>
+
+<file path=customXml/itemProps75.xml><?xml version="1.0" encoding="utf-8"?>
+<ds:datastoreItem xmlns:ds="http://schemas.openxmlformats.org/officeDocument/2006/customXml" ds:itemID="{817BDAB2-6CAE-4F44-93B0-1A021EF03CE4}">
+  <ds:schemaRefs>
+    <ds:schemaRef ds:uri="http://schemas.microsoft.com/VisualStudio/2011/storyboarding/control"/>
+  </ds:schemaRefs>
+</ds:datastoreItem>
+</file>
+
+<file path=customXml/itemProps76.xml><?xml version="1.0" encoding="utf-8"?>
+<ds:datastoreItem xmlns:ds="http://schemas.openxmlformats.org/officeDocument/2006/customXml" ds:itemID="{A547CB25-022E-4F62-95D8-86B932E8AC9F}">
+  <ds:schemaRefs>
+    <ds:schemaRef ds:uri="http://schemas.microsoft.com/VisualStudio/2011/storyboarding/control"/>
+  </ds:schemaRefs>
+</ds:datastoreItem>
+</file>
+
+<file path=customXml/itemProps77.xml><?xml version="1.0" encoding="utf-8"?>
+<ds:datastoreItem xmlns:ds="http://schemas.openxmlformats.org/officeDocument/2006/customXml" ds:itemID="{8E3DB2DB-8C88-4EF8-A2D0-7330BF0FA28D}">
+  <ds:schemaRefs>
+    <ds:schemaRef ds:uri="http://schemas.microsoft.com/VisualStudio/2011/storyboarding/control"/>
+  </ds:schemaRefs>
+</ds:datastoreItem>
+</file>
+
+<file path=customXml/itemProps78.xml><?xml version="1.0" encoding="utf-8"?>
+<ds:datastoreItem xmlns:ds="http://schemas.openxmlformats.org/officeDocument/2006/customXml" ds:itemID="{A3C76FA4-F239-4FB3-B9E1-FF997FA1107F}">
+  <ds:schemaRefs>
+    <ds:schemaRef ds:uri="http://schemas.microsoft.com/VisualStudio/2011/storyboarding/control"/>
+  </ds:schemaRefs>
+</ds:datastoreItem>
+</file>
+
+<file path=customXml/itemProps79.xml><?xml version="1.0" encoding="utf-8"?>
+<ds:datastoreItem xmlns:ds="http://schemas.openxmlformats.org/officeDocument/2006/customXml" ds:itemID="{84CEE309-514A-49A8-8D51-44EB0D78ECE2}">
+  <ds:schemaRefs>
+    <ds:schemaRef ds:uri="http://schemas.microsoft.com/VisualStudio/2011/storyboarding/control"/>
+  </ds:schemaRefs>
+</ds:datastoreItem>
+</file>
+
+<file path=customXml/itemProps8.xml><?xml version="1.0" encoding="utf-8"?>
+<ds:datastoreItem xmlns:ds="http://schemas.openxmlformats.org/officeDocument/2006/customXml" ds:itemID="{B2B24FB6-85BB-407E-9155-09198E969BA6}">
+  <ds:schemaRefs>
+    <ds:schemaRef ds:uri="http://schemas.microsoft.com/VisualStudio/2011/storyboarding/control"/>
+  </ds:schemaRefs>
+</ds:datastoreItem>
+</file>
+
+<file path=customXml/itemProps80.xml><?xml version="1.0" encoding="utf-8"?>
+<ds:datastoreItem xmlns:ds="http://schemas.openxmlformats.org/officeDocument/2006/customXml" ds:itemID="{AD80B81F-1663-4383-8923-3765025EB686}">
+  <ds:schemaRefs>
+    <ds:schemaRef ds:uri="http://schemas.microsoft.com/VisualStudio/2011/storyboarding/control"/>
+  </ds:schemaRefs>
+</ds:datastoreItem>
+</file>
+
+<file path=customXml/itemProps81.xml><?xml version="1.0" encoding="utf-8"?>
+<ds:datastoreItem xmlns:ds="http://schemas.openxmlformats.org/officeDocument/2006/customXml" ds:itemID="{60320C3D-A167-4282-9919-09C183726490}">
+  <ds:schemaRefs>
+    <ds:schemaRef ds:uri="http://schemas.microsoft.com/VisualStudio/2011/storyboarding/control"/>
+  </ds:schemaRefs>
+</ds:datastoreItem>
+</file>
+
+<file path=customXml/itemProps82.xml><?xml version="1.0" encoding="utf-8"?>
+<ds:datastoreItem xmlns:ds="http://schemas.openxmlformats.org/officeDocument/2006/customXml" ds:itemID="{A3463434-F9B8-4B47-9D02-CB2F324063ED}">
+  <ds:schemaRefs>
+    <ds:schemaRef ds:uri="http://schemas.microsoft.com/VisualStudio/2011/storyboarding/control"/>
+  </ds:schemaRefs>
+</ds:datastoreItem>
+</file>
+
+<file path=customXml/itemProps83.xml><?xml version="1.0" encoding="utf-8"?>
+<ds:datastoreItem xmlns:ds="http://schemas.openxmlformats.org/officeDocument/2006/customXml" ds:itemID="{DC5D4FC3-B708-47AD-A0D7-B98414327C2F}">
+  <ds:schemaRefs>
+    <ds:schemaRef ds:uri="http://schemas.microsoft.com/VisualStudio/2011/storyboarding/control"/>
+  </ds:schemaRefs>
+</ds:datastoreItem>
+</file>
+
+<file path=customXml/itemProps84.xml><?xml version="1.0" encoding="utf-8"?>
+<ds:datastoreItem xmlns:ds="http://schemas.openxmlformats.org/officeDocument/2006/customXml" ds:itemID="{229CB539-3BDB-4B73-992D-D0B9FD8C2D51}">
+  <ds:schemaRefs>
+    <ds:schemaRef ds:uri="http://schemas.microsoft.com/VisualStudio/2011/storyboarding/control"/>
+  </ds:schemaRefs>
+</ds:datastoreItem>
+</file>
+
+<file path=customXml/itemProps85.xml><?xml version="1.0" encoding="utf-8"?>
+<ds:datastoreItem xmlns:ds="http://schemas.openxmlformats.org/officeDocument/2006/customXml" ds:itemID="{18C4FC80-2CD4-4621-8D88-8A3D12713A3C}">
+  <ds:schemaRefs>
+    <ds:schemaRef ds:uri="http://schemas.microsoft.com/VisualStudio/2011/storyboarding/control"/>
+  </ds:schemaRefs>
+</ds:datastoreItem>
+</file>
+
+<file path=customXml/itemProps86.xml><?xml version="1.0" encoding="utf-8"?>
+<ds:datastoreItem xmlns:ds="http://schemas.openxmlformats.org/officeDocument/2006/customXml" ds:itemID="{25E6B38B-F703-4B2C-A75A-8AF5AE258929}">
+  <ds:schemaRefs>
+    <ds:schemaRef ds:uri="http://schemas.microsoft.com/VisualStudio/2011/storyboarding/control"/>
+  </ds:schemaRefs>
+</ds:datastoreItem>
+</file>
+
+<file path=customXml/itemProps87.xml><?xml version="1.0" encoding="utf-8"?>
+<ds:datastoreItem xmlns:ds="http://schemas.openxmlformats.org/officeDocument/2006/customXml" ds:itemID="{F8288DEA-22B9-443B-ABE1-014EF687A73A}">
+  <ds:schemaRefs>
+    <ds:schemaRef ds:uri="http://schemas.microsoft.com/VisualStudio/2011/storyboarding/control"/>
+  </ds:schemaRefs>
+</ds:datastoreItem>
+</file>
+
+<file path=customXml/itemProps88.xml><?xml version="1.0" encoding="utf-8"?>
+<ds:datastoreItem xmlns:ds="http://schemas.openxmlformats.org/officeDocument/2006/customXml" ds:itemID="{8473A26F-7946-478D-9DA7-9A49FC20E512}">
+  <ds:schemaRefs>
+    <ds:schemaRef ds:uri="http://schemas.microsoft.com/VisualStudio/2011/storyboarding/control"/>
+  </ds:schemaRefs>
+</ds:datastoreItem>
+</file>
+
+<file path=customXml/itemProps89.xml><?xml version="1.0" encoding="utf-8"?>
 <ds:datastoreItem xmlns:ds="http://schemas.openxmlformats.org/officeDocument/2006/customXml" ds:itemID="{FB4E5412-9FC0-4F6E-A592-166A3ED9B5BA}">
   <ds:schemaRefs>
     <ds:schemaRef ds:uri="http://schemas.microsoft.com/VisualStudio/2011/storyboarding/control"/>
@@ -26767,143 +27124,15 @@
 </ds:datastoreItem>
 </file>
 
-<file path=customXml/itemProps69.xml><?xml version="1.0" encoding="utf-8"?>
-<ds:datastoreItem xmlns:ds="http://schemas.openxmlformats.org/officeDocument/2006/customXml" ds:itemID="{55ED4C64-3C02-42E9-8CAD-93AFE18EA656}">
+<file path=customXml/itemProps9.xml><?xml version="1.0" encoding="utf-8"?>
+<ds:datastoreItem xmlns:ds="http://schemas.openxmlformats.org/officeDocument/2006/customXml" ds:itemID="{C5605554-8DDB-4D59-9C53-5B746B724ACF}">
   <ds:schemaRefs>
     <ds:schemaRef ds:uri="http://schemas.microsoft.com/VisualStudio/2011/storyboarding/control"/>
   </ds:schemaRefs>
 </ds:datastoreItem>
 </file>
 
-<file path=customXml/itemProps7.xml><?xml version="1.0" encoding="utf-8"?>
-<ds:datastoreItem xmlns:ds="http://schemas.openxmlformats.org/officeDocument/2006/customXml" ds:itemID="{60320C3D-A167-4282-9919-09C183726490}">
-  <ds:schemaRefs>
-    <ds:schemaRef ds:uri="http://schemas.microsoft.com/VisualStudio/2011/storyboarding/control"/>
-  </ds:schemaRefs>
-</ds:datastoreItem>
-</file>
-
-<file path=customXml/itemProps70.xml><?xml version="1.0" encoding="utf-8"?>
-<ds:datastoreItem xmlns:ds="http://schemas.openxmlformats.org/officeDocument/2006/customXml" ds:itemID="{18C51719-3C9F-4C49-B593-1846F9EE20AB}">
-  <ds:schemaRefs>
-    <ds:schemaRef ds:uri="http://schemas.microsoft.com/VisualStudio/2011/storyboarding/control"/>
-  </ds:schemaRefs>
-</ds:datastoreItem>
-</file>
-
-<file path=customXml/itemProps71.xml><?xml version="1.0" encoding="utf-8"?>
-<ds:datastoreItem xmlns:ds="http://schemas.openxmlformats.org/officeDocument/2006/customXml" ds:itemID="{A3463434-F9B8-4B47-9D02-CB2F324063ED}">
-  <ds:schemaRefs>
-    <ds:schemaRef ds:uri="http://schemas.microsoft.com/VisualStudio/2011/storyboarding/control"/>
-  </ds:schemaRefs>
-</ds:datastoreItem>
-</file>
-
-<file path=customXml/itemProps72.xml><?xml version="1.0" encoding="utf-8"?>
-<ds:datastoreItem xmlns:ds="http://schemas.openxmlformats.org/officeDocument/2006/customXml" ds:itemID="{DE9DBA39-9F6C-4B5C-BDCD-90EAFADFFE56}">
-  <ds:schemaRefs>
-    <ds:schemaRef ds:uri="http://schemas.microsoft.com/VisualStudio/2011/storyboarding/control"/>
-  </ds:schemaRefs>
-</ds:datastoreItem>
-</file>
-
-<file path=customXml/itemProps73.xml><?xml version="1.0" encoding="utf-8"?>
-<ds:datastoreItem xmlns:ds="http://schemas.openxmlformats.org/officeDocument/2006/customXml" ds:itemID="{227E5C53-C01D-4E70-A6B9-862CEA9643DB}">
-  <ds:schemaRefs>
-    <ds:schemaRef ds:uri="http://schemas.microsoft.com/VisualStudio/2011/storyboarding/control"/>
-  </ds:schemaRefs>
-</ds:datastoreItem>
-</file>
-
-<file path=customXml/itemProps74.xml><?xml version="1.0" encoding="utf-8"?>
-<ds:datastoreItem xmlns:ds="http://schemas.openxmlformats.org/officeDocument/2006/customXml" ds:itemID="{78E34AD7-67E9-4538-9E4E-0013BA69B386}">
-  <ds:schemaRefs>
-    <ds:schemaRef ds:uri="http://schemas.microsoft.com/VisualStudio/2011/storyboarding/control"/>
-  </ds:schemaRefs>
-</ds:datastoreItem>
-</file>
-
-<file path=customXml/itemProps75.xml><?xml version="1.0" encoding="utf-8"?>
-<ds:datastoreItem xmlns:ds="http://schemas.openxmlformats.org/officeDocument/2006/customXml" ds:itemID="{CDD409C7-71C2-4C65-BCFB-149C300005F6}">
-  <ds:schemaRefs>
-    <ds:schemaRef ds:uri="http://schemas.microsoft.com/VisualStudio/2011/storyboarding/control"/>
-  </ds:schemaRefs>
-</ds:datastoreItem>
-</file>
-
-<file path=customXml/itemProps76.xml><?xml version="1.0" encoding="utf-8"?>
-<ds:datastoreItem xmlns:ds="http://schemas.openxmlformats.org/officeDocument/2006/customXml" ds:itemID="{84CEE309-514A-49A8-8D51-44EB0D78ECE2}">
-  <ds:schemaRefs>
-    <ds:schemaRef ds:uri="http://schemas.microsoft.com/VisualStudio/2011/storyboarding/control"/>
-  </ds:schemaRefs>
-</ds:datastoreItem>
-</file>
-
-<file path=customXml/itemProps77.xml><?xml version="1.0" encoding="utf-8"?>
-<ds:datastoreItem xmlns:ds="http://schemas.openxmlformats.org/officeDocument/2006/customXml" ds:itemID="{EAB0C7F1-CC68-4D22-8FEA-88AFDBE02341}">
-  <ds:schemaRefs>
-    <ds:schemaRef ds:uri="http://schemas.microsoft.com/VisualStudio/2011/storyboarding/control"/>
-  </ds:schemaRefs>
-</ds:datastoreItem>
-</file>
-
-<file path=customXml/itemProps78.xml><?xml version="1.0" encoding="utf-8"?>
-<ds:datastoreItem xmlns:ds="http://schemas.openxmlformats.org/officeDocument/2006/customXml" ds:itemID="{78353A13-B082-4437-A84F-74667BA559BC}">
-  <ds:schemaRefs>
-    <ds:schemaRef ds:uri="http://schemas.microsoft.com/VisualStudio/2011/storyboarding/control"/>
-  </ds:schemaRefs>
-</ds:datastoreItem>
-</file>
-
-<file path=customXml/itemProps79.xml><?xml version="1.0" encoding="utf-8"?>
-<ds:datastoreItem xmlns:ds="http://schemas.openxmlformats.org/officeDocument/2006/customXml" ds:itemID="{B2B24FB6-85BB-407E-9155-09198E969BA6}">
-  <ds:schemaRefs>
-    <ds:schemaRef ds:uri="http://schemas.microsoft.com/VisualStudio/2011/storyboarding/control"/>
-  </ds:schemaRefs>
-</ds:datastoreItem>
-</file>
-
-<file path=customXml/itemProps8.xml><?xml version="1.0" encoding="utf-8"?>
-<ds:datastoreItem xmlns:ds="http://schemas.openxmlformats.org/officeDocument/2006/customXml" ds:itemID="{62297194-F276-4C35-9AA2-BFDF1B032F77}">
-  <ds:schemaRefs>
-    <ds:schemaRef ds:uri="http://schemas.microsoft.com/VisualStudio/2011/storyboarding/control"/>
-  </ds:schemaRefs>
-</ds:datastoreItem>
-</file>
-
-<file path=customXml/itemProps80.xml><?xml version="1.0" encoding="utf-8"?>
-<ds:datastoreItem xmlns:ds="http://schemas.openxmlformats.org/officeDocument/2006/customXml" ds:itemID="{AD76B1A6-281F-434B-87D7-4252EED5040E}">
-  <ds:schemaRefs>
-    <ds:schemaRef ds:uri="http://schemas.microsoft.com/VisualStudio/2011/storyboarding/control"/>
-  </ds:schemaRefs>
-</ds:datastoreItem>
-</file>
-
-<file path=customXml/itemProps81.xml><?xml version="1.0" encoding="utf-8"?>
-<ds:datastoreItem xmlns:ds="http://schemas.openxmlformats.org/officeDocument/2006/customXml" ds:itemID="{1256E2D0-257D-4FB8-BC1B-3666B5007269}">
-  <ds:schemaRefs>
-    <ds:schemaRef ds:uri="http://schemas.microsoft.com/VisualStudio/2011/storyboarding/control"/>
-  </ds:schemaRefs>
-</ds:datastoreItem>
-</file>
-
-<file path=customXml/itemProps82.xml><?xml version="1.0" encoding="utf-8"?>
-<ds:datastoreItem xmlns:ds="http://schemas.openxmlformats.org/officeDocument/2006/customXml" ds:itemID="{DFBED902-F192-40FA-B829-570C5EE003A4}">
-  <ds:schemaRefs>
-    <ds:schemaRef ds:uri="http://schemas.microsoft.com/VisualStudio/2011/storyboarding/control"/>
-  </ds:schemaRefs>
-</ds:datastoreItem>
-</file>
-
-<file path=customXml/itemProps83.xml><?xml version="1.0" encoding="utf-8"?>
-<ds:datastoreItem xmlns:ds="http://schemas.openxmlformats.org/officeDocument/2006/customXml" ds:itemID="{507020E1-D915-4384-9987-D991B4CEC6A4}">
-  <ds:schemaRefs>
-    <ds:schemaRef ds:uri="http://schemas.microsoft.com/VisualStudio/2011/storyboarding/control"/>
-  </ds:schemaRefs>
-</ds:datastoreItem>
-</file>
-
-<file path=customXml/itemProps84.xml><?xml version="1.0" encoding="utf-8"?>
+<file path=customXml/itemProps90.xml><?xml version="1.0" encoding="utf-8"?>
 <ds:datastoreItem xmlns:ds="http://schemas.openxmlformats.org/officeDocument/2006/customXml" ds:itemID="{A20CCF91-9787-422A-AEBB-C4729D818C00}">
   <ds:schemaRefs>
     <ds:schemaRef ds:uri="http://schemas.microsoft.com/VisualStudio/2011/storyboarding/control"/>
@@ -26911,39 +27140,7 @@
 </ds:datastoreItem>
 </file>
 
-<file path=customXml/itemProps85.xml><?xml version="1.0" encoding="utf-8"?>
-<ds:datastoreItem xmlns:ds="http://schemas.openxmlformats.org/officeDocument/2006/customXml" ds:itemID="{0A0B0AB4-528F-45D0-9477-351EBE4AC7B5}">
-  <ds:schemaRefs>
-    <ds:schemaRef ds:uri="http://schemas.microsoft.com/VisualStudio/2011/storyboarding/control"/>
-  </ds:schemaRefs>
-</ds:datastoreItem>
-</file>
-
-<file path=customXml/itemProps86.xml><?xml version="1.0" encoding="utf-8"?>
-<ds:datastoreItem xmlns:ds="http://schemas.openxmlformats.org/officeDocument/2006/customXml" ds:itemID="{CCE23676-7212-4FCA-ABFB-70FF7FF618C0}">
-  <ds:schemaRefs>
-    <ds:schemaRef ds:uri="http://schemas.microsoft.com/VisualStudio/2011/storyboarding/control"/>
-  </ds:schemaRefs>
-</ds:datastoreItem>
-</file>
-
-<file path=customXml/itemProps87.xml><?xml version="1.0" encoding="utf-8"?>
-<ds:datastoreItem xmlns:ds="http://schemas.openxmlformats.org/officeDocument/2006/customXml" ds:itemID="{C5605554-8DDB-4D59-9C53-5B746B724ACF}">
-  <ds:schemaRefs>
-    <ds:schemaRef ds:uri="http://schemas.microsoft.com/VisualStudio/2011/storyboarding/control"/>
-  </ds:schemaRefs>
-</ds:datastoreItem>
-</file>
-
-<file path=customXml/itemProps88.xml><?xml version="1.0" encoding="utf-8"?>
-<ds:datastoreItem xmlns:ds="http://schemas.openxmlformats.org/officeDocument/2006/customXml" ds:itemID="{E33B031F-9E3E-44AB-B670-132AEF0CC0E0}">
-  <ds:schemaRefs>
-    <ds:schemaRef ds:uri="http://schemas.microsoft.com/VisualStudio/2011/storyboarding/control"/>
-  </ds:schemaRefs>
-</ds:datastoreItem>
-</file>
-
-<file path=customXml/itemProps89.xml><?xml version="1.0" encoding="utf-8"?>
+<file path=customXml/itemProps91.xml><?xml version="1.0" encoding="utf-8"?>
 <ds:datastoreItem xmlns:ds="http://schemas.openxmlformats.org/officeDocument/2006/customXml" ds:itemID="{70062652-335B-4750-85AC-FA1116CC1FA2}">
   <ds:schemaRefs>
     <ds:schemaRef ds:uri="http://schemas.microsoft.com/VisualStudio/2011/storyboarding/control"/>
@@ -26951,32 +27148,8 @@
 </ds:datastoreItem>
 </file>
 
-<file path=customXml/itemProps9.xml><?xml version="1.0" encoding="utf-8"?>
-<ds:datastoreItem xmlns:ds="http://schemas.openxmlformats.org/officeDocument/2006/customXml" ds:itemID="{22BBB2FA-F8D8-485D-82A6-F1C443370B32}">
-  <ds:schemaRefs>
-    <ds:schemaRef ds:uri="http://schemas.microsoft.com/VisualStudio/2011/storyboarding/control"/>
-  </ds:schemaRefs>
-</ds:datastoreItem>
-</file>
-
-<file path=customXml/itemProps90.xml><?xml version="1.0" encoding="utf-8"?>
-<ds:datastoreItem xmlns:ds="http://schemas.openxmlformats.org/officeDocument/2006/customXml" ds:itemID="{F56F2941-353E-449E-AA09-F8908BE1CF86}">
-  <ds:schemaRefs>
-    <ds:schemaRef ds:uri="http://schemas.microsoft.com/VisualStudio/2011/storyboarding/control"/>
-  </ds:schemaRefs>
-</ds:datastoreItem>
-</file>
-
-<file path=customXml/itemProps91.xml><?xml version="1.0" encoding="utf-8"?>
-<ds:datastoreItem xmlns:ds="http://schemas.openxmlformats.org/officeDocument/2006/customXml" ds:itemID="{EBED6F1E-FCA0-4B8F-9AD0-DCA724A8FEB9}">
-  <ds:schemaRefs>
-    <ds:schemaRef ds:uri="http://schemas.microsoft.com/VisualStudio/2011/storyboarding/control"/>
-  </ds:schemaRefs>
-</ds:datastoreItem>
-</file>
-
 <file path=customXml/itemProps92.xml><?xml version="1.0" encoding="utf-8"?>
-<ds:datastoreItem xmlns:ds="http://schemas.openxmlformats.org/officeDocument/2006/customXml" ds:itemID="{DC5D4FC3-B708-47AD-A0D7-B98414327C2F}">
+<ds:datastoreItem xmlns:ds="http://schemas.openxmlformats.org/officeDocument/2006/customXml" ds:itemID="{57DA300F-9A6A-4CF1-AC7A-D50BE33059D3}">
   <ds:schemaRefs>
     <ds:schemaRef ds:uri="http://schemas.microsoft.com/VisualStudio/2011/storyboarding/control"/>
   </ds:schemaRefs>
@@ -26984,7 +27157,7 @@
 </file>
 
 <file path=customXml/itemProps93.xml><?xml version="1.0" encoding="utf-8"?>
-<ds:datastoreItem xmlns:ds="http://schemas.openxmlformats.org/officeDocument/2006/customXml" ds:itemID="{60EA6796-5DBC-4382-82C4-026F3E6B0075}">
+<ds:datastoreItem xmlns:ds="http://schemas.openxmlformats.org/officeDocument/2006/customXml" ds:itemID="{696C7FC6-5DA9-4D1F-8CCE-7025BD68CA0F}">
   <ds:schemaRefs>
     <ds:schemaRef ds:uri="http://schemas.microsoft.com/VisualStudio/2011/storyboarding/control"/>
   </ds:schemaRefs>
@@ -26992,7 +27165,7 @@
 </file>
 
 <file path=customXml/itemProps94.xml><?xml version="1.0" encoding="utf-8"?>
-<ds:datastoreItem xmlns:ds="http://schemas.openxmlformats.org/officeDocument/2006/customXml" ds:itemID="{B945FD6A-04E9-4DD2-94EC-104268517FC4}">
+<ds:datastoreItem xmlns:ds="http://schemas.openxmlformats.org/officeDocument/2006/customXml" ds:itemID="{2D71B260-49DD-430A-993F-35BB818160D2}">
   <ds:schemaRefs>
     <ds:schemaRef ds:uri="http://schemas.microsoft.com/VisualStudio/2011/storyboarding/control"/>
   </ds:schemaRefs>
@@ -27000,7 +27173,7 @@
 </file>
 
 <file path=customXml/itemProps95.xml><?xml version="1.0" encoding="utf-8"?>
-<ds:datastoreItem xmlns:ds="http://schemas.openxmlformats.org/officeDocument/2006/customXml" ds:itemID="{1C78CB2B-A8B9-4D7D-854A-D0A2F43A5950}">
+<ds:datastoreItem xmlns:ds="http://schemas.openxmlformats.org/officeDocument/2006/customXml" ds:itemID="{864CECF6-9DCA-4D1C-9B38-E0688ABC9BEF}">
   <ds:schemaRefs>
     <ds:schemaRef ds:uri="http://schemas.microsoft.com/VisualStudio/2011/storyboarding/control"/>
   </ds:schemaRefs>
@@ -27008,7 +27181,7 @@
 </file>
 
 <file path=customXml/itemProps96.xml><?xml version="1.0" encoding="utf-8"?>
-<ds:datastoreItem xmlns:ds="http://schemas.openxmlformats.org/officeDocument/2006/customXml" ds:itemID="{6CAE292F-FD89-4F6D-910D-2C5605E3D35A}">
+<ds:datastoreItem xmlns:ds="http://schemas.openxmlformats.org/officeDocument/2006/customXml" ds:itemID="{DAAAB185-3E9A-4858-A301-91AC1E282FCF}">
   <ds:schemaRefs>
     <ds:schemaRef ds:uri="http://schemas.microsoft.com/VisualStudio/2011/storyboarding/control"/>
   </ds:schemaRefs>
@@ -27016,7 +27189,23 @@
 </file>
 
 <file path=customXml/itemProps97.xml><?xml version="1.0" encoding="utf-8"?>
-<ds:datastoreItem xmlns:ds="http://schemas.openxmlformats.org/officeDocument/2006/customXml" ds:itemID="{AD80B81F-1663-4383-8923-3765025EB686}">
+<ds:datastoreItem xmlns:ds="http://schemas.openxmlformats.org/officeDocument/2006/customXml" ds:itemID="{C11AF406-DD81-4DC9-886A-0313350AB230}">
+  <ds:schemaRefs>
+    <ds:schemaRef ds:uri="http://schemas.microsoft.com/VisualStudio/2011/storyboarding/control"/>
+  </ds:schemaRefs>
+</ds:datastoreItem>
+</file>
+
+<file path=customXml/itemProps98.xml><?xml version="1.0" encoding="utf-8"?>
+<ds:datastoreItem xmlns:ds="http://schemas.openxmlformats.org/officeDocument/2006/customXml" ds:itemID="{CDE7C71D-D37D-4D41-A387-869200DAB306}">
+  <ds:schemaRefs>
+    <ds:schemaRef ds:uri="http://schemas.microsoft.com/VisualStudio/2011/storyboarding/control"/>
+  </ds:schemaRefs>
+</ds:datastoreItem>
+</file>
+
+<file path=customXml/itemProps99.xml><?xml version="1.0" encoding="utf-8"?>
+<ds:datastoreItem xmlns:ds="http://schemas.openxmlformats.org/officeDocument/2006/customXml" ds:itemID="{6E7854AA-34D0-4497-8903-2588841233F9}">
   <ds:schemaRefs>
     <ds:schemaRef ds:uri="http://schemas.microsoft.com/VisualStudio/2011/storyboarding/control"/>
   </ds:schemaRefs>
